--- a/vortrag/Vortrag.pptx
+++ b/vortrag/Vortrag.pptx
@@ -15,13 +15,19 @@
     <p:sldId id="263" r:id="rId9"/>
     <p:sldId id="264" r:id="rId10"/>
     <p:sldId id="265" r:id="rId11"/>
-    <p:sldId id="266" r:id="rId12"/>
-    <p:sldId id="268" r:id="rId13"/>
-    <p:sldId id="267" r:id="rId14"/>
-    <p:sldId id="271" r:id="rId15"/>
-    <p:sldId id="269" r:id="rId16"/>
-    <p:sldId id="272" r:id="rId17"/>
+    <p:sldId id="280" r:id="rId12"/>
+    <p:sldId id="266" r:id="rId13"/>
+    <p:sldId id="268" r:id="rId14"/>
+    <p:sldId id="267" r:id="rId15"/>
+    <p:sldId id="271" r:id="rId16"/>
+    <p:sldId id="278" r:id="rId17"/>
     <p:sldId id="270" r:id="rId18"/>
+    <p:sldId id="273" r:id="rId19"/>
+    <p:sldId id="274" r:id="rId20"/>
+    <p:sldId id="275" r:id="rId21"/>
+    <p:sldId id="276" r:id="rId22"/>
+    <p:sldId id="277" r:id="rId23"/>
+    <p:sldId id="279" r:id="rId24"/>
   </p:sldIdLst>
   <p:sldSz cx="12192000" cy="6858000"/>
   <p:notesSz cx="6858000" cy="9144000"/>
@@ -277,7 +283,7 @@
           <a:p>
             <a:fld id="{935A845D-7631-4A7E-AE12-65C032EF827A}" type="datetimeFigureOut">
               <a:rPr lang="zh-CN" altLang="en-US" smtClean="0"/>
-              <a:t>2024/1/31</a:t>
+              <a:t>2024/2/1</a:t>
             </a:fld>
             <a:endParaRPr lang="zh-CN" altLang="en-US"/>
           </a:p>
@@ -477,7 +483,7 @@
           <a:p>
             <a:fld id="{935A845D-7631-4A7E-AE12-65C032EF827A}" type="datetimeFigureOut">
               <a:rPr lang="zh-CN" altLang="en-US" smtClean="0"/>
-              <a:t>2024/1/31</a:t>
+              <a:t>2024/2/1</a:t>
             </a:fld>
             <a:endParaRPr lang="zh-CN" altLang="en-US"/>
           </a:p>
@@ -687,7 +693,7 @@
           <a:p>
             <a:fld id="{935A845D-7631-4A7E-AE12-65C032EF827A}" type="datetimeFigureOut">
               <a:rPr lang="zh-CN" altLang="en-US" smtClean="0"/>
-              <a:t>2024/1/31</a:t>
+              <a:t>2024/2/1</a:t>
             </a:fld>
             <a:endParaRPr lang="zh-CN" altLang="en-US"/>
           </a:p>
@@ -887,7 +893,7 @@
           <a:p>
             <a:fld id="{935A845D-7631-4A7E-AE12-65C032EF827A}" type="datetimeFigureOut">
               <a:rPr lang="zh-CN" altLang="en-US" smtClean="0"/>
-              <a:t>2024/1/31</a:t>
+              <a:t>2024/2/1</a:t>
             </a:fld>
             <a:endParaRPr lang="zh-CN" altLang="en-US"/>
           </a:p>
@@ -1163,7 +1169,7 @@
           <a:p>
             <a:fld id="{935A845D-7631-4A7E-AE12-65C032EF827A}" type="datetimeFigureOut">
               <a:rPr lang="zh-CN" altLang="en-US" smtClean="0"/>
-              <a:t>2024/1/31</a:t>
+              <a:t>2024/2/1</a:t>
             </a:fld>
             <a:endParaRPr lang="zh-CN" altLang="en-US"/>
           </a:p>
@@ -1431,7 +1437,7 @@
           <a:p>
             <a:fld id="{935A845D-7631-4A7E-AE12-65C032EF827A}" type="datetimeFigureOut">
               <a:rPr lang="zh-CN" altLang="en-US" smtClean="0"/>
-              <a:t>2024/1/31</a:t>
+              <a:t>2024/2/1</a:t>
             </a:fld>
             <a:endParaRPr lang="zh-CN" altLang="en-US"/>
           </a:p>
@@ -1846,7 +1852,7 @@
           <a:p>
             <a:fld id="{935A845D-7631-4A7E-AE12-65C032EF827A}" type="datetimeFigureOut">
               <a:rPr lang="zh-CN" altLang="en-US" smtClean="0"/>
-              <a:t>2024/1/31</a:t>
+              <a:t>2024/2/1</a:t>
             </a:fld>
             <a:endParaRPr lang="zh-CN" altLang="en-US"/>
           </a:p>
@@ -1988,7 +1994,7 @@
           <a:p>
             <a:fld id="{935A845D-7631-4A7E-AE12-65C032EF827A}" type="datetimeFigureOut">
               <a:rPr lang="zh-CN" altLang="en-US" smtClean="0"/>
-              <a:t>2024/1/31</a:t>
+              <a:t>2024/2/1</a:t>
             </a:fld>
             <a:endParaRPr lang="zh-CN" altLang="en-US"/>
           </a:p>
@@ -2101,7 +2107,7 @@
           <a:p>
             <a:fld id="{935A845D-7631-4A7E-AE12-65C032EF827A}" type="datetimeFigureOut">
               <a:rPr lang="zh-CN" altLang="en-US" smtClean="0"/>
-              <a:t>2024/1/31</a:t>
+              <a:t>2024/2/1</a:t>
             </a:fld>
             <a:endParaRPr lang="zh-CN" altLang="en-US"/>
           </a:p>
@@ -2414,7 +2420,7 @@
           <a:p>
             <a:fld id="{935A845D-7631-4A7E-AE12-65C032EF827A}" type="datetimeFigureOut">
               <a:rPr lang="zh-CN" altLang="en-US" smtClean="0"/>
-              <a:t>2024/1/31</a:t>
+              <a:t>2024/2/1</a:t>
             </a:fld>
             <a:endParaRPr lang="zh-CN" altLang="en-US"/>
           </a:p>
@@ -2703,7 +2709,7 @@
           <a:p>
             <a:fld id="{935A845D-7631-4A7E-AE12-65C032EF827A}" type="datetimeFigureOut">
               <a:rPr lang="zh-CN" altLang="en-US" smtClean="0"/>
-              <a:t>2024/1/31</a:t>
+              <a:t>2024/2/1</a:t>
             </a:fld>
             <a:endParaRPr lang="zh-CN" altLang="en-US"/>
           </a:p>
@@ -2946,7 +2952,7 @@
           <a:p>
             <a:fld id="{935A845D-7631-4A7E-AE12-65C032EF827A}" type="datetimeFigureOut">
               <a:rPr lang="zh-CN" altLang="en-US" smtClean="0"/>
-              <a:t>2024/1/31</a:t>
+              <a:t>2024/2/1</a:t>
             </a:fld>
             <a:endParaRPr lang="zh-CN" altLang="en-US"/>
           </a:p>
@@ -10624,10 +10630,28 @@
         </p:spPr>
         <p:txBody>
           <a:bodyPr>
-            <a:normAutofit/>
+            <a:normAutofit fontScale="85000" lnSpcReduction="20000"/>
           </a:bodyPr>
           <a:lstStyle/>
           <a:p>
+            <a:r>
+              <a:rPr lang="en-US" altLang="zh-CN" dirty="0">
+                <a:solidFill>
+                  <a:schemeClr val="tx2"/>
+                </a:solidFill>
+              </a:rPr>
+              <a:t>Ziqing Yu</a:t>
+            </a:r>
+          </a:p>
+          <a:p>
+            <a:r>
+              <a:rPr lang="en-US" altLang="zh-CN">
+                <a:solidFill>
+                  <a:schemeClr val="tx2"/>
+                </a:solidFill>
+              </a:rPr>
+              <a:t>02.02.2024</a:t>
+            </a:r>
             <a:endParaRPr lang="zh-CN" altLang="en-US" dirty="0">
               <a:solidFill>
                 <a:schemeClr val="tx2"/>
@@ -12884,96 +12908,22 @@
           <a:p>
             <a:r>
               <a:rPr lang="en-US" altLang="zh-CN" dirty="0"/>
-              <a:t>Factors can be divided into 2 groups:</a:t>
+              <a:t>Factors are not independent from each other</a:t>
             </a:r>
           </a:p>
           <a:p>
             <a:pPr lvl="1"/>
             <a:r>
-              <a:rPr lang="en-US" altLang="zh-CN" dirty="0" err="1"/>
-              <a:t>Subjectiv</a:t>
-            </a:r>
-            <a:r>
               <a:rPr lang="en-US" altLang="zh-CN" dirty="0"/>
-              <a:t>:</a:t>
-            </a:r>
-          </a:p>
-          <a:p>
-            <a:pPr lvl="2"/>
+              <a:t>NSS overall has a correlation of 0.89 (of -1 to 1) with NSS Teaching but only 0.3 with NSS Feedback</a:t>
+            </a:r>
+          </a:p>
+          <a:p>
+            <a:pPr lvl="1"/>
             <a:r>
               <a:rPr lang="en-US" altLang="zh-CN" dirty="0"/>
-              <a:t>NSS Teaching</a:t>
-            </a:r>
-          </a:p>
-          <a:p>
-            <a:pPr lvl="2"/>
-            <a:r>
-              <a:rPr lang="en-US" altLang="zh-CN" dirty="0"/>
-              <a:t>NSS Overall</a:t>
-            </a:r>
-          </a:p>
-          <a:p>
-            <a:pPr lvl="2"/>
-            <a:r>
-              <a:rPr lang="en-US" altLang="zh-CN" dirty="0"/>
-              <a:t>NSS Feedback</a:t>
-            </a:r>
-          </a:p>
-          <a:p>
-            <a:pPr lvl="1"/>
-            <a:r>
-              <a:rPr lang="en-US" altLang="zh-CN" dirty="0" err="1"/>
-              <a:t>Objectiv</a:t>
-            </a:r>
-            <a:r>
-              <a:rPr lang="en-US" altLang="zh-CN" dirty="0"/>
-              <a:t>:</a:t>
-            </a:r>
-          </a:p>
-          <a:p>
-            <a:pPr lvl="2"/>
-            <a:r>
-              <a:rPr lang="en-US" altLang="zh-CN" dirty="0" err="1"/>
-              <a:t>Student:Staff</a:t>
-            </a:r>
-            <a:r>
-              <a:rPr lang="en-US" altLang="zh-CN" dirty="0"/>
-              <a:t> ratio</a:t>
-            </a:r>
-          </a:p>
-          <a:p>
-            <a:pPr lvl="2"/>
-            <a:r>
-              <a:rPr lang="en-US" altLang="zh-CN" dirty="0"/>
-              <a:t>Career prospects</a:t>
-            </a:r>
-          </a:p>
-          <a:p>
-            <a:pPr lvl="2"/>
-            <a:r>
-              <a:rPr lang="en-US" altLang="zh-CN" dirty="0"/>
-              <a:t>Expenditure per student</a:t>
-            </a:r>
-          </a:p>
-          <a:p>
-            <a:pPr lvl="2"/>
-            <a:r>
-              <a:rPr lang="en-US" altLang="zh-CN" dirty="0"/>
-              <a:t>Entry Tariff</a:t>
-            </a:r>
-          </a:p>
-          <a:p>
-            <a:pPr lvl="2"/>
-            <a:r>
-              <a:rPr lang="en-US" altLang="zh-CN" dirty="0"/>
-              <a:t>Value added</a:t>
-            </a:r>
-          </a:p>
-          <a:p>
-            <a:pPr marL="914400" lvl="2" indent="0">
-              <a:buNone/>
-            </a:pPr>
-            <a:endParaRPr lang="zh-CN" altLang="en-US" dirty="0"/>
+              <a:t>The correlation between NSS overall and Student Staff ratio is -0.59, there is no obvious correlation between NSS feed back and student staff ratio</a:t>
+            </a:r>
           </a:p>
         </p:txBody>
       </p:sp>
@@ -13060,6 +13010,150 @@
           <a:p>
             <a:r>
               <a:rPr lang="en-US" altLang="zh-CN" dirty="0"/>
+              <a:t>Data Understanding</a:t>
+            </a:r>
+            <a:endParaRPr lang="zh-CN" altLang="en-US" dirty="0"/>
+          </a:p>
+        </p:txBody>
+      </p:sp>
+      <p:pic>
+        <p:nvPicPr>
+          <p:cNvPr id="4" name="Picture 3">
+            <a:extLst>
+              <a:ext uri="{FF2B5EF4-FFF2-40B4-BE49-F238E27FC236}">
+                <a16:creationId xmlns:a16="http://schemas.microsoft.com/office/drawing/2014/main" id="{43D48B0D-BF5F-8C04-8443-2AF93BBCA0EF}"/>
+              </a:ext>
+            </a:extLst>
+          </p:cNvPr>
+          <p:cNvPicPr>
+            <a:picLocks noChangeAspect="1"/>
+          </p:cNvPicPr>
+          <p:nvPr/>
+        </p:nvPicPr>
+        <p:blipFill>
+          <a:blip r:embed="rId2"/>
+          <a:stretch>
+            <a:fillRect/>
+          </a:stretch>
+        </p:blipFill>
+        <p:spPr>
+          <a:xfrm>
+            <a:off x="112920" y="71951"/>
+            <a:ext cx="642860" cy="642860"/>
+          </a:xfrm>
+          <a:prstGeom prst="rect">
+            <a:avLst/>
+          </a:prstGeom>
+        </p:spPr>
+      </p:pic>
+      <p:sp>
+        <p:nvSpPr>
+          <p:cNvPr id="12" name="Content Placeholder 11">
+            <a:extLst>
+              <a:ext uri="{FF2B5EF4-FFF2-40B4-BE49-F238E27FC236}">
+                <a16:creationId xmlns:a16="http://schemas.microsoft.com/office/drawing/2014/main" id="{43114091-5946-1719-27D6-6861E8026D49}"/>
+              </a:ext>
+            </a:extLst>
+          </p:cNvPr>
+          <p:cNvSpPr>
+            <a:spLocks noGrp="1"/>
+          </p:cNvSpPr>
+          <p:nvPr>
+            <p:ph idx="1"/>
+          </p:nvPr>
+        </p:nvSpPr>
+        <p:spPr/>
+        <p:txBody>
+          <a:bodyPr/>
+          <a:lstStyle/>
+          <a:p>
+            <a:endParaRPr lang="zh-CN" altLang="en-US" dirty="0"/>
+          </a:p>
+        </p:txBody>
+      </p:sp>
+      <p:pic>
+        <p:nvPicPr>
+          <p:cNvPr id="14" name="Picture 13">
+            <a:extLst>
+              <a:ext uri="{FF2B5EF4-FFF2-40B4-BE49-F238E27FC236}">
+                <a16:creationId xmlns:a16="http://schemas.microsoft.com/office/drawing/2014/main" id="{FA6989EA-15DB-8865-A4BA-D0DB048A4301}"/>
+              </a:ext>
+            </a:extLst>
+          </p:cNvPr>
+          <p:cNvPicPr>
+            <a:picLocks noChangeAspect="1"/>
+          </p:cNvPicPr>
+          <p:nvPr/>
+        </p:nvPicPr>
+        <p:blipFill>
+          <a:blip r:embed="rId3"/>
+          <a:stretch>
+            <a:fillRect/>
+          </a:stretch>
+        </p:blipFill>
+        <p:spPr>
+          <a:xfrm>
+            <a:off x="0" y="2104412"/>
+            <a:ext cx="12192000" cy="2817126"/>
+          </a:xfrm>
+          <a:prstGeom prst="rect">
+            <a:avLst/>
+          </a:prstGeom>
+        </p:spPr>
+      </p:pic>
+    </p:spTree>
+    <p:extLst>
+      <p:ext uri="{BB962C8B-B14F-4D97-AF65-F5344CB8AC3E}">
+        <p14:creationId xmlns:p14="http://schemas.microsoft.com/office/powerpoint/2010/main" val="3315122183"/>
+      </p:ext>
+    </p:extLst>
+  </p:cSld>
+  <p:clrMapOvr>
+    <a:masterClrMapping/>
+  </p:clrMapOvr>
+</p:sld>
+</file>
+
+<file path=ppt/slides/slide12.xml><?xml version="1.0" encoding="utf-8"?>
+<p:sld xmlns:a="http://schemas.openxmlformats.org/drawingml/2006/main" xmlns:r="http://schemas.openxmlformats.org/officeDocument/2006/relationships" xmlns:p="http://schemas.openxmlformats.org/presentationml/2006/main">
+  <p:cSld>
+    <p:spTree>
+      <p:nvGrpSpPr>
+        <p:cNvPr id="1" name=""/>
+        <p:cNvGrpSpPr/>
+        <p:nvPr/>
+      </p:nvGrpSpPr>
+      <p:grpSpPr>
+        <a:xfrm>
+          <a:off x="0" y="0"/>
+          <a:ext cx="0" cy="0"/>
+          <a:chOff x="0" y="0"/>
+          <a:chExt cx="0" cy="0"/>
+        </a:xfrm>
+      </p:grpSpPr>
+      <p:sp>
+        <p:nvSpPr>
+          <p:cNvPr id="2" name="Title 1">
+            <a:extLst>
+              <a:ext uri="{FF2B5EF4-FFF2-40B4-BE49-F238E27FC236}">
+                <a16:creationId xmlns:a16="http://schemas.microsoft.com/office/drawing/2014/main" id="{9CD010A8-DD37-4634-0BB6-A901A79A8BC2}"/>
+              </a:ext>
+            </a:extLst>
+          </p:cNvPr>
+          <p:cNvSpPr>
+            <a:spLocks noGrp="1"/>
+          </p:cNvSpPr>
+          <p:nvPr>
+            <p:ph type="title"/>
+          </p:nvPr>
+        </p:nvSpPr>
+        <p:spPr/>
+        <p:txBody>
+          <a:bodyPr/>
+          <a:lstStyle/>
+          <a:p>
+            <a:r>
+              <a:rPr lang="en-US" altLang="zh-CN" dirty="0"/>
               <a:t>Data Preparation</a:t>
             </a:r>
             <a:endParaRPr lang="zh-CN" altLang="en-US" dirty="0"/>
@@ -13089,7 +13183,7 @@
           <a:p>
             <a:r>
               <a:rPr lang="en-US" altLang="zh-CN" dirty="0"/>
-              <a:t>Data is stored in a excel table</a:t>
+              <a:t>Data is given in a excel table</a:t>
             </a:r>
             <a:endParaRPr lang="zh-CN" altLang="en-US" dirty="0"/>
           </a:p>
@@ -13168,7 +13262,7 @@
 </p:sld>
 </file>
 
-<file path=ppt/slides/slide12.xml><?xml version="1.0" encoding="utf-8"?>
+<file path=ppt/slides/slide13.xml><?xml version="1.0" encoding="utf-8"?>
 <p:sld xmlns:a="http://schemas.openxmlformats.org/drawingml/2006/main" xmlns:r="http://schemas.openxmlformats.org/officeDocument/2006/relationships" xmlns:p="http://schemas.openxmlformats.org/presentationml/2006/main">
   <p:cSld>
     <p:spTree>
@@ -13361,7 +13455,7 @@
 </p:sld>
 </file>
 
-<file path=ppt/slides/slide13.xml><?xml version="1.0" encoding="utf-8"?>
+<file path=ppt/slides/slide14.xml><?xml version="1.0" encoding="utf-8"?>
 <p:sld xmlns:a="http://schemas.openxmlformats.org/drawingml/2006/main" xmlns:r="http://schemas.openxmlformats.org/officeDocument/2006/relationships" xmlns:p="http://schemas.openxmlformats.org/presentationml/2006/main">
   <p:cSld>
     <p:spTree>
@@ -13547,7 +13641,7 @@
 </p:sld>
 </file>
 
-<file path=ppt/slides/slide14.xml><?xml version="1.0" encoding="utf-8"?>
+<file path=ppt/slides/slide15.xml><?xml version="1.0" encoding="utf-8"?>
 <p:sld xmlns:a="http://schemas.openxmlformats.org/drawingml/2006/main" xmlns:r="http://schemas.openxmlformats.org/officeDocument/2006/relationships" xmlns:p="http://schemas.openxmlformats.org/presentationml/2006/main">
   <p:cSld>
     <p:spTree>
@@ -13701,186 +13795,6 @@
 </p:sld>
 </file>
 
-<file path=ppt/slides/slide15.xml><?xml version="1.0" encoding="utf-8"?>
-<p:sld xmlns:a="http://schemas.openxmlformats.org/drawingml/2006/main" xmlns:r="http://schemas.openxmlformats.org/officeDocument/2006/relationships" xmlns:p="http://schemas.openxmlformats.org/presentationml/2006/main">
-  <p:cSld>
-    <p:spTree>
-      <p:nvGrpSpPr>
-        <p:cNvPr id="1" name=""/>
-        <p:cNvGrpSpPr/>
-        <p:nvPr/>
-      </p:nvGrpSpPr>
-      <p:grpSpPr>
-        <a:xfrm>
-          <a:off x="0" y="0"/>
-          <a:ext cx="0" cy="0"/>
-          <a:chOff x="0" y="0"/>
-          <a:chExt cx="0" cy="0"/>
-        </a:xfrm>
-      </p:grpSpPr>
-      <p:sp>
-        <p:nvSpPr>
-          <p:cNvPr id="2" name="Title 1">
-            <a:extLst>
-              <a:ext uri="{FF2B5EF4-FFF2-40B4-BE49-F238E27FC236}">
-                <a16:creationId xmlns:a16="http://schemas.microsoft.com/office/drawing/2014/main" id="{9CD010A8-DD37-4634-0BB6-A901A79A8BC2}"/>
-              </a:ext>
-            </a:extLst>
-          </p:cNvPr>
-          <p:cNvSpPr>
-            <a:spLocks noGrp="1"/>
-          </p:cNvSpPr>
-          <p:nvPr>
-            <p:ph type="title"/>
-          </p:nvPr>
-        </p:nvSpPr>
-        <p:spPr/>
-        <p:txBody>
-          <a:bodyPr/>
-          <a:lstStyle/>
-          <a:p>
-            <a:r>
-              <a:rPr lang="en-US" altLang="zh-CN" dirty="0"/>
-              <a:t>Evaluation</a:t>
-            </a:r>
-            <a:endParaRPr lang="zh-CN" altLang="en-US" dirty="0"/>
-          </a:p>
-        </p:txBody>
-      </p:sp>
-      <p:sp>
-        <p:nvSpPr>
-          <p:cNvPr id="3" name="Content Placeholder 2">
-            <a:extLst>
-              <a:ext uri="{FF2B5EF4-FFF2-40B4-BE49-F238E27FC236}">
-                <a16:creationId xmlns:a16="http://schemas.microsoft.com/office/drawing/2014/main" id="{9A1F6A18-EE88-0312-878A-762A8E49FAD1}"/>
-              </a:ext>
-            </a:extLst>
-          </p:cNvPr>
-          <p:cNvSpPr>
-            <a:spLocks noGrp="1"/>
-          </p:cNvSpPr>
-          <p:nvPr>
-            <p:ph idx="1"/>
-          </p:nvPr>
-        </p:nvSpPr>
-        <p:spPr/>
-        <p:txBody>
-          <a:bodyPr/>
-          <a:lstStyle/>
-          <a:p>
-            <a:r>
-              <a:rPr lang="en-US" altLang="zh-CN" dirty="0"/>
-              <a:t>Example: Edinburgh</a:t>
-            </a:r>
-          </a:p>
-          <a:p>
-            <a:endParaRPr lang="en-US" altLang="zh-CN" dirty="0"/>
-          </a:p>
-          <a:p>
-            <a:pPr marL="0" indent="0">
-              <a:buNone/>
-            </a:pPr>
-            <a:r>
-              <a:rPr lang="en-US" altLang="zh-CN" dirty="0"/>
-              <a:t>Average Entry Tariff of Edinburgh in 2015 is 489.22</a:t>
-            </a:r>
-          </a:p>
-          <a:p>
-            <a:pPr marL="0" indent="0">
-              <a:buNone/>
-            </a:pPr>
-            <a:endParaRPr lang="en-US" altLang="zh-CN" dirty="0"/>
-          </a:p>
-          <a:p>
-            <a:pPr marL="0" indent="0">
-              <a:buNone/>
-            </a:pPr>
-            <a:r>
-              <a:rPr lang="en-US" altLang="zh-CN" dirty="0"/>
-              <a:t>Find the university with tariff between 460 and 520</a:t>
-            </a:r>
-          </a:p>
-          <a:p>
-            <a:endParaRPr lang="en-US" altLang="zh-CN" dirty="0"/>
-          </a:p>
-          <a:p>
-            <a:endParaRPr lang="zh-CN" altLang="en-US" dirty="0"/>
-          </a:p>
-        </p:txBody>
-      </p:sp>
-      <p:pic>
-        <p:nvPicPr>
-          <p:cNvPr id="4" name="Picture 3">
-            <a:extLst>
-              <a:ext uri="{FF2B5EF4-FFF2-40B4-BE49-F238E27FC236}">
-                <a16:creationId xmlns:a16="http://schemas.microsoft.com/office/drawing/2014/main" id="{43D48B0D-BF5F-8C04-8443-2AF93BBCA0EF}"/>
-              </a:ext>
-            </a:extLst>
-          </p:cNvPr>
-          <p:cNvPicPr>
-            <a:picLocks noChangeAspect="1"/>
-          </p:cNvPicPr>
-          <p:nvPr/>
-        </p:nvPicPr>
-        <p:blipFill>
-          <a:blip r:embed="rId2"/>
-          <a:stretch>
-            <a:fillRect/>
-          </a:stretch>
-        </p:blipFill>
-        <p:spPr>
-          <a:xfrm>
-            <a:off x="112920" y="71951"/>
-            <a:ext cx="642860" cy="642860"/>
-          </a:xfrm>
-          <a:prstGeom prst="rect">
-            <a:avLst/>
-          </a:prstGeom>
-        </p:spPr>
-      </p:pic>
-      <p:pic>
-        <p:nvPicPr>
-          <p:cNvPr id="16" name="Picture 15">
-            <a:extLst>
-              <a:ext uri="{FF2B5EF4-FFF2-40B4-BE49-F238E27FC236}">
-                <a16:creationId xmlns:a16="http://schemas.microsoft.com/office/drawing/2014/main" id="{3CF07BC0-0284-FC13-CA99-44D7D267084E}"/>
-              </a:ext>
-            </a:extLst>
-          </p:cNvPr>
-          <p:cNvPicPr>
-            <a:picLocks noChangeAspect="1"/>
-          </p:cNvPicPr>
-          <p:nvPr/>
-        </p:nvPicPr>
-        <p:blipFill>
-          <a:blip r:embed="rId3"/>
-          <a:stretch>
-            <a:fillRect/>
-          </a:stretch>
-        </p:blipFill>
-        <p:spPr>
-          <a:xfrm>
-            <a:off x="0" y="4431336"/>
-            <a:ext cx="12192000" cy="1484977"/>
-          </a:xfrm>
-          <a:prstGeom prst="rect">
-            <a:avLst/>
-          </a:prstGeom>
-        </p:spPr>
-      </p:pic>
-    </p:spTree>
-    <p:extLst>
-      <p:ext uri="{BB962C8B-B14F-4D97-AF65-F5344CB8AC3E}">
-        <p14:creationId xmlns:p14="http://schemas.microsoft.com/office/powerpoint/2010/main" val="3805052659"/>
-      </p:ext>
-    </p:extLst>
-  </p:cSld>
-  <p:clrMapOvr>
-    <a:masterClrMapping/>
-  </p:clrMapOvr>
-</p:sld>
-</file>
-
 <file path=ppt/slides/slide16.xml><?xml version="1.0" encoding="utf-8"?>
 <p:sld xmlns:a="http://schemas.openxmlformats.org/drawingml/2006/main" xmlns:r="http://schemas.openxmlformats.org/officeDocument/2006/relationships" xmlns:p="http://schemas.openxmlformats.org/presentationml/2006/main">
   <p:cSld>
@@ -13903,7 +13817,7 @@
           <p:cNvPr id="2" name="Title 1">
             <a:extLst>
               <a:ext uri="{FF2B5EF4-FFF2-40B4-BE49-F238E27FC236}">
-                <a16:creationId xmlns:a16="http://schemas.microsoft.com/office/drawing/2014/main" id="{2D11A300-C0C0-3FFD-E3A2-25982836A4B6}"/>
+                <a16:creationId xmlns:a16="http://schemas.microsoft.com/office/drawing/2014/main" id="{198E2C07-6594-65B6-707D-A40419C50E7B}"/>
               </a:ext>
             </a:extLst>
           </p:cNvPr>
@@ -13929,90 +13843,292 @@
       </p:sp>
       <p:sp>
         <p:nvSpPr>
-          <p:cNvPr id="3" name="Content Placeholder 2">
+          <p:cNvPr id="6" name="Content Placeholder 2">
             <a:extLst>
               <a:ext uri="{FF2B5EF4-FFF2-40B4-BE49-F238E27FC236}">
-                <a16:creationId xmlns:a16="http://schemas.microsoft.com/office/drawing/2014/main" id="{4DE76871-5978-6048-F2B3-9BFF195FFB47}"/>
+                <a16:creationId xmlns:a16="http://schemas.microsoft.com/office/drawing/2014/main" id="{22E5C25C-FF4B-DCBD-FE92-907907020286}"/>
               </a:ext>
             </a:extLst>
           </p:cNvPr>
-          <p:cNvSpPr>
-            <a:spLocks noGrp="1"/>
+          <p:cNvSpPr txBox="1">
+            <a:spLocks/>
           </p:cNvSpPr>
-          <p:nvPr>
-            <p:ph idx="1"/>
-          </p:nvPr>
+          <p:nvPr/>
         </p:nvSpPr>
-        <p:spPr/>
+        <p:spPr>
+          <a:xfrm>
+            <a:off x="707571" y="1974915"/>
+            <a:ext cx="10515600" cy="4351338"/>
+          </a:xfrm>
+          <a:prstGeom prst="rect">
+            <a:avLst/>
+          </a:prstGeom>
+        </p:spPr>
         <p:txBody>
-          <a:bodyPr/>
-          <a:lstStyle/>
+          <a:bodyPr vert="horz" lIns="91440" tIns="45720" rIns="91440" bIns="45720" rtlCol="0">
+            <a:normAutofit/>
+          </a:bodyPr>
+          <a:lstStyle>
+            <a:lvl1pPr marL="228600" indent="-228600" algn="l" defTabSz="914400" rtl="0" eaLnBrk="1" latinLnBrk="0" hangingPunct="1">
+              <a:lnSpc>
+                <a:spcPct val="90000"/>
+              </a:lnSpc>
+              <a:spcBef>
+                <a:spcPts val="1000"/>
+              </a:spcBef>
+              <a:buFont typeface="Arial" panose="020B0604020202020204" pitchFamily="34" charset="0"/>
+              <a:buChar char="•"/>
+              <a:defRPr sz="2800" kern="1200">
+                <a:solidFill>
+                  <a:schemeClr val="tx1"/>
+                </a:solidFill>
+                <a:latin typeface="+mn-lt"/>
+                <a:ea typeface="+mn-ea"/>
+                <a:cs typeface="+mn-cs"/>
+              </a:defRPr>
+            </a:lvl1pPr>
+            <a:lvl2pPr marL="685800" indent="-228600" algn="l" defTabSz="914400" rtl="0" eaLnBrk="1" latinLnBrk="0" hangingPunct="1">
+              <a:lnSpc>
+                <a:spcPct val="90000"/>
+              </a:lnSpc>
+              <a:spcBef>
+                <a:spcPts val="500"/>
+              </a:spcBef>
+              <a:buFont typeface="Arial" panose="020B0604020202020204" pitchFamily="34" charset="0"/>
+              <a:buChar char="•"/>
+              <a:defRPr sz="2400" kern="1200">
+                <a:solidFill>
+                  <a:schemeClr val="tx1"/>
+                </a:solidFill>
+                <a:latin typeface="+mn-lt"/>
+                <a:ea typeface="+mn-ea"/>
+                <a:cs typeface="+mn-cs"/>
+              </a:defRPr>
+            </a:lvl2pPr>
+            <a:lvl3pPr marL="1143000" indent="-228600" algn="l" defTabSz="914400" rtl="0" eaLnBrk="1" latinLnBrk="0" hangingPunct="1">
+              <a:lnSpc>
+                <a:spcPct val="90000"/>
+              </a:lnSpc>
+              <a:spcBef>
+                <a:spcPts val="500"/>
+              </a:spcBef>
+              <a:buFont typeface="Arial" panose="020B0604020202020204" pitchFamily="34" charset="0"/>
+              <a:buChar char="•"/>
+              <a:defRPr sz="2000" kern="1200">
+                <a:solidFill>
+                  <a:schemeClr val="tx1"/>
+                </a:solidFill>
+                <a:latin typeface="+mn-lt"/>
+                <a:ea typeface="+mn-ea"/>
+                <a:cs typeface="+mn-cs"/>
+              </a:defRPr>
+            </a:lvl3pPr>
+            <a:lvl4pPr marL="1600200" indent="-228600" algn="l" defTabSz="914400" rtl="0" eaLnBrk="1" latinLnBrk="0" hangingPunct="1">
+              <a:lnSpc>
+                <a:spcPct val="90000"/>
+              </a:lnSpc>
+              <a:spcBef>
+                <a:spcPts val="500"/>
+              </a:spcBef>
+              <a:buFont typeface="Arial" panose="020B0604020202020204" pitchFamily="34" charset="0"/>
+              <a:buChar char="•"/>
+              <a:defRPr sz="1800" kern="1200">
+                <a:solidFill>
+                  <a:schemeClr val="tx1"/>
+                </a:solidFill>
+                <a:latin typeface="+mn-lt"/>
+                <a:ea typeface="+mn-ea"/>
+                <a:cs typeface="+mn-cs"/>
+              </a:defRPr>
+            </a:lvl4pPr>
+            <a:lvl5pPr marL="2057400" indent="-228600" algn="l" defTabSz="914400" rtl="0" eaLnBrk="1" latinLnBrk="0" hangingPunct="1">
+              <a:lnSpc>
+                <a:spcPct val="90000"/>
+              </a:lnSpc>
+              <a:spcBef>
+                <a:spcPts val="500"/>
+              </a:spcBef>
+              <a:buFont typeface="Arial" panose="020B0604020202020204" pitchFamily="34" charset="0"/>
+              <a:buChar char="•"/>
+              <a:defRPr sz="1800" kern="1200">
+                <a:solidFill>
+                  <a:schemeClr val="tx1"/>
+                </a:solidFill>
+                <a:latin typeface="+mn-lt"/>
+                <a:ea typeface="+mn-ea"/>
+                <a:cs typeface="+mn-cs"/>
+              </a:defRPr>
+            </a:lvl5pPr>
+            <a:lvl6pPr marL="2514600" indent="-228600" algn="l" defTabSz="914400" rtl="0" eaLnBrk="1" latinLnBrk="0" hangingPunct="1">
+              <a:lnSpc>
+                <a:spcPct val="90000"/>
+              </a:lnSpc>
+              <a:spcBef>
+                <a:spcPts val="500"/>
+              </a:spcBef>
+              <a:buFont typeface="Arial" panose="020B0604020202020204" pitchFamily="34" charset="0"/>
+              <a:buChar char="•"/>
+              <a:defRPr sz="1800" kern="1200">
+                <a:solidFill>
+                  <a:schemeClr val="tx1"/>
+                </a:solidFill>
+                <a:latin typeface="+mn-lt"/>
+                <a:ea typeface="+mn-ea"/>
+                <a:cs typeface="+mn-cs"/>
+              </a:defRPr>
+            </a:lvl6pPr>
+            <a:lvl7pPr marL="2971800" indent="-228600" algn="l" defTabSz="914400" rtl="0" eaLnBrk="1" latinLnBrk="0" hangingPunct="1">
+              <a:lnSpc>
+                <a:spcPct val="90000"/>
+              </a:lnSpc>
+              <a:spcBef>
+                <a:spcPts val="500"/>
+              </a:spcBef>
+              <a:buFont typeface="Arial" panose="020B0604020202020204" pitchFamily="34" charset="0"/>
+              <a:buChar char="•"/>
+              <a:defRPr sz="1800" kern="1200">
+                <a:solidFill>
+                  <a:schemeClr val="tx1"/>
+                </a:solidFill>
+                <a:latin typeface="+mn-lt"/>
+                <a:ea typeface="+mn-ea"/>
+                <a:cs typeface="+mn-cs"/>
+              </a:defRPr>
+            </a:lvl7pPr>
+            <a:lvl8pPr marL="3429000" indent="-228600" algn="l" defTabSz="914400" rtl="0" eaLnBrk="1" latinLnBrk="0" hangingPunct="1">
+              <a:lnSpc>
+                <a:spcPct val="90000"/>
+              </a:lnSpc>
+              <a:spcBef>
+                <a:spcPts val="500"/>
+              </a:spcBef>
+              <a:buFont typeface="Arial" panose="020B0604020202020204" pitchFamily="34" charset="0"/>
+              <a:buChar char="•"/>
+              <a:defRPr sz="1800" kern="1200">
+                <a:solidFill>
+                  <a:schemeClr val="tx1"/>
+                </a:solidFill>
+                <a:latin typeface="+mn-lt"/>
+                <a:ea typeface="+mn-ea"/>
+                <a:cs typeface="+mn-cs"/>
+              </a:defRPr>
+            </a:lvl8pPr>
+            <a:lvl9pPr marL="3886200" indent="-228600" algn="l" defTabSz="914400" rtl="0" eaLnBrk="1" latinLnBrk="0" hangingPunct="1">
+              <a:lnSpc>
+                <a:spcPct val="90000"/>
+              </a:lnSpc>
+              <a:spcBef>
+                <a:spcPts val="500"/>
+              </a:spcBef>
+              <a:buFont typeface="Arial" panose="020B0604020202020204" pitchFamily="34" charset="0"/>
+              <a:buChar char="•"/>
+              <a:defRPr sz="1800" kern="1200">
+                <a:solidFill>
+                  <a:schemeClr val="tx1"/>
+                </a:solidFill>
+                <a:latin typeface="+mn-lt"/>
+                <a:ea typeface="+mn-ea"/>
+                <a:cs typeface="+mn-cs"/>
+              </a:defRPr>
+            </a:lvl9pPr>
+          </a:lstStyle>
           <a:p>
             <a:r>
               <a:rPr lang="en-US" altLang="zh-CN" dirty="0"/>
-              <a:t>Advantage	</a:t>
+              <a:t>Example: Edinburgh: Rank 18 in 2015</a:t>
+            </a:r>
+          </a:p>
+          <a:p>
+            <a:r>
+              <a:rPr lang="en-US" altLang="zh-CN" dirty="0"/>
+              <a:t>Advantage by Ranking	</a:t>
             </a:r>
           </a:p>
           <a:p>
             <a:pPr lvl="1"/>
             <a:r>
               <a:rPr lang="en-US" altLang="zh-CN" dirty="0"/>
-              <a:t>Good </a:t>
-            </a:r>
-            <a:r>
-              <a:rPr lang="en-US" altLang="zh-CN" dirty="0" err="1"/>
-              <a:t>Student:staff</a:t>
-            </a:r>
+              <a:t>High Entry Tariff</a:t>
+            </a:r>
+          </a:p>
+          <a:p>
+            <a:pPr lvl="1"/>
             <a:r>
               <a:rPr lang="en-US" altLang="zh-CN" dirty="0"/>
-              <a:t> ratio (13.82)</a:t>
+              <a:t>High Spend per student</a:t>
+            </a:r>
+          </a:p>
+          <a:p>
+            <a:r>
+              <a:rPr lang="en-US" altLang="zh-CN" dirty="0"/>
+              <a:t>Disadvantage by Ranking</a:t>
             </a:r>
           </a:p>
           <a:p>
             <a:pPr lvl="1"/>
             <a:r>
               <a:rPr lang="en-US" altLang="zh-CN" dirty="0"/>
-              <a:t>Expenditure per student very high (9.25)</a:t>
-            </a:r>
-          </a:p>
-          <a:p>
-            <a:pPr lvl="1"/>
-            <a:r>
-              <a:rPr lang="en-US" altLang="zh-CN" dirty="0"/>
-              <a:t>High value added score (6.54)</a:t>
-            </a:r>
-          </a:p>
-          <a:p>
-            <a:pPr lvl="1"/>
+              <a:t>NSS Comment not good, especially in “Feedback”</a:t>
+            </a:r>
+          </a:p>
+          <a:p>
+            <a:pPr marL="0" indent="0">
+              <a:buNone/>
+            </a:pPr>
             <a:endParaRPr lang="en-US" altLang="zh-CN" dirty="0"/>
           </a:p>
           <a:p>
-            <a:r>
-              <a:rPr lang="en-US" altLang="zh-CN" dirty="0"/>
-              <a:t>Disadvantage</a:t>
-            </a:r>
-          </a:p>
-          <a:p>
-            <a:pPr lvl="1"/>
-            <a:r>
-              <a:rPr lang="en-US" altLang="zh-CN" dirty="0"/>
-              <a:t>Very low NSS Feedback</a:t>
-            </a:r>
-          </a:p>
-          <a:p>
-            <a:pPr lvl="1"/>
-            <a:r>
-              <a:rPr lang="en-US" altLang="zh-CN" dirty="0"/>
-              <a:t>Not optimal career prospect </a:t>
-            </a:r>
+            <a:endParaRPr lang="en-US" altLang="zh-CN" dirty="0"/>
+          </a:p>
+          <a:p>
+            <a:pPr marL="0" indent="0">
+              <a:buFont typeface="Arial" panose="020B0604020202020204" pitchFamily="34" charset="0"/>
+              <a:buNone/>
+            </a:pPr>
+            <a:endParaRPr lang="en-US" altLang="zh-CN" dirty="0"/>
+          </a:p>
+          <a:p>
+            <a:endParaRPr lang="en-US" altLang="zh-CN" dirty="0"/>
+          </a:p>
+          <a:p>
             <a:endParaRPr lang="zh-CN" altLang="en-US" dirty="0"/>
           </a:p>
         </p:txBody>
       </p:sp>
+      <p:pic>
+        <p:nvPicPr>
+          <p:cNvPr id="10" name="Picture 9">
+            <a:extLst>
+              <a:ext uri="{FF2B5EF4-FFF2-40B4-BE49-F238E27FC236}">
+                <a16:creationId xmlns:a16="http://schemas.microsoft.com/office/drawing/2014/main" id="{90C25D61-EC05-7706-3AE7-13A2D47EC4EB}"/>
+              </a:ext>
+            </a:extLst>
+          </p:cNvPr>
+          <p:cNvPicPr>
+            <a:picLocks noChangeAspect="1"/>
+          </p:cNvPicPr>
+          <p:nvPr/>
+        </p:nvPicPr>
+        <p:blipFill>
+          <a:blip r:embed="rId2"/>
+          <a:stretch>
+            <a:fillRect/>
+          </a:stretch>
+        </p:blipFill>
+        <p:spPr>
+          <a:xfrm>
+            <a:off x="0" y="4808419"/>
+            <a:ext cx="12192000" cy="1184511"/>
+          </a:xfrm>
+          <a:prstGeom prst="rect">
+            <a:avLst/>
+          </a:prstGeom>
+        </p:spPr>
+      </p:pic>
     </p:spTree>
     <p:extLst>
       <p:ext uri="{BB962C8B-B14F-4D97-AF65-F5344CB8AC3E}">
-        <p14:creationId xmlns:p14="http://schemas.microsoft.com/office/powerpoint/2010/main" val="2703216471"/>
+        <p14:creationId xmlns:p14="http://schemas.microsoft.com/office/powerpoint/2010/main" val="2015665817"/>
       </p:ext>
     </p:extLst>
   </p:cSld>
@@ -14055,40 +14171,20 @@
             <p:ph type="title"/>
           </p:nvPr>
         </p:nvSpPr>
-        <p:spPr/>
+        <p:spPr>
+          <a:xfrm>
+            <a:off x="838200" y="20157"/>
+            <a:ext cx="10515600" cy="1325563"/>
+          </a:xfrm>
+        </p:spPr>
         <p:txBody>
           <a:bodyPr/>
           <a:lstStyle/>
           <a:p>
             <a:r>
-              <a:rPr lang="en-US" altLang="zh-CN" dirty="0"/>
+              <a:rPr lang="en-US" altLang="zh-CN"/>
               <a:t>Evaluation</a:t>
             </a:r>
-            <a:endParaRPr lang="zh-CN" altLang="en-US" dirty="0"/>
-          </a:p>
-        </p:txBody>
-      </p:sp>
-      <p:sp>
-        <p:nvSpPr>
-          <p:cNvPr id="3" name="Content Placeholder 2">
-            <a:extLst>
-              <a:ext uri="{FF2B5EF4-FFF2-40B4-BE49-F238E27FC236}">
-                <a16:creationId xmlns:a16="http://schemas.microsoft.com/office/drawing/2014/main" id="{9A1F6A18-EE88-0312-878A-762A8E49FAD1}"/>
-              </a:ext>
-            </a:extLst>
-          </p:cNvPr>
-          <p:cNvSpPr>
-            <a:spLocks noGrp="1"/>
-          </p:cNvSpPr>
-          <p:nvPr>
-            <p:ph idx="1"/>
-          </p:nvPr>
-        </p:nvSpPr>
-        <p:spPr/>
-        <p:txBody>
-          <a:bodyPr/>
-          <a:lstStyle/>
-          <a:p>
             <a:endParaRPr lang="zh-CN" altLang="en-US" dirty="0"/>
           </a:p>
         </p:txBody>
@@ -14123,10 +14219,413 @@
           </a:prstGeom>
         </p:spPr>
       </p:pic>
+      <p:pic>
+        <p:nvPicPr>
+          <p:cNvPr id="7" name="Content Placeholder 6" descr="A graph of different colored lines&#10;&#10;Description automatically generated">
+            <a:extLst>
+              <a:ext uri="{FF2B5EF4-FFF2-40B4-BE49-F238E27FC236}">
+                <a16:creationId xmlns:a16="http://schemas.microsoft.com/office/drawing/2014/main" id="{522E0F2F-359D-00C6-6FC0-9127586E79C5}"/>
+              </a:ext>
+            </a:extLst>
+          </p:cNvPr>
+          <p:cNvPicPr>
+            <a:picLocks noGrp="1" noChangeAspect="1"/>
+          </p:cNvPicPr>
+          <p:nvPr>
+            <p:ph idx="1"/>
+          </p:nvPr>
+        </p:nvPicPr>
+        <p:blipFill>
+          <a:blip r:embed="rId3">
+            <a:extLst>
+              <a:ext uri="{28A0092B-C50C-407E-A947-70E740481C1C}">
+                <a14:useLocalDpi xmlns:a14="http://schemas.microsoft.com/office/drawing/2010/main" val="0"/>
+              </a:ext>
+            </a:extLst>
+          </a:blip>
+          <a:stretch>
+            <a:fillRect/>
+          </a:stretch>
+        </p:blipFill>
+        <p:spPr>
+          <a:xfrm>
+            <a:off x="502298" y="901043"/>
+            <a:ext cx="10515600" cy="2804159"/>
+          </a:xfrm>
+        </p:spPr>
+      </p:pic>
+      <p:pic>
+        <p:nvPicPr>
+          <p:cNvPr id="9" name="Picture 8">
+            <a:extLst>
+              <a:ext uri="{FF2B5EF4-FFF2-40B4-BE49-F238E27FC236}">
+                <a16:creationId xmlns:a16="http://schemas.microsoft.com/office/drawing/2014/main" id="{B1D9F7C8-6EA0-24E6-FF6F-428C18A48A6C}"/>
+              </a:ext>
+            </a:extLst>
+          </p:cNvPr>
+          <p:cNvPicPr>
+            <a:picLocks noChangeAspect="1"/>
+          </p:cNvPicPr>
+          <p:nvPr/>
+        </p:nvPicPr>
+        <p:blipFill>
+          <a:blip r:embed="rId4">
+            <a:extLst>
+              <a:ext uri="{28A0092B-C50C-407E-A947-70E740481C1C}">
+                <a14:useLocalDpi xmlns:a14="http://schemas.microsoft.com/office/drawing/2010/main" val="0"/>
+              </a:ext>
+            </a:extLst>
+          </a:blip>
+          <a:stretch>
+            <a:fillRect/>
+          </a:stretch>
+        </p:blipFill>
+        <p:spPr>
+          <a:xfrm>
+            <a:off x="533400" y="3576483"/>
+            <a:ext cx="10515600" cy="2804160"/>
+          </a:xfrm>
+          <a:prstGeom prst="rect">
+            <a:avLst/>
+          </a:prstGeom>
+        </p:spPr>
+      </p:pic>
     </p:spTree>
     <p:extLst>
       <p:ext uri="{BB962C8B-B14F-4D97-AF65-F5344CB8AC3E}">
         <p14:creationId xmlns:p14="http://schemas.microsoft.com/office/powerpoint/2010/main" val="2129663323"/>
+      </p:ext>
+    </p:extLst>
+  </p:cSld>
+  <p:clrMapOvr>
+    <a:masterClrMapping/>
+  </p:clrMapOvr>
+</p:sld>
+</file>
+
+<file path=ppt/slides/slide18.xml><?xml version="1.0" encoding="utf-8"?>
+<p:sld xmlns:a="http://schemas.openxmlformats.org/drawingml/2006/main" xmlns:r="http://schemas.openxmlformats.org/officeDocument/2006/relationships" xmlns:p="http://schemas.openxmlformats.org/presentationml/2006/main">
+  <p:cSld>
+    <p:spTree>
+      <p:nvGrpSpPr>
+        <p:cNvPr id="1" name=""/>
+        <p:cNvGrpSpPr/>
+        <p:nvPr/>
+      </p:nvGrpSpPr>
+      <p:grpSpPr>
+        <a:xfrm>
+          <a:off x="0" y="0"/>
+          <a:ext cx="0" cy="0"/>
+          <a:chOff x="0" y="0"/>
+          <a:chExt cx="0" cy="0"/>
+        </a:xfrm>
+      </p:grpSpPr>
+      <p:sp>
+        <p:nvSpPr>
+          <p:cNvPr id="2" name="Title 1">
+            <a:extLst>
+              <a:ext uri="{FF2B5EF4-FFF2-40B4-BE49-F238E27FC236}">
+                <a16:creationId xmlns:a16="http://schemas.microsoft.com/office/drawing/2014/main" id="{9CD010A8-DD37-4634-0BB6-A901A79A8BC2}"/>
+              </a:ext>
+            </a:extLst>
+          </p:cNvPr>
+          <p:cNvSpPr>
+            <a:spLocks noGrp="1"/>
+          </p:cNvSpPr>
+          <p:nvPr>
+            <p:ph type="title"/>
+          </p:nvPr>
+        </p:nvSpPr>
+        <p:spPr>
+          <a:xfrm>
+            <a:off x="838200" y="20157"/>
+            <a:ext cx="10515600" cy="1325563"/>
+          </a:xfrm>
+        </p:spPr>
+        <p:txBody>
+          <a:bodyPr/>
+          <a:lstStyle/>
+          <a:p>
+            <a:r>
+              <a:rPr lang="en-US" altLang="zh-CN" dirty="0"/>
+              <a:t>Evaluation</a:t>
+            </a:r>
+            <a:endParaRPr lang="zh-CN" altLang="en-US" dirty="0"/>
+          </a:p>
+        </p:txBody>
+      </p:sp>
+      <p:pic>
+        <p:nvPicPr>
+          <p:cNvPr id="4" name="Picture 3">
+            <a:extLst>
+              <a:ext uri="{FF2B5EF4-FFF2-40B4-BE49-F238E27FC236}">
+                <a16:creationId xmlns:a16="http://schemas.microsoft.com/office/drawing/2014/main" id="{43D48B0D-BF5F-8C04-8443-2AF93BBCA0EF}"/>
+              </a:ext>
+            </a:extLst>
+          </p:cNvPr>
+          <p:cNvPicPr>
+            <a:picLocks noChangeAspect="1"/>
+          </p:cNvPicPr>
+          <p:nvPr/>
+        </p:nvPicPr>
+        <p:blipFill>
+          <a:blip r:embed="rId2"/>
+          <a:stretch>
+            <a:fillRect/>
+          </a:stretch>
+        </p:blipFill>
+        <p:spPr>
+          <a:xfrm>
+            <a:off x="112920" y="71951"/>
+            <a:ext cx="642860" cy="642860"/>
+          </a:xfrm>
+          <a:prstGeom prst="rect">
+            <a:avLst/>
+          </a:prstGeom>
+        </p:spPr>
+      </p:pic>
+      <p:pic>
+        <p:nvPicPr>
+          <p:cNvPr id="7" name="Picture 6" descr="A graph of colored lines&#10;&#10;Description automatically generated">
+            <a:extLst>
+              <a:ext uri="{FF2B5EF4-FFF2-40B4-BE49-F238E27FC236}">
+                <a16:creationId xmlns:a16="http://schemas.microsoft.com/office/drawing/2014/main" id="{2F853ECD-4115-2346-EE96-C5396A68C51F}"/>
+              </a:ext>
+            </a:extLst>
+          </p:cNvPr>
+          <p:cNvPicPr>
+            <a:picLocks noChangeAspect="1"/>
+          </p:cNvPicPr>
+          <p:nvPr/>
+        </p:nvPicPr>
+        <p:blipFill>
+          <a:blip r:embed="rId3">
+            <a:extLst>
+              <a:ext uri="{28A0092B-C50C-407E-A947-70E740481C1C}">
+                <a14:useLocalDpi xmlns:a14="http://schemas.microsoft.com/office/drawing/2010/main" val="0"/>
+              </a:ext>
+            </a:extLst>
+          </a:blip>
+          <a:stretch>
+            <a:fillRect/>
+          </a:stretch>
+        </p:blipFill>
+        <p:spPr>
+          <a:xfrm>
+            <a:off x="434350" y="872251"/>
+            <a:ext cx="11065153" cy="2950707"/>
+          </a:xfrm>
+          <a:prstGeom prst="rect">
+            <a:avLst/>
+          </a:prstGeom>
+        </p:spPr>
+      </p:pic>
+      <p:pic>
+        <p:nvPicPr>
+          <p:cNvPr id="10" name="Picture 9" descr="A graph with colored lines&#10;&#10;Description automatically generated">
+            <a:extLst>
+              <a:ext uri="{FF2B5EF4-FFF2-40B4-BE49-F238E27FC236}">
+                <a16:creationId xmlns:a16="http://schemas.microsoft.com/office/drawing/2014/main" id="{D9D5A0D9-AD0E-A11C-5084-FF28CCCEE1C2}"/>
+              </a:ext>
+            </a:extLst>
+          </p:cNvPr>
+          <p:cNvPicPr>
+            <a:picLocks noChangeAspect="1"/>
+          </p:cNvPicPr>
+          <p:nvPr/>
+        </p:nvPicPr>
+        <p:blipFill>
+          <a:blip r:embed="rId4">
+            <a:extLst>
+              <a:ext uri="{28A0092B-C50C-407E-A947-70E740481C1C}">
+                <a14:useLocalDpi xmlns:a14="http://schemas.microsoft.com/office/drawing/2010/main" val="0"/>
+              </a:ext>
+            </a:extLst>
+          </a:blip>
+          <a:stretch>
+            <a:fillRect/>
+          </a:stretch>
+        </p:blipFill>
+        <p:spPr>
+          <a:xfrm>
+            <a:off x="434351" y="3733894"/>
+            <a:ext cx="11065152" cy="2950707"/>
+          </a:xfrm>
+          <a:prstGeom prst="rect">
+            <a:avLst/>
+          </a:prstGeom>
+        </p:spPr>
+      </p:pic>
+    </p:spTree>
+    <p:extLst>
+      <p:ext uri="{BB962C8B-B14F-4D97-AF65-F5344CB8AC3E}">
+        <p14:creationId xmlns:p14="http://schemas.microsoft.com/office/powerpoint/2010/main" val="3434504122"/>
+      </p:ext>
+    </p:extLst>
+  </p:cSld>
+  <p:clrMapOvr>
+    <a:masterClrMapping/>
+  </p:clrMapOvr>
+</p:sld>
+</file>
+
+<file path=ppt/slides/slide19.xml><?xml version="1.0" encoding="utf-8"?>
+<p:sld xmlns:a="http://schemas.openxmlformats.org/drawingml/2006/main" xmlns:r="http://schemas.openxmlformats.org/officeDocument/2006/relationships" xmlns:p="http://schemas.openxmlformats.org/presentationml/2006/main">
+  <p:cSld>
+    <p:spTree>
+      <p:nvGrpSpPr>
+        <p:cNvPr id="1" name=""/>
+        <p:cNvGrpSpPr/>
+        <p:nvPr/>
+      </p:nvGrpSpPr>
+      <p:grpSpPr>
+        <a:xfrm>
+          <a:off x="0" y="0"/>
+          <a:ext cx="0" cy="0"/>
+          <a:chOff x="0" y="0"/>
+          <a:chExt cx="0" cy="0"/>
+        </a:xfrm>
+      </p:grpSpPr>
+      <p:sp>
+        <p:nvSpPr>
+          <p:cNvPr id="2" name="Title 1">
+            <a:extLst>
+              <a:ext uri="{FF2B5EF4-FFF2-40B4-BE49-F238E27FC236}">
+                <a16:creationId xmlns:a16="http://schemas.microsoft.com/office/drawing/2014/main" id="{9CD010A8-DD37-4634-0BB6-A901A79A8BC2}"/>
+              </a:ext>
+            </a:extLst>
+          </p:cNvPr>
+          <p:cNvSpPr>
+            <a:spLocks noGrp="1"/>
+          </p:cNvSpPr>
+          <p:nvPr>
+            <p:ph type="title"/>
+          </p:nvPr>
+        </p:nvSpPr>
+        <p:spPr>
+          <a:xfrm>
+            <a:off x="838200" y="20157"/>
+            <a:ext cx="10515600" cy="1325563"/>
+          </a:xfrm>
+        </p:spPr>
+        <p:txBody>
+          <a:bodyPr/>
+          <a:lstStyle/>
+          <a:p>
+            <a:r>
+              <a:rPr lang="en-US" altLang="zh-CN"/>
+              <a:t>Evaluation</a:t>
+            </a:r>
+            <a:endParaRPr lang="zh-CN" altLang="en-US" dirty="0"/>
+          </a:p>
+        </p:txBody>
+      </p:sp>
+      <p:pic>
+        <p:nvPicPr>
+          <p:cNvPr id="4" name="Picture 3">
+            <a:extLst>
+              <a:ext uri="{FF2B5EF4-FFF2-40B4-BE49-F238E27FC236}">
+                <a16:creationId xmlns:a16="http://schemas.microsoft.com/office/drawing/2014/main" id="{43D48B0D-BF5F-8C04-8443-2AF93BBCA0EF}"/>
+              </a:ext>
+            </a:extLst>
+          </p:cNvPr>
+          <p:cNvPicPr>
+            <a:picLocks noChangeAspect="1"/>
+          </p:cNvPicPr>
+          <p:nvPr/>
+        </p:nvPicPr>
+        <p:blipFill>
+          <a:blip r:embed="rId2"/>
+          <a:stretch>
+            <a:fillRect/>
+          </a:stretch>
+        </p:blipFill>
+        <p:spPr>
+          <a:xfrm>
+            <a:off x="112920" y="71951"/>
+            <a:ext cx="642860" cy="642860"/>
+          </a:xfrm>
+          <a:prstGeom prst="rect">
+            <a:avLst/>
+          </a:prstGeom>
+        </p:spPr>
+      </p:pic>
+      <p:pic>
+        <p:nvPicPr>
+          <p:cNvPr id="9" name="Picture 8" descr="A graph with colored lines&#10;&#10;Description automatically generated">
+            <a:extLst>
+              <a:ext uri="{FF2B5EF4-FFF2-40B4-BE49-F238E27FC236}">
+                <a16:creationId xmlns:a16="http://schemas.microsoft.com/office/drawing/2014/main" id="{07F6E7B3-5F9F-0727-D70E-8DEFFD4758AB}"/>
+              </a:ext>
+            </a:extLst>
+          </p:cNvPr>
+          <p:cNvPicPr>
+            <a:picLocks noChangeAspect="1"/>
+          </p:cNvPicPr>
+          <p:nvPr/>
+        </p:nvPicPr>
+        <p:blipFill>
+          <a:blip r:embed="rId3">
+            <a:extLst>
+              <a:ext uri="{28A0092B-C50C-407E-A947-70E740481C1C}">
+                <a14:useLocalDpi xmlns:a14="http://schemas.microsoft.com/office/drawing/2010/main" val="0"/>
+              </a:ext>
+            </a:extLst>
+          </a:blip>
+          <a:stretch>
+            <a:fillRect/>
+          </a:stretch>
+        </p:blipFill>
+        <p:spPr>
+          <a:xfrm>
+            <a:off x="579451" y="969971"/>
+            <a:ext cx="10141422" cy="2704380"/>
+          </a:xfrm>
+          <a:prstGeom prst="rect">
+            <a:avLst/>
+          </a:prstGeom>
+        </p:spPr>
+      </p:pic>
+      <p:pic>
+        <p:nvPicPr>
+          <p:cNvPr id="11" name="Picture 10" descr="A graph of different colored lines&#10;&#10;Description automatically generated">
+            <a:extLst>
+              <a:ext uri="{FF2B5EF4-FFF2-40B4-BE49-F238E27FC236}">
+                <a16:creationId xmlns:a16="http://schemas.microsoft.com/office/drawing/2014/main" id="{61DDA074-EEEF-3475-B72B-036D84BC9C68}"/>
+              </a:ext>
+            </a:extLst>
+          </p:cNvPr>
+          <p:cNvPicPr>
+            <a:picLocks noChangeAspect="1"/>
+          </p:cNvPicPr>
+          <p:nvPr/>
+        </p:nvPicPr>
+        <p:blipFill>
+          <a:blip r:embed="rId4">
+            <a:extLst>
+              <a:ext uri="{28A0092B-C50C-407E-A947-70E740481C1C}">
+                <a14:useLocalDpi xmlns:a14="http://schemas.microsoft.com/office/drawing/2010/main" val="0"/>
+              </a:ext>
+            </a:extLst>
+          </a:blip>
+          <a:stretch>
+            <a:fillRect/>
+          </a:stretch>
+        </p:blipFill>
+        <p:spPr>
+          <a:xfrm>
+            <a:off x="486145" y="3674350"/>
+            <a:ext cx="10318704" cy="2751654"/>
+          </a:xfrm>
+          <a:prstGeom prst="rect">
+            <a:avLst/>
+          </a:prstGeom>
+        </p:spPr>
+      </p:pic>
+    </p:spTree>
+    <p:extLst>
+      <p:ext uri="{BB962C8B-B14F-4D97-AF65-F5344CB8AC3E}">
+        <p14:creationId xmlns:p14="http://schemas.microsoft.com/office/powerpoint/2010/main" val="227652922"/>
       </p:ext>
     </p:extLst>
   </p:cSld>
@@ -14263,6 +14762,572 @@
     <p:extLst>
       <p:ext uri="{BB962C8B-B14F-4D97-AF65-F5344CB8AC3E}">
         <p14:creationId xmlns:p14="http://schemas.microsoft.com/office/powerpoint/2010/main" val="3799714467"/>
+      </p:ext>
+    </p:extLst>
+  </p:cSld>
+  <p:clrMapOvr>
+    <a:masterClrMapping/>
+  </p:clrMapOvr>
+</p:sld>
+</file>
+
+<file path=ppt/slides/slide20.xml><?xml version="1.0" encoding="utf-8"?>
+<p:sld xmlns:a="http://schemas.openxmlformats.org/drawingml/2006/main" xmlns:r="http://schemas.openxmlformats.org/officeDocument/2006/relationships" xmlns:p="http://schemas.openxmlformats.org/presentationml/2006/main">
+  <p:cSld>
+    <p:spTree>
+      <p:nvGrpSpPr>
+        <p:cNvPr id="1" name=""/>
+        <p:cNvGrpSpPr/>
+        <p:nvPr/>
+      </p:nvGrpSpPr>
+      <p:grpSpPr>
+        <a:xfrm>
+          <a:off x="0" y="0"/>
+          <a:ext cx="0" cy="0"/>
+          <a:chOff x="0" y="0"/>
+          <a:chExt cx="0" cy="0"/>
+        </a:xfrm>
+      </p:grpSpPr>
+      <p:sp>
+        <p:nvSpPr>
+          <p:cNvPr id="2" name="Title 1">
+            <a:extLst>
+              <a:ext uri="{FF2B5EF4-FFF2-40B4-BE49-F238E27FC236}">
+                <a16:creationId xmlns:a16="http://schemas.microsoft.com/office/drawing/2014/main" id="{9CD010A8-DD37-4634-0BB6-A901A79A8BC2}"/>
+              </a:ext>
+            </a:extLst>
+          </p:cNvPr>
+          <p:cNvSpPr>
+            <a:spLocks noGrp="1"/>
+          </p:cNvSpPr>
+          <p:nvPr>
+            <p:ph type="title"/>
+          </p:nvPr>
+        </p:nvSpPr>
+        <p:spPr>
+          <a:xfrm>
+            <a:off x="838200" y="20157"/>
+            <a:ext cx="10515600" cy="1325563"/>
+          </a:xfrm>
+        </p:spPr>
+        <p:txBody>
+          <a:bodyPr/>
+          <a:lstStyle/>
+          <a:p>
+            <a:r>
+              <a:rPr lang="en-US" altLang="zh-CN" dirty="0"/>
+              <a:t>Evaluation</a:t>
+            </a:r>
+            <a:endParaRPr lang="zh-CN" altLang="en-US" dirty="0"/>
+          </a:p>
+        </p:txBody>
+      </p:sp>
+      <p:pic>
+        <p:nvPicPr>
+          <p:cNvPr id="4" name="Picture 3">
+            <a:extLst>
+              <a:ext uri="{FF2B5EF4-FFF2-40B4-BE49-F238E27FC236}">
+                <a16:creationId xmlns:a16="http://schemas.microsoft.com/office/drawing/2014/main" id="{43D48B0D-BF5F-8C04-8443-2AF93BBCA0EF}"/>
+              </a:ext>
+            </a:extLst>
+          </p:cNvPr>
+          <p:cNvPicPr>
+            <a:picLocks noChangeAspect="1"/>
+          </p:cNvPicPr>
+          <p:nvPr/>
+        </p:nvPicPr>
+        <p:blipFill>
+          <a:blip r:embed="rId2"/>
+          <a:stretch>
+            <a:fillRect/>
+          </a:stretch>
+        </p:blipFill>
+        <p:spPr>
+          <a:xfrm>
+            <a:off x="112920" y="71951"/>
+            <a:ext cx="642860" cy="642860"/>
+          </a:xfrm>
+          <a:prstGeom prst="rect">
+            <a:avLst/>
+          </a:prstGeom>
+        </p:spPr>
+      </p:pic>
+      <p:pic>
+        <p:nvPicPr>
+          <p:cNvPr id="8" name="Picture 7" descr="A graph of different colored lines&#10;&#10;Description automatically generated">
+            <a:extLst>
+              <a:ext uri="{FF2B5EF4-FFF2-40B4-BE49-F238E27FC236}">
+                <a16:creationId xmlns:a16="http://schemas.microsoft.com/office/drawing/2014/main" id="{7A2B05C9-59D3-9A58-680A-EFBA037E8ACB}"/>
+              </a:ext>
+            </a:extLst>
+          </p:cNvPr>
+          <p:cNvPicPr>
+            <a:picLocks noChangeAspect="1"/>
+          </p:cNvPicPr>
+          <p:nvPr/>
+        </p:nvPicPr>
+        <p:blipFill>
+          <a:blip r:embed="rId3">
+            <a:extLst>
+              <a:ext uri="{28A0092B-C50C-407E-A947-70E740481C1C}">
+                <a14:useLocalDpi xmlns:a14="http://schemas.microsoft.com/office/drawing/2010/main" val="0"/>
+              </a:ext>
+            </a:extLst>
+          </a:blip>
+          <a:stretch>
+            <a:fillRect/>
+          </a:stretch>
+        </p:blipFill>
+        <p:spPr>
+          <a:xfrm>
+            <a:off x="434350" y="998376"/>
+            <a:ext cx="9822413" cy="2619310"/>
+          </a:xfrm>
+          <a:prstGeom prst="rect">
+            <a:avLst/>
+          </a:prstGeom>
+        </p:spPr>
+      </p:pic>
+      <p:pic>
+        <p:nvPicPr>
+          <p:cNvPr id="10" name="Picture 9" descr="A graph of colored lines&#10;&#10;Description automatically generated">
+            <a:extLst>
+              <a:ext uri="{FF2B5EF4-FFF2-40B4-BE49-F238E27FC236}">
+                <a16:creationId xmlns:a16="http://schemas.microsoft.com/office/drawing/2014/main" id="{16B4C9D7-95E3-1637-0072-34896F666204}"/>
+              </a:ext>
+            </a:extLst>
+          </p:cNvPr>
+          <p:cNvPicPr>
+            <a:picLocks noChangeAspect="1"/>
+          </p:cNvPicPr>
+          <p:nvPr/>
+        </p:nvPicPr>
+        <p:blipFill>
+          <a:blip r:embed="rId4">
+            <a:extLst>
+              <a:ext uri="{28A0092B-C50C-407E-A947-70E740481C1C}">
+                <a14:useLocalDpi xmlns:a14="http://schemas.microsoft.com/office/drawing/2010/main" val="0"/>
+              </a:ext>
+            </a:extLst>
+          </a:blip>
+          <a:stretch>
+            <a:fillRect/>
+          </a:stretch>
+        </p:blipFill>
+        <p:spPr>
+          <a:xfrm>
+            <a:off x="363893" y="3617686"/>
+            <a:ext cx="10002417" cy="2667311"/>
+          </a:xfrm>
+          <a:prstGeom prst="rect">
+            <a:avLst/>
+          </a:prstGeom>
+        </p:spPr>
+      </p:pic>
+    </p:spTree>
+    <p:extLst>
+      <p:ext uri="{BB962C8B-B14F-4D97-AF65-F5344CB8AC3E}">
+        <p14:creationId xmlns:p14="http://schemas.microsoft.com/office/powerpoint/2010/main" val="671562895"/>
+      </p:ext>
+    </p:extLst>
+  </p:cSld>
+  <p:clrMapOvr>
+    <a:masterClrMapping/>
+  </p:clrMapOvr>
+</p:sld>
+</file>
+
+<file path=ppt/slides/slide21.xml><?xml version="1.0" encoding="utf-8"?>
+<p:sld xmlns:a="http://schemas.openxmlformats.org/drawingml/2006/main" xmlns:r="http://schemas.openxmlformats.org/officeDocument/2006/relationships" xmlns:p="http://schemas.openxmlformats.org/presentationml/2006/main">
+  <p:cSld>
+    <p:spTree>
+      <p:nvGrpSpPr>
+        <p:cNvPr id="1" name=""/>
+        <p:cNvGrpSpPr/>
+        <p:nvPr/>
+      </p:nvGrpSpPr>
+      <p:grpSpPr>
+        <a:xfrm>
+          <a:off x="0" y="0"/>
+          <a:ext cx="0" cy="0"/>
+          <a:chOff x="0" y="0"/>
+          <a:chExt cx="0" cy="0"/>
+        </a:xfrm>
+      </p:grpSpPr>
+      <p:sp>
+        <p:nvSpPr>
+          <p:cNvPr id="2" name="Title 1">
+            <a:extLst>
+              <a:ext uri="{FF2B5EF4-FFF2-40B4-BE49-F238E27FC236}">
+                <a16:creationId xmlns:a16="http://schemas.microsoft.com/office/drawing/2014/main" id="{9CD010A8-DD37-4634-0BB6-A901A79A8BC2}"/>
+              </a:ext>
+            </a:extLst>
+          </p:cNvPr>
+          <p:cNvSpPr>
+            <a:spLocks noGrp="1"/>
+          </p:cNvSpPr>
+          <p:nvPr>
+            <p:ph type="title"/>
+          </p:nvPr>
+        </p:nvSpPr>
+        <p:spPr>
+          <a:xfrm>
+            <a:off x="838200" y="20157"/>
+            <a:ext cx="10515600" cy="1325563"/>
+          </a:xfrm>
+        </p:spPr>
+        <p:txBody>
+          <a:bodyPr/>
+          <a:lstStyle/>
+          <a:p>
+            <a:r>
+              <a:rPr lang="en-US" altLang="zh-CN" dirty="0"/>
+              <a:t>Evaluation</a:t>
+            </a:r>
+            <a:endParaRPr lang="zh-CN" altLang="en-US" dirty="0"/>
+          </a:p>
+        </p:txBody>
+      </p:sp>
+      <p:pic>
+        <p:nvPicPr>
+          <p:cNvPr id="4" name="Picture 3">
+            <a:extLst>
+              <a:ext uri="{FF2B5EF4-FFF2-40B4-BE49-F238E27FC236}">
+                <a16:creationId xmlns:a16="http://schemas.microsoft.com/office/drawing/2014/main" id="{43D48B0D-BF5F-8C04-8443-2AF93BBCA0EF}"/>
+              </a:ext>
+            </a:extLst>
+          </p:cNvPr>
+          <p:cNvPicPr>
+            <a:picLocks noChangeAspect="1"/>
+          </p:cNvPicPr>
+          <p:nvPr/>
+        </p:nvPicPr>
+        <p:blipFill>
+          <a:blip r:embed="rId2"/>
+          <a:stretch>
+            <a:fillRect/>
+          </a:stretch>
+        </p:blipFill>
+        <p:spPr>
+          <a:xfrm>
+            <a:off x="112920" y="71951"/>
+            <a:ext cx="642860" cy="642860"/>
+          </a:xfrm>
+          <a:prstGeom prst="rect">
+            <a:avLst/>
+          </a:prstGeom>
+        </p:spPr>
+      </p:pic>
+      <p:pic>
+        <p:nvPicPr>
+          <p:cNvPr id="6" name="Content Placeholder 5" descr="A graph of different colored lines&#10;&#10;Description automatically generated">
+            <a:extLst>
+              <a:ext uri="{FF2B5EF4-FFF2-40B4-BE49-F238E27FC236}">
+                <a16:creationId xmlns:a16="http://schemas.microsoft.com/office/drawing/2014/main" id="{30D22A94-9516-D7F6-214B-E12FD8B0F57E}"/>
+              </a:ext>
+            </a:extLst>
+          </p:cNvPr>
+          <p:cNvPicPr>
+            <a:picLocks noGrp="1" noChangeAspect="1"/>
+          </p:cNvPicPr>
+          <p:nvPr>
+            <p:ph idx="1"/>
+          </p:nvPr>
+        </p:nvPicPr>
+        <p:blipFill>
+          <a:blip r:embed="rId3">
+            <a:extLst>
+              <a:ext uri="{28A0092B-C50C-407E-A947-70E740481C1C}">
+                <a14:useLocalDpi xmlns:a14="http://schemas.microsoft.com/office/drawing/2010/main" val="0"/>
+              </a:ext>
+            </a:extLst>
+          </a:blip>
+          <a:stretch>
+            <a:fillRect/>
+          </a:stretch>
+        </p:blipFill>
+        <p:spPr>
+          <a:xfrm>
+            <a:off x="287245" y="1851652"/>
+            <a:ext cx="11830110" cy="3154695"/>
+          </a:xfrm>
+        </p:spPr>
+      </p:pic>
+    </p:spTree>
+    <p:extLst>
+      <p:ext uri="{BB962C8B-B14F-4D97-AF65-F5344CB8AC3E}">
+        <p14:creationId xmlns:p14="http://schemas.microsoft.com/office/powerpoint/2010/main" val="47408311"/>
+      </p:ext>
+    </p:extLst>
+  </p:cSld>
+  <p:clrMapOvr>
+    <a:masterClrMapping/>
+  </p:clrMapOvr>
+</p:sld>
+</file>
+
+<file path=ppt/slides/slide22.xml><?xml version="1.0" encoding="utf-8"?>
+<p:sld xmlns:a="http://schemas.openxmlformats.org/drawingml/2006/main" xmlns:r="http://schemas.openxmlformats.org/officeDocument/2006/relationships" xmlns:p="http://schemas.openxmlformats.org/presentationml/2006/main">
+  <p:cSld>
+    <p:spTree>
+      <p:nvGrpSpPr>
+        <p:cNvPr id="1" name=""/>
+        <p:cNvGrpSpPr/>
+        <p:nvPr/>
+      </p:nvGrpSpPr>
+      <p:grpSpPr>
+        <a:xfrm>
+          <a:off x="0" y="0"/>
+          <a:ext cx="0" cy="0"/>
+          <a:chOff x="0" y="0"/>
+          <a:chExt cx="0" cy="0"/>
+        </a:xfrm>
+      </p:grpSpPr>
+      <p:sp>
+        <p:nvSpPr>
+          <p:cNvPr id="2" name="Title 1">
+            <a:extLst>
+              <a:ext uri="{FF2B5EF4-FFF2-40B4-BE49-F238E27FC236}">
+                <a16:creationId xmlns:a16="http://schemas.microsoft.com/office/drawing/2014/main" id="{9CD010A8-DD37-4634-0BB6-A901A79A8BC2}"/>
+              </a:ext>
+            </a:extLst>
+          </p:cNvPr>
+          <p:cNvSpPr>
+            <a:spLocks noGrp="1"/>
+          </p:cNvSpPr>
+          <p:nvPr>
+            <p:ph type="title"/>
+          </p:nvPr>
+        </p:nvSpPr>
+        <p:spPr>
+          <a:xfrm>
+            <a:off x="838200" y="20157"/>
+            <a:ext cx="10515600" cy="1325563"/>
+          </a:xfrm>
+        </p:spPr>
+        <p:txBody>
+          <a:bodyPr/>
+          <a:lstStyle/>
+          <a:p>
+            <a:r>
+              <a:rPr lang="en-US" altLang="zh-CN" dirty="0"/>
+              <a:t>Evaluation</a:t>
+            </a:r>
+            <a:endParaRPr lang="zh-CN" altLang="en-US" dirty="0"/>
+          </a:p>
+        </p:txBody>
+      </p:sp>
+      <p:pic>
+        <p:nvPicPr>
+          <p:cNvPr id="4" name="Picture 3">
+            <a:extLst>
+              <a:ext uri="{FF2B5EF4-FFF2-40B4-BE49-F238E27FC236}">
+                <a16:creationId xmlns:a16="http://schemas.microsoft.com/office/drawing/2014/main" id="{43D48B0D-BF5F-8C04-8443-2AF93BBCA0EF}"/>
+              </a:ext>
+            </a:extLst>
+          </p:cNvPr>
+          <p:cNvPicPr>
+            <a:picLocks noChangeAspect="1"/>
+          </p:cNvPicPr>
+          <p:nvPr/>
+        </p:nvPicPr>
+        <p:blipFill>
+          <a:blip r:embed="rId2"/>
+          <a:stretch>
+            <a:fillRect/>
+          </a:stretch>
+        </p:blipFill>
+        <p:spPr>
+          <a:xfrm>
+            <a:off x="112920" y="71951"/>
+            <a:ext cx="642860" cy="642860"/>
+          </a:xfrm>
+          <a:prstGeom prst="rect">
+            <a:avLst/>
+          </a:prstGeom>
+        </p:spPr>
+      </p:pic>
+      <p:sp>
+        <p:nvSpPr>
+          <p:cNvPr id="5" name="Content Placeholder 4">
+            <a:extLst>
+              <a:ext uri="{FF2B5EF4-FFF2-40B4-BE49-F238E27FC236}">
+                <a16:creationId xmlns:a16="http://schemas.microsoft.com/office/drawing/2014/main" id="{D30F4B40-E795-2B3E-E6D6-EAACFE61C295}"/>
+              </a:ext>
+            </a:extLst>
+          </p:cNvPr>
+          <p:cNvSpPr>
+            <a:spLocks noGrp="1"/>
+          </p:cNvSpPr>
+          <p:nvPr>
+            <p:ph idx="1"/>
+          </p:nvPr>
+        </p:nvSpPr>
+        <p:spPr/>
+        <p:txBody>
+          <a:bodyPr/>
+          <a:lstStyle/>
+          <a:p>
+            <a:r>
+              <a:rPr lang="en-US" altLang="zh-CN" dirty="0"/>
+              <a:t>Student satisfaction not optimal and getting worse</a:t>
+            </a:r>
+          </a:p>
+          <a:p>
+            <a:r>
+              <a:rPr lang="en-US" altLang="zh-CN" dirty="0"/>
+              <a:t>Competitor Focused improving performance on </a:t>
+            </a:r>
+          </a:p>
+          <a:p>
+            <a:pPr lvl="1"/>
+            <a:r>
+              <a:rPr lang="en-US" altLang="zh-CN" dirty="0"/>
+              <a:t>“Value Added”</a:t>
+            </a:r>
+          </a:p>
+          <a:p>
+            <a:pPr lvl="1"/>
+            <a:r>
+              <a:rPr lang="en-US" altLang="zh-CN" dirty="0"/>
+              <a:t>“Career Prospect”</a:t>
+            </a:r>
+          </a:p>
+          <a:p>
+            <a:pPr lvl="1"/>
+            <a:r>
+              <a:rPr lang="en-US" altLang="zh-CN" dirty="0"/>
+              <a:t>“</a:t>
+            </a:r>
+            <a:r>
+              <a:rPr lang="en-US" altLang="zh-CN" dirty="0" err="1"/>
+              <a:t>Student:Staff</a:t>
+            </a:r>
+            <a:r>
+              <a:rPr lang="en-US" altLang="zh-CN" dirty="0"/>
+              <a:t> ratio”</a:t>
+            </a:r>
+          </a:p>
+          <a:p>
+            <a:r>
+              <a:rPr lang="en-US" altLang="zh-CN" dirty="0"/>
+              <a:t>Spend is the key advantage</a:t>
+            </a:r>
+          </a:p>
+          <a:p>
+            <a:r>
+              <a:rPr lang="en-US" altLang="zh-CN" dirty="0"/>
+              <a:t>Should not rely on “Entry Tariff”</a:t>
+            </a:r>
+          </a:p>
+        </p:txBody>
+      </p:sp>
+    </p:spTree>
+    <p:extLst>
+      <p:ext uri="{BB962C8B-B14F-4D97-AF65-F5344CB8AC3E}">
+        <p14:creationId xmlns:p14="http://schemas.microsoft.com/office/powerpoint/2010/main" val="3575768609"/>
+      </p:ext>
+    </p:extLst>
+  </p:cSld>
+  <p:clrMapOvr>
+    <a:masterClrMapping/>
+  </p:clrMapOvr>
+</p:sld>
+</file>
+
+<file path=ppt/slides/slide23.xml><?xml version="1.0" encoding="utf-8"?>
+<p:sld xmlns:a="http://schemas.openxmlformats.org/drawingml/2006/main" xmlns:r="http://schemas.openxmlformats.org/officeDocument/2006/relationships" xmlns:p="http://schemas.openxmlformats.org/presentationml/2006/main">
+  <p:cSld>
+    <p:spTree>
+      <p:nvGrpSpPr>
+        <p:cNvPr id="1" name=""/>
+        <p:cNvGrpSpPr/>
+        <p:nvPr/>
+      </p:nvGrpSpPr>
+      <p:grpSpPr>
+        <a:xfrm>
+          <a:off x="0" y="0"/>
+          <a:ext cx="0" cy="0"/>
+          <a:chOff x="0" y="0"/>
+          <a:chExt cx="0" cy="0"/>
+        </a:xfrm>
+      </p:grpSpPr>
+      <p:sp>
+        <p:nvSpPr>
+          <p:cNvPr id="2" name="Title 1">
+            <a:extLst>
+              <a:ext uri="{FF2B5EF4-FFF2-40B4-BE49-F238E27FC236}">
+                <a16:creationId xmlns:a16="http://schemas.microsoft.com/office/drawing/2014/main" id="{B538FF39-4DF1-7804-034B-4F878B504709}"/>
+              </a:ext>
+            </a:extLst>
+          </p:cNvPr>
+          <p:cNvSpPr>
+            <a:spLocks noGrp="1"/>
+          </p:cNvSpPr>
+          <p:nvPr>
+            <p:ph type="title"/>
+          </p:nvPr>
+        </p:nvSpPr>
+        <p:spPr/>
+        <p:txBody>
+          <a:bodyPr/>
+          <a:lstStyle/>
+          <a:p>
+            <a:r>
+              <a:rPr lang="en-US" altLang="zh-CN" dirty="0"/>
+              <a:t>Recommendation</a:t>
+            </a:r>
+            <a:endParaRPr lang="zh-CN" altLang="en-US" dirty="0"/>
+          </a:p>
+        </p:txBody>
+      </p:sp>
+      <p:sp>
+        <p:nvSpPr>
+          <p:cNvPr id="3" name="Content Placeholder 2">
+            <a:extLst>
+              <a:ext uri="{FF2B5EF4-FFF2-40B4-BE49-F238E27FC236}">
+                <a16:creationId xmlns:a16="http://schemas.microsoft.com/office/drawing/2014/main" id="{DCD9CF93-ADB7-C5CF-A117-5A1DC6691874}"/>
+              </a:ext>
+            </a:extLst>
+          </p:cNvPr>
+          <p:cNvSpPr>
+            <a:spLocks noGrp="1"/>
+          </p:cNvSpPr>
+          <p:nvPr>
+            <p:ph idx="1"/>
+          </p:nvPr>
+        </p:nvSpPr>
+        <p:spPr/>
+        <p:txBody>
+          <a:bodyPr/>
+          <a:lstStyle/>
+          <a:p>
+            <a:r>
+              <a:rPr lang="en-US" altLang="zh-CN" dirty="0"/>
+              <a:t>Collect data that help us understand what influence the Student satisfaction</a:t>
+            </a:r>
+          </a:p>
+          <a:p>
+            <a:r>
+              <a:rPr lang="en-US" altLang="zh-CN" dirty="0"/>
+              <a:t>To Understand the whole apply process in UK</a:t>
+            </a:r>
+          </a:p>
+          <a:p>
+            <a:r>
+              <a:rPr lang="en-US" altLang="zh-CN" dirty="0"/>
+              <a:t>Use Machine Leaning to build the prediction model</a:t>
+            </a:r>
+          </a:p>
+          <a:p>
+            <a:endParaRPr lang="zh-CN" altLang="en-US" dirty="0"/>
+          </a:p>
+        </p:txBody>
+      </p:sp>
+    </p:spTree>
+    <p:extLst>
+      <p:ext uri="{BB962C8B-B14F-4D97-AF65-F5344CB8AC3E}">
+        <p14:creationId xmlns:p14="http://schemas.microsoft.com/office/powerpoint/2010/main" val="2689541937"/>
       </p:ext>
     </p:extLst>
   </p:cSld>
@@ -14513,7 +15578,7 @@
         <p:spPr/>
         <p:txBody>
           <a:bodyPr>
-            <a:normAutofit/>
+            <a:normAutofit fontScale="92500" lnSpcReduction="20000"/>
           </a:bodyPr>
           <a:lstStyle/>
           <a:p>
@@ -14544,6 +15609,16 @@
           </a:p>
           <a:p>
             <a:r>
+              <a:rPr lang="en-US" altLang="zh-CN" dirty="0">
+                <a:solidFill>
+                  <a:srgbClr val="FFC000"/>
+                </a:solidFill>
+              </a:rPr>
+              <a:t>Location</a:t>
+            </a:r>
+          </a:p>
+          <a:p>
+            <a:r>
               <a:rPr lang="en-US" altLang="zh-CN" dirty="0"/>
               <a:t>Guardian Rank</a:t>
             </a:r>
@@ -14564,6 +15639,16 @@
             <a:r>
               <a:rPr lang="en-US" altLang="zh-CN" dirty="0"/>
               <a:t>Recognition by corporation</a:t>
+            </a:r>
+          </a:p>
+          <a:p>
+            <a:r>
+              <a:rPr lang="en-US" altLang="zh-CN" dirty="0">
+                <a:solidFill>
+                  <a:srgbClr val="FFC000"/>
+                </a:solidFill>
+              </a:rPr>
+              <a:t>Number of students</a:t>
             </a:r>
           </a:p>
           <a:p>

--- a/vortrag/Vortrag.pptx
+++ b/vortrag/Vortrag.pptx
@@ -4,30 +4,32 @@
   <p:sldMasterIdLst>
     <p:sldMasterId id="2147483648" r:id="rId1"/>
   </p:sldMasterIdLst>
+  <p:notesMasterIdLst>
+    <p:notesMasterId r:id="rId24"/>
+  </p:notesMasterIdLst>
   <p:sldIdLst>
     <p:sldId id="256" r:id="rId2"/>
     <p:sldId id="257" r:id="rId3"/>
     <p:sldId id="258" r:id="rId4"/>
     <p:sldId id="259" r:id="rId5"/>
-    <p:sldId id="260" r:id="rId6"/>
-    <p:sldId id="261" r:id="rId7"/>
-    <p:sldId id="262" r:id="rId8"/>
-    <p:sldId id="263" r:id="rId9"/>
-    <p:sldId id="264" r:id="rId10"/>
-    <p:sldId id="265" r:id="rId11"/>
-    <p:sldId id="280" r:id="rId12"/>
-    <p:sldId id="266" r:id="rId13"/>
-    <p:sldId id="268" r:id="rId14"/>
-    <p:sldId id="267" r:id="rId15"/>
-    <p:sldId id="271" r:id="rId16"/>
-    <p:sldId id="278" r:id="rId17"/>
-    <p:sldId id="270" r:id="rId18"/>
-    <p:sldId id="273" r:id="rId19"/>
-    <p:sldId id="274" r:id="rId20"/>
-    <p:sldId id="275" r:id="rId21"/>
-    <p:sldId id="276" r:id="rId22"/>
-    <p:sldId id="277" r:id="rId23"/>
-    <p:sldId id="279" r:id="rId24"/>
+    <p:sldId id="266" r:id="rId6"/>
+    <p:sldId id="260" r:id="rId7"/>
+    <p:sldId id="261" r:id="rId8"/>
+    <p:sldId id="262" r:id="rId9"/>
+    <p:sldId id="263" r:id="rId10"/>
+    <p:sldId id="264" r:id="rId11"/>
+    <p:sldId id="265" r:id="rId12"/>
+    <p:sldId id="268" r:id="rId13"/>
+    <p:sldId id="267" r:id="rId14"/>
+    <p:sldId id="271" r:id="rId15"/>
+    <p:sldId id="278" r:id="rId16"/>
+    <p:sldId id="270" r:id="rId17"/>
+    <p:sldId id="273" r:id="rId18"/>
+    <p:sldId id="274" r:id="rId19"/>
+    <p:sldId id="275" r:id="rId20"/>
+    <p:sldId id="276" r:id="rId21"/>
+    <p:sldId id="277" r:id="rId22"/>
+    <p:sldId id="279" r:id="rId23"/>
   </p:sldIdLst>
   <p:sldSz cx="12192000" cy="6858000"/>
   <p:notesSz cx="6858000" cy="9144000"/>
@@ -134,6 +136,1219 @@
 </p:presentation>
 </file>
 
+<file path=ppt/notesMasters/notesMaster1.xml><?xml version="1.0" encoding="utf-8"?>
+<p:notesMaster xmlns:a="http://schemas.openxmlformats.org/drawingml/2006/main" xmlns:r="http://schemas.openxmlformats.org/officeDocument/2006/relationships" xmlns:p="http://schemas.openxmlformats.org/presentationml/2006/main">
+  <p:cSld>
+    <p:bg>
+      <p:bgRef idx="1001">
+        <a:schemeClr val="bg1"/>
+      </p:bgRef>
+    </p:bg>
+    <p:spTree>
+      <p:nvGrpSpPr>
+        <p:cNvPr id="1" name=""/>
+        <p:cNvGrpSpPr/>
+        <p:nvPr/>
+      </p:nvGrpSpPr>
+      <p:grpSpPr>
+        <a:xfrm>
+          <a:off x="0" y="0"/>
+          <a:ext cx="0" cy="0"/>
+          <a:chOff x="0" y="0"/>
+          <a:chExt cx="0" cy="0"/>
+        </a:xfrm>
+      </p:grpSpPr>
+      <p:sp>
+        <p:nvSpPr>
+          <p:cNvPr id="2" name="Header Placeholder 1"/>
+          <p:cNvSpPr>
+            <a:spLocks noGrp="1"/>
+          </p:cNvSpPr>
+          <p:nvPr>
+            <p:ph type="hdr" sz="quarter"/>
+          </p:nvPr>
+        </p:nvSpPr>
+        <p:spPr>
+          <a:xfrm>
+            <a:off x="0" y="0"/>
+            <a:ext cx="2971800" cy="458788"/>
+          </a:xfrm>
+          <a:prstGeom prst="rect">
+            <a:avLst/>
+          </a:prstGeom>
+        </p:spPr>
+        <p:txBody>
+          <a:bodyPr vert="horz" lIns="91440" tIns="45720" rIns="91440" bIns="45720" rtlCol="0"/>
+          <a:lstStyle>
+            <a:lvl1pPr algn="l">
+              <a:defRPr sz="1200"/>
+            </a:lvl1pPr>
+          </a:lstStyle>
+          <a:p>
+            <a:endParaRPr lang="zh-CN" altLang="en-US"/>
+          </a:p>
+        </p:txBody>
+      </p:sp>
+      <p:sp>
+        <p:nvSpPr>
+          <p:cNvPr id="3" name="Date Placeholder 2"/>
+          <p:cNvSpPr>
+            <a:spLocks noGrp="1"/>
+          </p:cNvSpPr>
+          <p:nvPr>
+            <p:ph type="dt" idx="1"/>
+          </p:nvPr>
+        </p:nvSpPr>
+        <p:spPr>
+          <a:xfrm>
+            <a:off x="3884613" y="0"/>
+            <a:ext cx="2971800" cy="458788"/>
+          </a:xfrm>
+          <a:prstGeom prst="rect">
+            <a:avLst/>
+          </a:prstGeom>
+        </p:spPr>
+        <p:txBody>
+          <a:bodyPr vert="horz" lIns="91440" tIns="45720" rIns="91440" bIns="45720" rtlCol="0"/>
+          <a:lstStyle>
+            <a:lvl1pPr algn="r">
+              <a:defRPr sz="1200"/>
+            </a:lvl1pPr>
+          </a:lstStyle>
+          <a:p>
+            <a:fld id="{2E688E81-8418-4A65-998E-9007A6FEAE6B}" type="datetimeFigureOut">
+              <a:rPr lang="zh-CN" altLang="en-US" smtClean="0"/>
+              <a:t>2024/2/2</a:t>
+            </a:fld>
+            <a:endParaRPr lang="zh-CN" altLang="en-US"/>
+          </a:p>
+        </p:txBody>
+      </p:sp>
+      <p:sp>
+        <p:nvSpPr>
+          <p:cNvPr id="4" name="Slide Image Placeholder 3"/>
+          <p:cNvSpPr>
+            <a:spLocks noGrp="1" noRot="1" noChangeAspect="1"/>
+          </p:cNvSpPr>
+          <p:nvPr>
+            <p:ph type="sldImg" idx="2"/>
+          </p:nvPr>
+        </p:nvSpPr>
+        <p:spPr>
+          <a:xfrm>
+            <a:off x="685800" y="1143000"/>
+            <a:ext cx="5486400" cy="3086100"/>
+          </a:xfrm>
+          <a:prstGeom prst="rect">
+            <a:avLst/>
+          </a:prstGeom>
+          <a:noFill/>
+          <a:ln w="12700">
+            <a:solidFill>
+              <a:prstClr val="black"/>
+            </a:solidFill>
+          </a:ln>
+        </p:spPr>
+        <p:txBody>
+          <a:bodyPr vert="horz" lIns="91440" tIns="45720" rIns="91440" bIns="45720" rtlCol="0" anchor="ctr"/>
+          <a:lstStyle/>
+          <a:p>
+            <a:endParaRPr lang="zh-CN" altLang="en-US"/>
+          </a:p>
+        </p:txBody>
+      </p:sp>
+      <p:sp>
+        <p:nvSpPr>
+          <p:cNvPr id="5" name="Notes Placeholder 4"/>
+          <p:cNvSpPr>
+            <a:spLocks noGrp="1"/>
+          </p:cNvSpPr>
+          <p:nvPr>
+            <p:ph type="body" sz="quarter" idx="3"/>
+          </p:nvPr>
+        </p:nvSpPr>
+        <p:spPr>
+          <a:xfrm>
+            <a:off x="685800" y="4400550"/>
+            <a:ext cx="5486400" cy="3600450"/>
+          </a:xfrm>
+          <a:prstGeom prst="rect">
+            <a:avLst/>
+          </a:prstGeom>
+        </p:spPr>
+        <p:txBody>
+          <a:bodyPr vert="horz" lIns="91440" tIns="45720" rIns="91440" bIns="45720" rtlCol="0"/>
+          <a:lstStyle/>
+          <a:p>
+            <a:pPr lvl="0"/>
+            <a:r>
+              <a:rPr lang="en-US" altLang="zh-CN"/>
+              <a:t>Click to edit Master text styles</a:t>
+            </a:r>
+          </a:p>
+          <a:p>
+            <a:pPr lvl="1"/>
+            <a:r>
+              <a:rPr lang="en-US" altLang="zh-CN"/>
+              <a:t>Second level</a:t>
+            </a:r>
+          </a:p>
+          <a:p>
+            <a:pPr lvl="2"/>
+            <a:r>
+              <a:rPr lang="en-US" altLang="zh-CN"/>
+              <a:t>Third level</a:t>
+            </a:r>
+          </a:p>
+          <a:p>
+            <a:pPr lvl="3"/>
+            <a:r>
+              <a:rPr lang="en-US" altLang="zh-CN"/>
+              <a:t>Fourth level</a:t>
+            </a:r>
+          </a:p>
+          <a:p>
+            <a:pPr lvl="4"/>
+            <a:r>
+              <a:rPr lang="en-US" altLang="zh-CN"/>
+              <a:t>Fifth level</a:t>
+            </a:r>
+            <a:endParaRPr lang="zh-CN" altLang="en-US"/>
+          </a:p>
+        </p:txBody>
+      </p:sp>
+      <p:sp>
+        <p:nvSpPr>
+          <p:cNvPr id="6" name="Footer Placeholder 5"/>
+          <p:cNvSpPr>
+            <a:spLocks noGrp="1"/>
+          </p:cNvSpPr>
+          <p:nvPr>
+            <p:ph type="ftr" sz="quarter" idx="4"/>
+          </p:nvPr>
+        </p:nvSpPr>
+        <p:spPr>
+          <a:xfrm>
+            <a:off x="0" y="8685213"/>
+            <a:ext cx="2971800" cy="458787"/>
+          </a:xfrm>
+          <a:prstGeom prst="rect">
+            <a:avLst/>
+          </a:prstGeom>
+        </p:spPr>
+        <p:txBody>
+          <a:bodyPr vert="horz" lIns="91440" tIns="45720" rIns="91440" bIns="45720" rtlCol="0" anchor="b"/>
+          <a:lstStyle>
+            <a:lvl1pPr algn="l">
+              <a:defRPr sz="1200"/>
+            </a:lvl1pPr>
+          </a:lstStyle>
+          <a:p>
+            <a:endParaRPr lang="zh-CN" altLang="en-US"/>
+          </a:p>
+        </p:txBody>
+      </p:sp>
+      <p:sp>
+        <p:nvSpPr>
+          <p:cNvPr id="7" name="Slide Number Placeholder 6"/>
+          <p:cNvSpPr>
+            <a:spLocks noGrp="1"/>
+          </p:cNvSpPr>
+          <p:nvPr>
+            <p:ph type="sldNum" sz="quarter" idx="5"/>
+          </p:nvPr>
+        </p:nvSpPr>
+        <p:spPr>
+          <a:xfrm>
+            <a:off x="3884613" y="8685213"/>
+            <a:ext cx="2971800" cy="458787"/>
+          </a:xfrm>
+          <a:prstGeom prst="rect">
+            <a:avLst/>
+          </a:prstGeom>
+        </p:spPr>
+        <p:txBody>
+          <a:bodyPr vert="horz" lIns="91440" tIns="45720" rIns="91440" bIns="45720" rtlCol="0" anchor="b"/>
+          <a:lstStyle>
+            <a:lvl1pPr algn="r">
+              <a:defRPr sz="1200"/>
+            </a:lvl1pPr>
+          </a:lstStyle>
+          <a:p>
+            <a:fld id="{D08FA800-D097-4AD3-9559-E988D33860D2}" type="slidenum">
+              <a:rPr lang="zh-CN" altLang="en-US" smtClean="0"/>
+              <a:t>‹#›</a:t>
+            </a:fld>
+            <a:endParaRPr lang="zh-CN" altLang="en-US"/>
+          </a:p>
+        </p:txBody>
+      </p:sp>
+    </p:spTree>
+    <p:extLst>
+      <p:ext uri="{BB962C8B-B14F-4D97-AF65-F5344CB8AC3E}">
+        <p14:creationId xmlns:p14="http://schemas.microsoft.com/office/powerpoint/2010/main" val="1068789467"/>
+      </p:ext>
+    </p:extLst>
+  </p:cSld>
+  <p:clrMap bg1="lt1" tx1="dk1" bg2="lt2" tx2="dk2" accent1="accent1" accent2="accent2" accent3="accent3" accent4="accent4" accent5="accent5" accent6="accent6" hlink="hlink" folHlink="folHlink"/>
+  <p:notesStyle>
+    <a:lvl1pPr marL="0" algn="l" defTabSz="914400" rtl="0" eaLnBrk="1" latinLnBrk="0" hangingPunct="1">
+      <a:defRPr sz="1200" kern="1200">
+        <a:solidFill>
+          <a:schemeClr val="tx1"/>
+        </a:solidFill>
+        <a:latin typeface="+mn-lt"/>
+        <a:ea typeface="+mn-ea"/>
+        <a:cs typeface="+mn-cs"/>
+      </a:defRPr>
+    </a:lvl1pPr>
+    <a:lvl2pPr marL="457200" algn="l" defTabSz="914400" rtl="0" eaLnBrk="1" latinLnBrk="0" hangingPunct="1">
+      <a:defRPr sz="1200" kern="1200">
+        <a:solidFill>
+          <a:schemeClr val="tx1"/>
+        </a:solidFill>
+        <a:latin typeface="+mn-lt"/>
+        <a:ea typeface="+mn-ea"/>
+        <a:cs typeface="+mn-cs"/>
+      </a:defRPr>
+    </a:lvl2pPr>
+    <a:lvl3pPr marL="914400" algn="l" defTabSz="914400" rtl="0" eaLnBrk="1" latinLnBrk="0" hangingPunct="1">
+      <a:defRPr sz="1200" kern="1200">
+        <a:solidFill>
+          <a:schemeClr val="tx1"/>
+        </a:solidFill>
+        <a:latin typeface="+mn-lt"/>
+        <a:ea typeface="+mn-ea"/>
+        <a:cs typeface="+mn-cs"/>
+      </a:defRPr>
+    </a:lvl3pPr>
+    <a:lvl4pPr marL="1371600" algn="l" defTabSz="914400" rtl="0" eaLnBrk="1" latinLnBrk="0" hangingPunct="1">
+      <a:defRPr sz="1200" kern="1200">
+        <a:solidFill>
+          <a:schemeClr val="tx1"/>
+        </a:solidFill>
+        <a:latin typeface="+mn-lt"/>
+        <a:ea typeface="+mn-ea"/>
+        <a:cs typeface="+mn-cs"/>
+      </a:defRPr>
+    </a:lvl4pPr>
+    <a:lvl5pPr marL="1828800" algn="l" defTabSz="914400" rtl="0" eaLnBrk="1" latinLnBrk="0" hangingPunct="1">
+      <a:defRPr sz="1200" kern="1200">
+        <a:solidFill>
+          <a:schemeClr val="tx1"/>
+        </a:solidFill>
+        <a:latin typeface="+mn-lt"/>
+        <a:ea typeface="+mn-ea"/>
+        <a:cs typeface="+mn-cs"/>
+      </a:defRPr>
+    </a:lvl5pPr>
+    <a:lvl6pPr marL="2286000" algn="l" defTabSz="914400" rtl="0" eaLnBrk="1" latinLnBrk="0" hangingPunct="1">
+      <a:defRPr sz="1200" kern="1200">
+        <a:solidFill>
+          <a:schemeClr val="tx1"/>
+        </a:solidFill>
+        <a:latin typeface="+mn-lt"/>
+        <a:ea typeface="+mn-ea"/>
+        <a:cs typeface="+mn-cs"/>
+      </a:defRPr>
+    </a:lvl6pPr>
+    <a:lvl7pPr marL="2743200" algn="l" defTabSz="914400" rtl="0" eaLnBrk="1" latinLnBrk="0" hangingPunct="1">
+      <a:defRPr sz="1200" kern="1200">
+        <a:solidFill>
+          <a:schemeClr val="tx1"/>
+        </a:solidFill>
+        <a:latin typeface="+mn-lt"/>
+        <a:ea typeface="+mn-ea"/>
+        <a:cs typeface="+mn-cs"/>
+      </a:defRPr>
+    </a:lvl7pPr>
+    <a:lvl8pPr marL="3200400" algn="l" defTabSz="914400" rtl="0" eaLnBrk="1" latinLnBrk="0" hangingPunct="1">
+      <a:defRPr sz="1200" kern="1200">
+        <a:solidFill>
+          <a:schemeClr val="tx1"/>
+        </a:solidFill>
+        <a:latin typeface="+mn-lt"/>
+        <a:ea typeface="+mn-ea"/>
+        <a:cs typeface="+mn-cs"/>
+      </a:defRPr>
+    </a:lvl8pPr>
+    <a:lvl9pPr marL="3657600" algn="l" defTabSz="914400" rtl="0" eaLnBrk="1" latinLnBrk="0" hangingPunct="1">
+      <a:defRPr sz="1200" kern="1200">
+        <a:solidFill>
+          <a:schemeClr val="tx1"/>
+        </a:solidFill>
+        <a:latin typeface="+mn-lt"/>
+        <a:ea typeface="+mn-ea"/>
+        <a:cs typeface="+mn-cs"/>
+      </a:defRPr>
+    </a:lvl9pPr>
+  </p:notesStyle>
+</p:notesMaster>
+</file>
+
+<file path=ppt/notesSlides/notesSlide1.xml><?xml version="1.0" encoding="utf-8"?>
+<p:notes xmlns:a="http://schemas.openxmlformats.org/drawingml/2006/main" xmlns:r="http://schemas.openxmlformats.org/officeDocument/2006/relationships" xmlns:p="http://schemas.openxmlformats.org/presentationml/2006/main">
+  <p:cSld>
+    <p:spTree>
+      <p:nvGrpSpPr>
+        <p:cNvPr id="1" name=""/>
+        <p:cNvGrpSpPr/>
+        <p:nvPr/>
+      </p:nvGrpSpPr>
+      <p:grpSpPr>
+        <a:xfrm>
+          <a:off x="0" y="0"/>
+          <a:ext cx="0" cy="0"/>
+          <a:chOff x="0" y="0"/>
+          <a:chExt cx="0" cy="0"/>
+        </a:xfrm>
+      </p:grpSpPr>
+      <p:sp>
+        <p:nvSpPr>
+          <p:cNvPr id="2" name="Slide Image Placeholder 1"/>
+          <p:cNvSpPr>
+            <a:spLocks noGrp="1" noRot="1" noChangeAspect="1"/>
+          </p:cNvSpPr>
+          <p:nvPr>
+            <p:ph type="sldImg"/>
+          </p:nvPr>
+        </p:nvSpPr>
+        <p:spPr/>
+      </p:sp>
+      <p:sp>
+        <p:nvSpPr>
+          <p:cNvPr id="3" name="Notes Placeholder 2"/>
+          <p:cNvSpPr>
+            <a:spLocks noGrp="1"/>
+          </p:cNvSpPr>
+          <p:nvPr>
+            <p:ph type="body" idx="1"/>
+          </p:nvPr>
+        </p:nvSpPr>
+        <p:spPr/>
+        <p:txBody>
+          <a:bodyPr/>
+          <a:lstStyle/>
+          <a:p>
+            <a:r>
+              <a:rPr lang="de-DE" altLang="zh-CN" dirty="0"/>
+              <a:t>Positive Faktoren;  Vorhersagen</a:t>
+            </a:r>
+          </a:p>
+          <a:p>
+            <a:endParaRPr lang="de-DE" altLang="zh-CN" dirty="0"/>
+          </a:p>
+          <a:p>
+            <a:r>
+              <a:rPr lang="de-DE" altLang="zh-CN" dirty="0"/>
+              <a:t>Hinteres Ziel, attraktiv</a:t>
+            </a:r>
+            <a:endParaRPr lang="zh-CN" altLang="en-US" dirty="0"/>
+          </a:p>
+        </p:txBody>
+      </p:sp>
+      <p:sp>
+        <p:nvSpPr>
+          <p:cNvPr id="4" name="Slide Number Placeholder 3"/>
+          <p:cNvSpPr>
+            <a:spLocks noGrp="1"/>
+          </p:cNvSpPr>
+          <p:nvPr>
+            <p:ph type="sldNum" sz="quarter" idx="5"/>
+          </p:nvPr>
+        </p:nvSpPr>
+        <p:spPr/>
+        <p:txBody>
+          <a:bodyPr/>
+          <a:lstStyle/>
+          <a:p>
+            <a:fld id="{D08FA800-D097-4AD3-9559-E988D33860D2}" type="slidenum">
+              <a:rPr lang="zh-CN" altLang="en-US" smtClean="0"/>
+              <a:t>2</a:t>
+            </a:fld>
+            <a:endParaRPr lang="zh-CN" altLang="en-US"/>
+          </a:p>
+        </p:txBody>
+      </p:sp>
+    </p:spTree>
+    <p:extLst>
+      <p:ext uri="{BB962C8B-B14F-4D97-AF65-F5344CB8AC3E}">
+        <p14:creationId xmlns:p14="http://schemas.microsoft.com/office/powerpoint/2010/main" val="1081421063"/>
+      </p:ext>
+    </p:extLst>
+  </p:cSld>
+  <p:clrMapOvr>
+    <a:masterClrMapping/>
+  </p:clrMapOvr>
+</p:notes>
+</file>
+
+<file path=ppt/notesSlides/notesSlide2.xml><?xml version="1.0" encoding="utf-8"?>
+<p:notes xmlns:a="http://schemas.openxmlformats.org/drawingml/2006/main" xmlns:r="http://schemas.openxmlformats.org/officeDocument/2006/relationships" xmlns:p="http://schemas.openxmlformats.org/presentationml/2006/main">
+  <p:cSld>
+    <p:spTree>
+      <p:nvGrpSpPr>
+        <p:cNvPr id="1" name=""/>
+        <p:cNvGrpSpPr/>
+        <p:nvPr/>
+      </p:nvGrpSpPr>
+      <p:grpSpPr>
+        <a:xfrm>
+          <a:off x="0" y="0"/>
+          <a:ext cx="0" cy="0"/>
+          <a:chOff x="0" y="0"/>
+          <a:chExt cx="0" cy="0"/>
+        </a:xfrm>
+      </p:grpSpPr>
+      <p:sp>
+        <p:nvSpPr>
+          <p:cNvPr id="2" name="Slide Image Placeholder 1"/>
+          <p:cNvSpPr>
+            <a:spLocks noGrp="1" noRot="1" noChangeAspect="1"/>
+          </p:cNvSpPr>
+          <p:nvPr>
+            <p:ph type="sldImg"/>
+          </p:nvPr>
+        </p:nvSpPr>
+        <p:spPr/>
+      </p:sp>
+      <p:sp>
+        <p:nvSpPr>
+          <p:cNvPr id="3" name="Notes Placeholder 2"/>
+          <p:cNvSpPr>
+            <a:spLocks noGrp="1"/>
+          </p:cNvSpPr>
+          <p:nvPr>
+            <p:ph type="body" idx="1"/>
+          </p:nvPr>
+        </p:nvSpPr>
+        <p:spPr/>
+        <p:txBody>
+          <a:bodyPr/>
+          <a:lstStyle/>
+          <a:p>
+            <a:r>
+              <a:rPr lang="de-DE" altLang="zh-CN" dirty="0"/>
+              <a:t>Gewicht Mittelwerte</a:t>
+            </a:r>
+            <a:endParaRPr lang="zh-CN" altLang="en-US" dirty="0"/>
+          </a:p>
+        </p:txBody>
+      </p:sp>
+      <p:sp>
+        <p:nvSpPr>
+          <p:cNvPr id="4" name="Slide Number Placeholder 3"/>
+          <p:cNvSpPr>
+            <a:spLocks noGrp="1"/>
+          </p:cNvSpPr>
+          <p:nvPr>
+            <p:ph type="sldNum" sz="quarter" idx="5"/>
+          </p:nvPr>
+        </p:nvSpPr>
+        <p:spPr/>
+        <p:txBody>
+          <a:bodyPr/>
+          <a:lstStyle/>
+          <a:p>
+            <a:fld id="{D08FA800-D097-4AD3-9559-E988D33860D2}" type="slidenum">
+              <a:rPr lang="zh-CN" altLang="en-US" smtClean="0"/>
+              <a:t>6</a:t>
+            </a:fld>
+            <a:endParaRPr lang="zh-CN" altLang="en-US"/>
+          </a:p>
+        </p:txBody>
+      </p:sp>
+    </p:spTree>
+    <p:extLst>
+      <p:ext uri="{BB962C8B-B14F-4D97-AF65-F5344CB8AC3E}">
+        <p14:creationId xmlns:p14="http://schemas.microsoft.com/office/powerpoint/2010/main" val="1311690097"/>
+      </p:ext>
+    </p:extLst>
+  </p:cSld>
+  <p:clrMapOvr>
+    <a:masterClrMapping/>
+  </p:clrMapOvr>
+</p:notes>
+</file>
+
+<file path=ppt/notesSlides/notesSlide3.xml><?xml version="1.0" encoding="utf-8"?>
+<p:notes xmlns:a="http://schemas.openxmlformats.org/drawingml/2006/main" xmlns:r="http://schemas.openxmlformats.org/officeDocument/2006/relationships" xmlns:p="http://schemas.openxmlformats.org/presentationml/2006/main">
+  <p:cSld>
+    <p:spTree>
+      <p:nvGrpSpPr>
+        <p:cNvPr id="1" name=""/>
+        <p:cNvGrpSpPr/>
+        <p:nvPr/>
+      </p:nvGrpSpPr>
+      <p:grpSpPr>
+        <a:xfrm>
+          <a:off x="0" y="0"/>
+          <a:ext cx="0" cy="0"/>
+          <a:chOff x="0" y="0"/>
+          <a:chExt cx="0" cy="0"/>
+        </a:xfrm>
+      </p:grpSpPr>
+      <p:sp>
+        <p:nvSpPr>
+          <p:cNvPr id="2" name="Slide Image Placeholder 1"/>
+          <p:cNvSpPr>
+            <a:spLocks noGrp="1" noRot="1" noChangeAspect="1"/>
+          </p:cNvSpPr>
+          <p:nvPr>
+            <p:ph type="sldImg"/>
+          </p:nvPr>
+        </p:nvSpPr>
+        <p:spPr/>
+      </p:sp>
+      <p:sp>
+        <p:nvSpPr>
+          <p:cNvPr id="3" name="Notes Placeholder 2"/>
+          <p:cNvSpPr>
+            <a:spLocks noGrp="1"/>
+          </p:cNvSpPr>
+          <p:nvPr>
+            <p:ph type="body" idx="1"/>
+          </p:nvPr>
+        </p:nvSpPr>
+        <p:spPr/>
+        <p:txBody>
+          <a:bodyPr/>
+          <a:lstStyle/>
+          <a:p>
+            <a:r>
+              <a:rPr lang="de-DE" altLang="zh-CN" dirty="0"/>
+              <a:t>Eingangs </a:t>
+            </a:r>
+            <a:r>
+              <a:rPr lang="de-DE" altLang="zh-CN" dirty="0" err="1"/>
+              <a:t>note</a:t>
+            </a:r>
+            <a:endParaRPr lang="zh-CN" altLang="en-US" dirty="0"/>
+          </a:p>
+        </p:txBody>
+      </p:sp>
+      <p:sp>
+        <p:nvSpPr>
+          <p:cNvPr id="4" name="Slide Number Placeholder 3"/>
+          <p:cNvSpPr>
+            <a:spLocks noGrp="1"/>
+          </p:cNvSpPr>
+          <p:nvPr>
+            <p:ph type="sldNum" sz="quarter" idx="5"/>
+          </p:nvPr>
+        </p:nvSpPr>
+        <p:spPr/>
+        <p:txBody>
+          <a:bodyPr/>
+          <a:lstStyle/>
+          <a:p>
+            <a:fld id="{D08FA800-D097-4AD3-9559-E988D33860D2}" type="slidenum">
+              <a:rPr lang="zh-CN" altLang="en-US" smtClean="0"/>
+              <a:t>15</a:t>
+            </a:fld>
+            <a:endParaRPr lang="zh-CN" altLang="en-US"/>
+          </a:p>
+        </p:txBody>
+      </p:sp>
+    </p:spTree>
+    <p:extLst>
+      <p:ext uri="{BB962C8B-B14F-4D97-AF65-F5344CB8AC3E}">
+        <p14:creationId xmlns:p14="http://schemas.microsoft.com/office/powerpoint/2010/main" val="2649291244"/>
+      </p:ext>
+    </p:extLst>
+  </p:cSld>
+  <p:clrMapOvr>
+    <a:masterClrMapping/>
+  </p:clrMapOvr>
+</p:notes>
+</file>
+
+<file path=ppt/notesSlides/notesSlide4.xml><?xml version="1.0" encoding="utf-8"?>
+<p:notes xmlns:a="http://schemas.openxmlformats.org/drawingml/2006/main" xmlns:r="http://schemas.openxmlformats.org/officeDocument/2006/relationships" xmlns:p="http://schemas.openxmlformats.org/presentationml/2006/main">
+  <p:cSld>
+    <p:spTree>
+      <p:nvGrpSpPr>
+        <p:cNvPr id="1" name=""/>
+        <p:cNvGrpSpPr/>
+        <p:nvPr/>
+      </p:nvGrpSpPr>
+      <p:grpSpPr>
+        <a:xfrm>
+          <a:off x="0" y="0"/>
+          <a:ext cx="0" cy="0"/>
+          <a:chOff x="0" y="0"/>
+          <a:chExt cx="0" cy="0"/>
+        </a:xfrm>
+      </p:grpSpPr>
+      <p:sp>
+        <p:nvSpPr>
+          <p:cNvPr id="2" name="Slide Image Placeholder 1"/>
+          <p:cNvSpPr>
+            <a:spLocks noGrp="1" noRot="1" noChangeAspect="1"/>
+          </p:cNvSpPr>
+          <p:nvPr>
+            <p:ph type="sldImg"/>
+          </p:nvPr>
+        </p:nvSpPr>
+        <p:spPr/>
+      </p:sp>
+      <p:sp>
+        <p:nvSpPr>
+          <p:cNvPr id="3" name="Notes Placeholder 2"/>
+          <p:cNvSpPr>
+            <a:spLocks noGrp="1"/>
+          </p:cNvSpPr>
+          <p:nvPr>
+            <p:ph type="body" idx="1"/>
+          </p:nvPr>
+        </p:nvSpPr>
+        <p:spPr/>
+        <p:txBody>
+          <a:bodyPr/>
+          <a:lstStyle/>
+          <a:p>
+            <a:r>
+              <a:rPr lang="de-DE" altLang="zh-CN" dirty="0"/>
+              <a:t>Trend für diese Faktoren für diese Unis gezeichnet</a:t>
+            </a:r>
+            <a:endParaRPr lang="zh-CN" altLang="en-US" dirty="0"/>
+          </a:p>
+        </p:txBody>
+      </p:sp>
+      <p:sp>
+        <p:nvSpPr>
+          <p:cNvPr id="4" name="Slide Number Placeholder 3"/>
+          <p:cNvSpPr>
+            <a:spLocks noGrp="1"/>
+          </p:cNvSpPr>
+          <p:nvPr>
+            <p:ph type="sldNum" sz="quarter" idx="5"/>
+          </p:nvPr>
+        </p:nvSpPr>
+        <p:spPr/>
+        <p:txBody>
+          <a:bodyPr/>
+          <a:lstStyle/>
+          <a:p>
+            <a:fld id="{D08FA800-D097-4AD3-9559-E988D33860D2}" type="slidenum">
+              <a:rPr lang="zh-CN" altLang="en-US" smtClean="0"/>
+              <a:t>16</a:t>
+            </a:fld>
+            <a:endParaRPr lang="zh-CN" altLang="en-US"/>
+          </a:p>
+        </p:txBody>
+      </p:sp>
+    </p:spTree>
+    <p:extLst>
+      <p:ext uri="{BB962C8B-B14F-4D97-AF65-F5344CB8AC3E}">
+        <p14:creationId xmlns:p14="http://schemas.microsoft.com/office/powerpoint/2010/main" val="3358521894"/>
+      </p:ext>
+    </p:extLst>
+  </p:cSld>
+  <p:clrMapOvr>
+    <a:masterClrMapping/>
+  </p:clrMapOvr>
+</p:notes>
+</file>
+
+<file path=ppt/notesSlides/notesSlide5.xml><?xml version="1.0" encoding="utf-8"?>
+<p:notes xmlns:a="http://schemas.openxmlformats.org/drawingml/2006/main" xmlns:r="http://schemas.openxmlformats.org/officeDocument/2006/relationships" xmlns:p="http://schemas.openxmlformats.org/presentationml/2006/main">
+  <p:cSld>
+    <p:spTree>
+      <p:nvGrpSpPr>
+        <p:cNvPr id="1" name=""/>
+        <p:cNvGrpSpPr/>
+        <p:nvPr/>
+      </p:nvGrpSpPr>
+      <p:grpSpPr>
+        <a:xfrm>
+          <a:off x="0" y="0"/>
+          <a:ext cx="0" cy="0"/>
+          <a:chOff x="0" y="0"/>
+          <a:chExt cx="0" cy="0"/>
+        </a:xfrm>
+      </p:grpSpPr>
+      <p:sp>
+        <p:nvSpPr>
+          <p:cNvPr id="2" name="Slide Image Placeholder 1"/>
+          <p:cNvSpPr>
+            <a:spLocks noGrp="1" noRot="1" noChangeAspect="1"/>
+          </p:cNvSpPr>
+          <p:nvPr>
+            <p:ph type="sldImg"/>
+          </p:nvPr>
+        </p:nvSpPr>
+        <p:spPr/>
+      </p:sp>
+      <p:sp>
+        <p:nvSpPr>
+          <p:cNvPr id="3" name="Notes Placeholder 2"/>
+          <p:cNvSpPr>
+            <a:spLocks noGrp="1"/>
+          </p:cNvSpPr>
+          <p:nvPr>
+            <p:ph type="body" idx="1"/>
+          </p:nvPr>
+        </p:nvSpPr>
+        <p:spPr/>
+        <p:txBody>
+          <a:bodyPr/>
+          <a:lstStyle/>
+          <a:p>
+            <a:r>
+              <a:rPr lang="de-DE" altLang="zh-CN" dirty="0"/>
+              <a:t>Alle versuchen diese </a:t>
+            </a:r>
+            <a:r>
+              <a:rPr lang="de-DE" altLang="zh-CN" dirty="0" err="1"/>
+              <a:t>verhältnis</a:t>
+            </a:r>
+            <a:r>
+              <a:rPr lang="de-DE" altLang="zh-CN" dirty="0"/>
+              <a:t> zu verringen</a:t>
+            </a:r>
+            <a:endParaRPr lang="zh-CN" altLang="en-US" dirty="0"/>
+          </a:p>
+        </p:txBody>
+      </p:sp>
+      <p:sp>
+        <p:nvSpPr>
+          <p:cNvPr id="4" name="Slide Number Placeholder 3"/>
+          <p:cNvSpPr>
+            <a:spLocks noGrp="1"/>
+          </p:cNvSpPr>
+          <p:nvPr>
+            <p:ph type="sldNum" sz="quarter" idx="5"/>
+          </p:nvPr>
+        </p:nvSpPr>
+        <p:spPr/>
+        <p:txBody>
+          <a:bodyPr/>
+          <a:lstStyle/>
+          <a:p>
+            <a:fld id="{D08FA800-D097-4AD3-9559-E988D33860D2}" type="slidenum">
+              <a:rPr lang="zh-CN" altLang="en-US" smtClean="0"/>
+              <a:t>17</a:t>
+            </a:fld>
+            <a:endParaRPr lang="zh-CN" altLang="en-US"/>
+          </a:p>
+        </p:txBody>
+      </p:sp>
+    </p:spTree>
+    <p:extLst>
+      <p:ext uri="{BB962C8B-B14F-4D97-AF65-F5344CB8AC3E}">
+        <p14:creationId xmlns:p14="http://schemas.microsoft.com/office/powerpoint/2010/main" val="637698257"/>
+      </p:ext>
+    </p:extLst>
+  </p:cSld>
+  <p:clrMapOvr>
+    <a:masterClrMapping/>
+  </p:clrMapOvr>
+</p:notes>
+</file>
+
+<file path=ppt/notesSlides/notesSlide6.xml><?xml version="1.0" encoding="utf-8"?>
+<p:notes xmlns:a="http://schemas.openxmlformats.org/drawingml/2006/main" xmlns:r="http://schemas.openxmlformats.org/officeDocument/2006/relationships" xmlns:p="http://schemas.openxmlformats.org/presentationml/2006/main">
+  <p:cSld>
+    <p:spTree>
+      <p:nvGrpSpPr>
+        <p:cNvPr id="1" name=""/>
+        <p:cNvGrpSpPr/>
+        <p:nvPr/>
+      </p:nvGrpSpPr>
+      <p:grpSpPr>
+        <a:xfrm>
+          <a:off x="0" y="0"/>
+          <a:ext cx="0" cy="0"/>
+          <a:chOff x="0" y="0"/>
+          <a:chExt cx="0" cy="0"/>
+        </a:xfrm>
+      </p:grpSpPr>
+      <p:sp>
+        <p:nvSpPr>
+          <p:cNvPr id="2" name="Slide Image Placeholder 1"/>
+          <p:cNvSpPr>
+            <a:spLocks noGrp="1" noRot="1" noChangeAspect="1"/>
+          </p:cNvSpPr>
+          <p:nvPr>
+            <p:ph type="sldImg"/>
+          </p:nvPr>
+        </p:nvSpPr>
+        <p:spPr/>
+      </p:sp>
+      <p:sp>
+        <p:nvSpPr>
+          <p:cNvPr id="3" name="Notes Placeholder 2"/>
+          <p:cNvSpPr>
+            <a:spLocks noGrp="1"/>
+          </p:cNvSpPr>
+          <p:nvPr>
+            <p:ph type="body" idx="1"/>
+          </p:nvPr>
+        </p:nvSpPr>
+        <p:spPr/>
+        <p:txBody>
+          <a:bodyPr/>
+          <a:lstStyle/>
+          <a:p>
+            <a:r>
+              <a:rPr lang="de-DE" altLang="zh-CN" dirty="0"/>
+              <a:t>Value </a:t>
+            </a:r>
+            <a:r>
+              <a:rPr lang="de-DE" altLang="zh-CN" dirty="0" err="1"/>
+              <a:t>added</a:t>
+            </a:r>
+            <a:r>
+              <a:rPr lang="de-DE" altLang="zh-CN" dirty="0"/>
+              <a:t> auch gut gemacht, aber nicht sehr deutlich</a:t>
+            </a:r>
+          </a:p>
+          <a:p>
+            <a:r>
+              <a:rPr lang="de-DE" altLang="zh-CN" dirty="0"/>
+              <a:t>Career, haben auch alle verbessert</a:t>
+            </a:r>
+            <a:endParaRPr lang="zh-CN" altLang="en-US" dirty="0"/>
+          </a:p>
+        </p:txBody>
+      </p:sp>
+      <p:sp>
+        <p:nvSpPr>
+          <p:cNvPr id="4" name="Slide Number Placeholder 3"/>
+          <p:cNvSpPr>
+            <a:spLocks noGrp="1"/>
+          </p:cNvSpPr>
+          <p:nvPr>
+            <p:ph type="sldNum" sz="quarter" idx="5"/>
+          </p:nvPr>
+        </p:nvSpPr>
+        <p:spPr/>
+        <p:txBody>
+          <a:bodyPr/>
+          <a:lstStyle/>
+          <a:p>
+            <a:fld id="{D08FA800-D097-4AD3-9559-E988D33860D2}" type="slidenum">
+              <a:rPr lang="zh-CN" altLang="en-US" smtClean="0"/>
+              <a:t>18</a:t>
+            </a:fld>
+            <a:endParaRPr lang="zh-CN" altLang="en-US"/>
+          </a:p>
+        </p:txBody>
+      </p:sp>
+    </p:spTree>
+    <p:extLst>
+      <p:ext uri="{BB962C8B-B14F-4D97-AF65-F5344CB8AC3E}">
+        <p14:creationId xmlns:p14="http://schemas.microsoft.com/office/powerpoint/2010/main" val="5713601"/>
+      </p:ext>
+    </p:extLst>
+  </p:cSld>
+  <p:clrMapOvr>
+    <a:masterClrMapping/>
+  </p:clrMapOvr>
+</p:notes>
+</file>
+
+<file path=ppt/notesSlides/notesSlide7.xml><?xml version="1.0" encoding="utf-8"?>
+<p:notes xmlns:a="http://schemas.openxmlformats.org/drawingml/2006/main" xmlns:r="http://schemas.openxmlformats.org/officeDocument/2006/relationships" xmlns:p="http://schemas.openxmlformats.org/presentationml/2006/main">
+  <p:cSld>
+    <p:spTree>
+      <p:nvGrpSpPr>
+        <p:cNvPr id="1" name=""/>
+        <p:cNvGrpSpPr/>
+        <p:nvPr/>
+      </p:nvGrpSpPr>
+      <p:grpSpPr>
+        <a:xfrm>
+          <a:off x="0" y="0"/>
+          <a:ext cx="0" cy="0"/>
+          <a:chOff x="0" y="0"/>
+          <a:chExt cx="0" cy="0"/>
+        </a:xfrm>
+      </p:grpSpPr>
+      <p:sp>
+        <p:nvSpPr>
+          <p:cNvPr id="2" name="Slide Image Placeholder 1"/>
+          <p:cNvSpPr>
+            <a:spLocks noGrp="1" noRot="1" noChangeAspect="1"/>
+          </p:cNvSpPr>
+          <p:nvPr>
+            <p:ph type="sldImg"/>
+          </p:nvPr>
+        </p:nvSpPr>
+        <p:spPr/>
+      </p:sp>
+      <p:sp>
+        <p:nvSpPr>
+          <p:cNvPr id="3" name="Notes Placeholder 2"/>
+          <p:cNvSpPr>
+            <a:spLocks noGrp="1"/>
+          </p:cNvSpPr>
+          <p:nvPr>
+            <p:ph type="body" idx="1"/>
+          </p:nvPr>
+        </p:nvSpPr>
+        <p:spPr/>
+        <p:txBody>
+          <a:bodyPr/>
+          <a:lstStyle/>
+          <a:p>
+            <a:r>
+              <a:rPr lang="de-DE" altLang="zh-CN" dirty="0"/>
+              <a:t>Schlecht und schlechter</a:t>
+            </a:r>
+            <a:endParaRPr lang="zh-CN" altLang="en-US" dirty="0"/>
+          </a:p>
+        </p:txBody>
+      </p:sp>
+      <p:sp>
+        <p:nvSpPr>
+          <p:cNvPr id="4" name="Slide Number Placeholder 3"/>
+          <p:cNvSpPr>
+            <a:spLocks noGrp="1"/>
+          </p:cNvSpPr>
+          <p:nvPr>
+            <p:ph type="sldNum" sz="quarter" idx="5"/>
+          </p:nvPr>
+        </p:nvSpPr>
+        <p:spPr/>
+        <p:txBody>
+          <a:bodyPr/>
+          <a:lstStyle/>
+          <a:p>
+            <a:fld id="{D08FA800-D097-4AD3-9559-E988D33860D2}" type="slidenum">
+              <a:rPr lang="zh-CN" altLang="en-US" smtClean="0"/>
+              <a:t>20</a:t>
+            </a:fld>
+            <a:endParaRPr lang="zh-CN" altLang="en-US"/>
+          </a:p>
+        </p:txBody>
+      </p:sp>
+    </p:spTree>
+    <p:extLst>
+      <p:ext uri="{BB962C8B-B14F-4D97-AF65-F5344CB8AC3E}">
+        <p14:creationId xmlns:p14="http://schemas.microsoft.com/office/powerpoint/2010/main" val="3471249729"/>
+      </p:ext>
+    </p:extLst>
+  </p:cSld>
+  <p:clrMapOvr>
+    <a:masterClrMapping/>
+  </p:clrMapOvr>
+</p:notes>
+</file>
+
+<file path=ppt/notesSlides/notesSlide8.xml><?xml version="1.0" encoding="utf-8"?>
+<p:notes xmlns:a="http://schemas.openxmlformats.org/drawingml/2006/main" xmlns:r="http://schemas.openxmlformats.org/officeDocument/2006/relationships" xmlns:p="http://schemas.openxmlformats.org/presentationml/2006/main">
+  <p:cSld>
+    <p:spTree>
+      <p:nvGrpSpPr>
+        <p:cNvPr id="1" name=""/>
+        <p:cNvGrpSpPr/>
+        <p:nvPr/>
+      </p:nvGrpSpPr>
+      <p:grpSpPr>
+        <a:xfrm>
+          <a:off x="0" y="0"/>
+          <a:ext cx="0" cy="0"/>
+          <a:chOff x="0" y="0"/>
+          <a:chExt cx="0" cy="0"/>
+        </a:xfrm>
+      </p:grpSpPr>
+      <p:sp>
+        <p:nvSpPr>
+          <p:cNvPr id="2" name="Slide Image Placeholder 1"/>
+          <p:cNvSpPr>
+            <a:spLocks noGrp="1" noRot="1" noChangeAspect="1"/>
+          </p:cNvSpPr>
+          <p:nvPr>
+            <p:ph type="sldImg"/>
+          </p:nvPr>
+        </p:nvSpPr>
+        <p:spPr/>
+      </p:sp>
+      <p:sp>
+        <p:nvSpPr>
+          <p:cNvPr id="3" name="Notes Placeholder 2"/>
+          <p:cNvSpPr>
+            <a:spLocks noGrp="1"/>
+          </p:cNvSpPr>
+          <p:nvPr>
+            <p:ph type="body" idx="1"/>
+          </p:nvPr>
+        </p:nvSpPr>
+        <p:spPr/>
+        <p:txBody>
+          <a:bodyPr/>
+          <a:lstStyle/>
+          <a:p>
+            <a:r>
+              <a:rPr lang="de-DE" altLang="zh-CN" dirty="0"/>
+              <a:t>Gegner</a:t>
+            </a:r>
+          </a:p>
+          <a:p>
+            <a:r>
+              <a:rPr lang="de-DE" altLang="zh-CN" dirty="0"/>
+              <a:t>Verlassen</a:t>
+            </a:r>
+          </a:p>
+          <a:p>
+            <a:r>
+              <a:rPr lang="de-DE" altLang="zh-CN" dirty="0"/>
+              <a:t>Halten</a:t>
+            </a:r>
+          </a:p>
+          <a:p>
+            <a:endParaRPr lang="de-DE" altLang="zh-CN" dirty="0"/>
+          </a:p>
+          <a:p>
+            <a:r>
+              <a:rPr lang="de-DE" altLang="zh-CN" dirty="0"/>
+              <a:t>2019, </a:t>
+            </a:r>
+            <a:r>
+              <a:rPr lang="de-DE" altLang="zh-CN" dirty="0" err="1"/>
+              <a:t>continue</a:t>
+            </a:r>
+            <a:endParaRPr lang="de-DE" altLang="zh-CN" dirty="0"/>
+          </a:p>
+          <a:p>
+            <a:endParaRPr lang="zh-CN" altLang="en-US" dirty="0"/>
+          </a:p>
+        </p:txBody>
+      </p:sp>
+      <p:sp>
+        <p:nvSpPr>
+          <p:cNvPr id="4" name="Slide Number Placeholder 3"/>
+          <p:cNvSpPr>
+            <a:spLocks noGrp="1"/>
+          </p:cNvSpPr>
+          <p:nvPr>
+            <p:ph type="sldNum" sz="quarter" idx="5"/>
+          </p:nvPr>
+        </p:nvSpPr>
+        <p:spPr/>
+        <p:txBody>
+          <a:bodyPr/>
+          <a:lstStyle/>
+          <a:p>
+            <a:fld id="{D08FA800-D097-4AD3-9559-E988D33860D2}" type="slidenum">
+              <a:rPr lang="zh-CN" altLang="en-US" smtClean="0"/>
+              <a:t>21</a:t>
+            </a:fld>
+            <a:endParaRPr lang="zh-CN" altLang="en-US"/>
+          </a:p>
+        </p:txBody>
+      </p:sp>
+    </p:spTree>
+    <p:extLst>
+      <p:ext uri="{BB962C8B-B14F-4D97-AF65-F5344CB8AC3E}">
+        <p14:creationId xmlns:p14="http://schemas.microsoft.com/office/powerpoint/2010/main" val="4001364154"/>
+      </p:ext>
+    </p:extLst>
+  </p:cSld>
+  <p:clrMapOvr>
+    <a:masterClrMapping/>
+  </p:clrMapOvr>
+</p:notes>
+</file>
+
+<file path=ppt/notesSlides/notesSlide9.xml><?xml version="1.0" encoding="utf-8"?>
+<p:notes xmlns:a="http://schemas.openxmlformats.org/drawingml/2006/main" xmlns:r="http://schemas.openxmlformats.org/officeDocument/2006/relationships" xmlns:p="http://schemas.openxmlformats.org/presentationml/2006/main">
+  <p:cSld>
+    <p:spTree>
+      <p:nvGrpSpPr>
+        <p:cNvPr id="1" name=""/>
+        <p:cNvGrpSpPr/>
+        <p:nvPr/>
+      </p:nvGrpSpPr>
+      <p:grpSpPr>
+        <a:xfrm>
+          <a:off x="0" y="0"/>
+          <a:ext cx="0" cy="0"/>
+          <a:chOff x="0" y="0"/>
+          <a:chExt cx="0" cy="0"/>
+        </a:xfrm>
+      </p:grpSpPr>
+      <p:sp>
+        <p:nvSpPr>
+          <p:cNvPr id="2" name="Slide Image Placeholder 1"/>
+          <p:cNvSpPr>
+            <a:spLocks noGrp="1" noRot="1" noChangeAspect="1"/>
+          </p:cNvSpPr>
+          <p:nvPr>
+            <p:ph type="sldImg"/>
+          </p:nvPr>
+        </p:nvSpPr>
+        <p:spPr/>
+      </p:sp>
+      <p:sp>
+        <p:nvSpPr>
+          <p:cNvPr id="3" name="Notes Placeholder 2"/>
+          <p:cNvSpPr>
+            <a:spLocks noGrp="1"/>
+          </p:cNvSpPr>
+          <p:nvPr>
+            <p:ph type="body" idx="1"/>
+          </p:nvPr>
+        </p:nvSpPr>
+        <p:spPr/>
+        <p:txBody>
+          <a:bodyPr/>
+          <a:lstStyle/>
+          <a:p>
+            <a:r>
+              <a:rPr lang="de-DE" altLang="zh-CN" dirty="0"/>
+              <a:t>Gleiche </a:t>
+            </a:r>
+            <a:r>
+              <a:rPr lang="de-DE" altLang="zh-CN" dirty="0" err="1"/>
+              <a:t>Tablle</a:t>
+            </a:r>
+            <a:r>
+              <a:rPr lang="de-DE" altLang="zh-CN" dirty="0"/>
+              <a:t> in China und Deutschland</a:t>
+            </a:r>
+            <a:endParaRPr lang="zh-CN" altLang="en-US" dirty="0"/>
+          </a:p>
+        </p:txBody>
+      </p:sp>
+      <p:sp>
+        <p:nvSpPr>
+          <p:cNvPr id="4" name="Slide Number Placeholder 3"/>
+          <p:cNvSpPr>
+            <a:spLocks noGrp="1"/>
+          </p:cNvSpPr>
+          <p:nvPr>
+            <p:ph type="sldNum" sz="quarter" idx="5"/>
+          </p:nvPr>
+        </p:nvSpPr>
+        <p:spPr/>
+        <p:txBody>
+          <a:bodyPr/>
+          <a:lstStyle/>
+          <a:p>
+            <a:fld id="{D08FA800-D097-4AD3-9559-E988D33860D2}" type="slidenum">
+              <a:rPr lang="zh-CN" altLang="en-US" smtClean="0"/>
+              <a:t>22</a:t>
+            </a:fld>
+            <a:endParaRPr lang="zh-CN" altLang="en-US"/>
+          </a:p>
+        </p:txBody>
+      </p:sp>
+    </p:spTree>
+    <p:extLst>
+      <p:ext uri="{BB962C8B-B14F-4D97-AF65-F5344CB8AC3E}">
+        <p14:creationId xmlns:p14="http://schemas.microsoft.com/office/powerpoint/2010/main" val="172652936"/>
+      </p:ext>
+    </p:extLst>
+  </p:cSld>
+  <p:clrMapOvr>
+    <a:masterClrMapping/>
+  </p:clrMapOvr>
+</p:notes>
+</file>
+
 <file path=ppt/slideLayouts/slideLayout1.xml><?xml version="1.0" encoding="utf-8"?>
 <p:sldLayout xmlns:a="http://schemas.openxmlformats.org/drawingml/2006/main" xmlns:r="http://schemas.openxmlformats.org/officeDocument/2006/relationships" xmlns:p="http://schemas.openxmlformats.org/presentationml/2006/main" type="title" preserve="1">
   <p:cSld name="Title Slide">
@@ -281,9 +1496,9 @@
           <a:bodyPr/>
           <a:lstStyle/>
           <a:p>
-            <a:fld id="{935A845D-7631-4A7E-AE12-65C032EF827A}" type="datetimeFigureOut">
+            <a:fld id="{414330B3-4C17-4D9B-9828-8DE28361DE2A}" type="datetime1">
               <a:rPr lang="zh-CN" altLang="en-US" smtClean="0"/>
-              <a:t>2024/2/1</a:t>
+              <a:t>2024/2/2</a:t>
             </a:fld>
             <a:endParaRPr lang="zh-CN" altLang="en-US"/>
           </a:p>
@@ -481,9 +1696,9 @@
           <a:bodyPr/>
           <a:lstStyle/>
           <a:p>
-            <a:fld id="{935A845D-7631-4A7E-AE12-65C032EF827A}" type="datetimeFigureOut">
+            <a:fld id="{2D18E0B8-415B-4156-91A7-53533AE812D6}" type="datetime1">
               <a:rPr lang="zh-CN" altLang="en-US" smtClean="0"/>
-              <a:t>2024/2/1</a:t>
+              <a:t>2024/2/2</a:t>
             </a:fld>
             <a:endParaRPr lang="zh-CN" altLang="en-US"/>
           </a:p>
@@ -691,9 +1906,9 @@
           <a:bodyPr/>
           <a:lstStyle/>
           <a:p>
-            <a:fld id="{935A845D-7631-4A7E-AE12-65C032EF827A}" type="datetimeFigureOut">
+            <a:fld id="{2AA0047E-ABAD-4F26-8EB4-F60B665251B8}" type="datetime1">
               <a:rPr lang="zh-CN" altLang="en-US" smtClean="0"/>
-              <a:t>2024/2/1</a:t>
+              <a:t>2024/2/2</a:t>
             </a:fld>
             <a:endParaRPr lang="zh-CN" altLang="en-US"/>
           </a:p>
@@ -891,9 +2106,9 @@
           <a:bodyPr/>
           <a:lstStyle/>
           <a:p>
-            <a:fld id="{935A845D-7631-4A7E-AE12-65C032EF827A}" type="datetimeFigureOut">
+            <a:fld id="{A38384EB-7D19-487E-B9A2-588FE7C64527}" type="datetime1">
               <a:rPr lang="zh-CN" altLang="en-US" smtClean="0"/>
-              <a:t>2024/2/1</a:t>
+              <a:t>2024/2/2</a:t>
             </a:fld>
             <a:endParaRPr lang="zh-CN" altLang="en-US"/>
           </a:p>
@@ -1167,9 +2382,9 @@
           <a:bodyPr/>
           <a:lstStyle/>
           <a:p>
-            <a:fld id="{935A845D-7631-4A7E-AE12-65C032EF827A}" type="datetimeFigureOut">
+            <a:fld id="{F3782D03-2846-4D52-A6B5-D02EB3793745}" type="datetime1">
               <a:rPr lang="zh-CN" altLang="en-US" smtClean="0"/>
-              <a:t>2024/2/1</a:t>
+              <a:t>2024/2/2</a:t>
             </a:fld>
             <a:endParaRPr lang="zh-CN" altLang="en-US"/>
           </a:p>
@@ -1435,9 +2650,9 @@
           <a:bodyPr/>
           <a:lstStyle/>
           <a:p>
-            <a:fld id="{935A845D-7631-4A7E-AE12-65C032EF827A}" type="datetimeFigureOut">
+            <a:fld id="{B2149041-F32C-4A21-A196-57850772FCF6}" type="datetime1">
               <a:rPr lang="zh-CN" altLang="en-US" smtClean="0"/>
-              <a:t>2024/2/1</a:t>
+              <a:t>2024/2/2</a:t>
             </a:fld>
             <a:endParaRPr lang="zh-CN" altLang="en-US"/>
           </a:p>
@@ -1850,9 +3065,9 @@
           <a:bodyPr/>
           <a:lstStyle/>
           <a:p>
-            <a:fld id="{935A845D-7631-4A7E-AE12-65C032EF827A}" type="datetimeFigureOut">
+            <a:fld id="{57170A25-252E-481C-BD76-A73831F43EFB}" type="datetime1">
               <a:rPr lang="zh-CN" altLang="en-US" smtClean="0"/>
-              <a:t>2024/2/1</a:t>
+              <a:t>2024/2/2</a:t>
             </a:fld>
             <a:endParaRPr lang="zh-CN" altLang="en-US"/>
           </a:p>
@@ -1992,9 +3207,9 @@
           <a:bodyPr/>
           <a:lstStyle/>
           <a:p>
-            <a:fld id="{935A845D-7631-4A7E-AE12-65C032EF827A}" type="datetimeFigureOut">
+            <a:fld id="{3E6B77C4-A61B-493B-A0E7-7FDD0ED71F27}" type="datetime1">
               <a:rPr lang="zh-CN" altLang="en-US" smtClean="0"/>
-              <a:t>2024/2/1</a:t>
+              <a:t>2024/2/2</a:t>
             </a:fld>
             <a:endParaRPr lang="zh-CN" altLang="en-US"/>
           </a:p>
@@ -2105,9 +3320,9 @@
           <a:bodyPr/>
           <a:lstStyle/>
           <a:p>
-            <a:fld id="{935A845D-7631-4A7E-AE12-65C032EF827A}" type="datetimeFigureOut">
+            <a:fld id="{7448EE8F-2F52-4F61-A009-99379C7ED3AB}" type="datetime1">
               <a:rPr lang="zh-CN" altLang="en-US" smtClean="0"/>
-              <a:t>2024/2/1</a:t>
+              <a:t>2024/2/2</a:t>
             </a:fld>
             <a:endParaRPr lang="zh-CN" altLang="en-US"/>
           </a:p>
@@ -2418,9 +3633,9 @@
           <a:bodyPr/>
           <a:lstStyle/>
           <a:p>
-            <a:fld id="{935A845D-7631-4A7E-AE12-65C032EF827A}" type="datetimeFigureOut">
+            <a:fld id="{079158C4-883E-46C0-9B8E-F1E5F8DBA7E2}" type="datetime1">
               <a:rPr lang="zh-CN" altLang="en-US" smtClean="0"/>
-              <a:t>2024/2/1</a:t>
+              <a:t>2024/2/2</a:t>
             </a:fld>
             <a:endParaRPr lang="zh-CN" altLang="en-US"/>
           </a:p>
@@ -2707,9 +3922,9 @@
           <a:bodyPr/>
           <a:lstStyle/>
           <a:p>
-            <a:fld id="{935A845D-7631-4A7E-AE12-65C032EF827A}" type="datetimeFigureOut">
+            <a:fld id="{033A2687-98BA-4055-A2D2-A5814D83617D}" type="datetime1">
               <a:rPr lang="zh-CN" altLang="en-US" smtClean="0"/>
-              <a:t>2024/2/1</a:t>
+              <a:t>2024/2/2</a:t>
             </a:fld>
             <a:endParaRPr lang="zh-CN" altLang="en-US"/>
           </a:p>
@@ -2950,9 +4165,9 @@
             </a:lvl1pPr>
           </a:lstStyle>
           <a:p>
-            <a:fld id="{935A845D-7631-4A7E-AE12-65C032EF827A}" type="datetimeFigureOut">
+            <a:fld id="{526D6C5E-1480-4847-A8FD-BD6D434C058F}" type="datetime1">
               <a:rPr lang="zh-CN" altLang="en-US" smtClean="0"/>
-              <a:t>2024/2/1</a:t>
+              <a:t>2024/2/2</a:t>
             </a:fld>
             <a:endParaRPr lang="zh-CN" altLang="en-US"/>
           </a:p>
@@ -3069,6 +4284,7 @@
     <p:sldLayoutId id="2147483658" r:id="rId10"/>
     <p:sldLayoutId id="2147483659" r:id="rId11"/>
   </p:sldLayoutIdLst>
+  <p:hf hdr="0" ftr="0" dt="0"/>
   <p:txStyles>
     <p:titleStyle>
       <a:lvl1pPr algn="l" defTabSz="914400" rtl="0" eaLnBrk="1" latinLnBrk="0" hangingPunct="1">
@@ -12826,6 +14042,35 @@
           </a:prstGeom>
         </p:spPr>
       </p:pic>
+      <p:sp>
+        <p:nvSpPr>
+          <p:cNvPr id="5" name="Slide Number Placeholder 4">
+            <a:extLst>
+              <a:ext uri="{FF2B5EF4-FFF2-40B4-BE49-F238E27FC236}">
+                <a16:creationId xmlns:a16="http://schemas.microsoft.com/office/drawing/2014/main" id="{0ADB0A3D-31D5-98AB-2315-1BF6E3A220C5}"/>
+              </a:ext>
+            </a:extLst>
+          </p:cNvPr>
+          <p:cNvSpPr>
+            <a:spLocks noGrp="1"/>
+          </p:cNvSpPr>
+          <p:nvPr>
+            <p:ph type="sldNum" sz="quarter" idx="12"/>
+          </p:nvPr>
+        </p:nvSpPr>
+        <p:spPr/>
+        <p:txBody>
+          <a:bodyPr/>
+          <a:lstStyle/>
+          <a:p>
+            <a:fld id="{6781FF49-76B9-491A-ADB6-4957B03E0A36}" type="slidenum">
+              <a:rPr lang="zh-CN" altLang="en-US" smtClean="0"/>
+              <a:t>1</a:t>
+            </a:fld>
+            <a:endParaRPr lang="zh-CN" altLang="en-US"/>
+          </a:p>
+        </p:txBody>
+      </p:sp>
     </p:spTree>
     <p:extLst>
       <p:ext uri="{BB962C8B-B14F-4D97-AF65-F5344CB8AC3E}">
@@ -12908,22 +14153,16 @@
           <a:p>
             <a:r>
               <a:rPr lang="en-US" altLang="zh-CN" dirty="0"/>
-              <a:t>Factors are not independent from each other</a:t>
+              <a:t>Value added</a:t>
             </a:r>
           </a:p>
           <a:p>
             <a:pPr lvl="1"/>
             <a:r>
               <a:rPr lang="en-US" altLang="zh-CN" dirty="0"/>
-              <a:t>NSS overall has a correlation of 0.89 (of -1 to 1) with NSS Teaching but only 0.3 with NSS Feedback</a:t>
-            </a:r>
-          </a:p>
-          <a:p>
-            <a:pPr lvl="1"/>
-            <a:r>
-              <a:rPr lang="en-US" altLang="zh-CN" dirty="0"/>
-              <a:t>The correlation between NSS overall and Student Staff ratio is -0.59, there is no obvious correlation between NSS feed back and student staff ratio</a:t>
-            </a:r>
+              <a:t>Based upon a sophisticated indexing methodology that tracks students from enrolment to graduation, qualifications upon entry are compared with the award that a student receives at the end of their studies. Each full time student is given a probability of achieving a 1st or 2:1, based on the qualifications that they enter with.</a:t>
+            </a:r>
+            <a:endParaRPr lang="zh-CN" altLang="en-US" dirty="0"/>
           </a:p>
         </p:txBody>
       </p:sp>
@@ -12957,10 +14196,81 @@
           </a:prstGeom>
         </p:spPr>
       </p:pic>
+      <p:sp>
+        <p:nvSpPr>
+          <p:cNvPr id="5" name="TextBox 4">
+            <a:extLst>
+              <a:ext uri="{FF2B5EF4-FFF2-40B4-BE49-F238E27FC236}">
+                <a16:creationId xmlns:a16="http://schemas.microsoft.com/office/drawing/2014/main" id="{64438557-9978-38D7-C26B-811AAA1192E9}"/>
+              </a:ext>
+            </a:extLst>
+          </p:cNvPr>
+          <p:cNvSpPr txBox="1"/>
+          <p:nvPr/>
+        </p:nvSpPr>
+        <p:spPr>
+          <a:xfrm>
+            <a:off x="272718" y="6173400"/>
+            <a:ext cx="7919156" cy="276999"/>
+          </a:xfrm>
+          <a:prstGeom prst="rect">
+            <a:avLst/>
+          </a:prstGeom>
+          <a:noFill/>
+        </p:spPr>
+        <p:txBody>
+          <a:bodyPr wrap="none" rtlCol="0">
+            <a:spAutoFit/>
+          </a:bodyPr>
+          <a:lstStyle/>
+          <a:p>
+            <a:r>
+              <a:rPr lang="en-US" altLang="zh-CN" sz="1200" dirty="0"/>
+              <a:t>Source: </a:t>
+            </a:r>
+            <a:r>
+              <a:rPr lang="en-US" altLang="zh-CN" sz="1200" dirty="0">
+                <a:hlinkClick r:id="rId3"/>
+              </a:rPr>
+              <a:t>https://www.theguardian.com/education/2014/jun/03/methodology-of-the-guardian-university-guide-2015</a:t>
+            </a:r>
+            <a:endParaRPr lang="zh-CN" altLang="en-US" sz="1200" dirty="0"/>
+          </a:p>
+        </p:txBody>
+      </p:sp>
+      <p:sp>
+        <p:nvSpPr>
+          <p:cNvPr id="6" name="Slide Number Placeholder 5">
+            <a:extLst>
+              <a:ext uri="{FF2B5EF4-FFF2-40B4-BE49-F238E27FC236}">
+                <a16:creationId xmlns:a16="http://schemas.microsoft.com/office/drawing/2014/main" id="{8F0CFEA7-0E90-C5CF-86A2-575385BFC102}"/>
+              </a:ext>
+            </a:extLst>
+          </p:cNvPr>
+          <p:cNvSpPr>
+            <a:spLocks noGrp="1"/>
+          </p:cNvSpPr>
+          <p:nvPr>
+            <p:ph type="sldNum" sz="quarter" idx="12"/>
+          </p:nvPr>
+        </p:nvSpPr>
+        <p:spPr/>
+        <p:txBody>
+          <a:bodyPr/>
+          <a:lstStyle/>
+          <a:p>
+            <a:fld id="{6781FF49-76B9-491A-ADB6-4957B03E0A36}" type="slidenum">
+              <a:rPr lang="zh-CN" altLang="en-US" smtClean="0"/>
+              <a:t>10</a:t>
+            </a:fld>
+            <a:endParaRPr lang="zh-CN" altLang="en-US"/>
+          </a:p>
+        </p:txBody>
+      </p:sp>
     </p:spTree>
     <p:extLst>
       <p:ext uri="{BB962C8B-B14F-4D97-AF65-F5344CB8AC3E}">
-        <p14:creationId xmlns:p14="http://schemas.microsoft.com/office/powerpoint/2010/main" val="2844576183"/>
+        <p14:creationId xmlns:p14="http://schemas.microsoft.com/office/powerpoint/2010/main" val="2408176524"/>
       </p:ext>
     </p:extLst>
   </p:cSld>
@@ -13016,150 +14326,6 @@
           </a:p>
         </p:txBody>
       </p:sp>
-      <p:pic>
-        <p:nvPicPr>
-          <p:cNvPr id="4" name="Picture 3">
-            <a:extLst>
-              <a:ext uri="{FF2B5EF4-FFF2-40B4-BE49-F238E27FC236}">
-                <a16:creationId xmlns:a16="http://schemas.microsoft.com/office/drawing/2014/main" id="{43D48B0D-BF5F-8C04-8443-2AF93BBCA0EF}"/>
-              </a:ext>
-            </a:extLst>
-          </p:cNvPr>
-          <p:cNvPicPr>
-            <a:picLocks noChangeAspect="1"/>
-          </p:cNvPicPr>
-          <p:nvPr/>
-        </p:nvPicPr>
-        <p:blipFill>
-          <a:blip r:embed="rId2"/>
-          <a:stretch>
-            <a:fillRect/>
-          </a:stretch>
-        </p:blipFill>
-        <p:spPr>
-          <a:xfrm>
-            <a:off x="112920" y="71951"/>
-            <a:ext cx="642860" cy="642860"/>
-          </a:xfrm>
-          <a:prstGeom prst="rect">
-            <a:avLst/>
-          </a:prstGeom>
-        </p:spPr>
-      </p:pic>
-      <p:sp>
-        <p:nvSpPr>
-          <p:cNvPr id="12" name="Content Placeholder 11">
-            <a:extLst>
-              <a:ext uri="{FF2B5EF4-FFF2-40B4-BE49-F238E27FC236}">
-                <a16:creationId xmlns:a16="http://schemas.microsoft.com/office/drawing/2014/main" id="{43114091-5946-1719-27D6-6861E8026D49}"/>
-              </a:ext>
-            </a:extLst>
-          </p:cNvPr>
-          <p:cNvSpPr>
-            <a:spLocks noGrp="1"/>
-          </p:cNvSpPr>
-          <p:nvPr>
-            <p:ph idx="1"/>
-          </p:nvPr>
-        </p:nvSpPr>
-        <p:spPr/>
-        <p:txBody>
-          <a:bodyPr/>
-          <a:lstStyle/>
-          <a:p>
-            <a:endParaRPr lang="zh-CN" altLang="en-US" dirty="0"/>
-          </a:p>
-        </p:txBody>
-      </p:sp>
-      <p:pic>
-        <p:nvPicPr>
-          <p:cNvPr id="14" name="Picture 13">
-            <a:extLst>
-              <a:ext uri="{FF2B5EF4-FFF2-40B4-BE49-F238E27FC236}">
-                <a16:creationId xmlns:a16="http://schemas.microsoft.com/office/drawing/2014/main" id="{FA6989EA-15DB-8865-A4BA-D0DB048A4301}"/>
-              </a:ext>
-            </a:extLst>
-          </p:cNvPr>
-          <p:cNvPicPr>
-            <a:picLocks noChangeAspect="1"/>
-          </p:cNvPicPr>
-          <p:nvPr/>
-        </p:nvPicPr>
-        <p:blipFill>
-          <a:blip r:embed="rId3"/>
-          <a:stretch>
-            <a:fillRect/>
-          </a:stretch>
-        </p:blipFill>
-        <p:spPr>
-          <a:xfrm>
-            <a:off x="0" y="2104412"/>
-            <a:ext cx="12192000" cy="2817126"/>
-          </a:xfrm>
-          <a:prstGeom prst="rect">
-            <a:avLst/>
-          </a:prstGeom>
-        </p:spPr>
-      </p:pic>
-    </p:spTree>
-    <p:extLst>
-      <p:ext uri="{BB962C8B-B14F-4D97-AF65-F5344CB8AC3E}">
-        <p14:creationId xmlns:p14="http://schemas.microsoft.com/office/powerpoint/2010/main" val="3315122183"/>
-      </p:ext>
-    </p:extLst>
-  </p:cSld>
-  <p:clrMapOvr>
-    <a:masterClrMapping/>
-  </p:clrMapOvr>
-</p:sld>
-</file>
-
-<file path=ppt/slides/slide12.xml><?xml version="1.0" encoding="utf-8"?>
-<p:sld xmlns:a="http://schemas.openxmlformats.org/drawingml/2006/main" xmlns:r="http://schemas.openxmlformats.org/officeDocument/2006/relationships" xmlns:p="http://schemas.openxmlformats.org/presentationml/2006/main">
-  <p:cSld>
-    <p:spTree>
-      <p:nvGrpSpPr>
-        <p:cNvPr id="1" name=""/>
-        <p:cNvGrpSpPr/>
-        <p:nvPr/>
-      </p:nvGrpSpPr>
-      <p:grpSpPr>
-        <a:xfrm>
-          <a:off x="0" y="0"/>
-          <a:ext cx="0" cy="0"/>
-          <a:chOff x="0" y="0"/>
-          <a:chExt cx="0" cy="0"/>
-        </a:xfrm>
-      </p:grpSpPr>
-      <p:sp>
-        <p:nvSpPr>
-          <p:cNvPr id="2" name="Title 1">
-            <a:extLst>
-              <a:ext uri="{FF2B5EF4-FFF2-40B4-BE49-F238E27FC236}">
-                <a16:creationId xmlns:a16="http://schemas.microsoft.com/office/drawing/2014/main" id="{9CD010A8-DD37-4634-0BB6-A901A79A8BC2}"/>
-              </a:ext>
-            </a:extLst>
-          </p:cNvPr>
-          <p:cNvSpPr>
-            <a:spLocks noGrp="1"/>
-          </p:cNvSpPr>
-          <p:nvPr>
-            <p:ph type="title"/>
-          </p:nvPr>
-        </p:nvSpPr>
-        <p:spPr/>
-        <p:txBody>
-          <a:bodyPr/>
-          <a:lstStyle/>
-          <a:p>
-            <a:r>
-              <a:rPr lang="en-US" altLang="zh-CN" dirty="0"/>
-              <a:t>Data Preparation</a:t>
-            </a:r>
-            <a:endParaRPr lang="zh-CN" altLang="en-US" dirty="0"/>
-          </a:p>
-        </p:txBody>
-      </p:sp>
       <p:sp>
         <p:nvSpPr>
           <p:cNvPr id="3" name="Content Placeholder 2">
@@ -13183,9 +14349,22 @@
           <a:p>
             <a:r>
               <a:rPr lang="en-US" altLang="zh-CN" dirty="0"/>
-              <a:t>Data is given in a excel table</a:t>
-            </a:r>
-            <a:endParaRPr lang="zh-CN" altLang="en-US" dirty="0"/>
+              <a:t>Factors are not independent from each other</a:t>
+            </a:r>
+          </a:p>
+          <a:p>
+            <a:pPr lvl="1"/>
+            <a:r>
+              <a:rPr lang="en-US" altLang="zh-CN" dirty="0"/>
+              <a:t>NSS overall has a correlation of 0.89 (of -1 to 1) with NSS Teaching but only 0.3 with NSS Feedback</a:t>
+            </a:r>
+          </a:p>
+          <a:p>
+            <a:pPr lvl="1"/>
+            <a:r>
+              <a:rPr lang="en-US" altLang="zh-CN" dirty="0"/>
+              <a:t>The correlation between NSS overall and Student Staff ratio is -0.59, there is no obvious correlation between NSS feed back and student staff ratio</a:t>
+            </a:r>
           </a:p>
         </p:txBody>
       </p:sp>
@@ -13221,10 +14400,10 @@
       </p:pic>
       <p:pic>
         <p:nvPicPr>
-          <p:cNvPr id="6" name="Picture 5">
+          <p:cNvPr id="5" name="Picture 4">
             <a:extLst>
               <a:ext uri="{FF2B5EF4-FFF2-40B4-BE49-F238E27FC236}">
-                <a16:creationId xmlns:a16="http://schemas.microsoft.com/office/drawing/2014/main" id="{EE2F84EE-1179-B00A-94F6-5BAF066C4A73}"/>
+                <a16:creationId xmlns:a16="http://schemas.microsoft.com/office/drawing/2014/main" id="{F2C03871-7636-858F-9B8C-37392F702FC1}"/>
               </a:ext>
             </a:extLst>
           </p:cNvPr>
@@ -13241,18 +14420,47 @@
         </p:blipFill>
         <p:spPr>
           <a:xfrm>
-            <a:off x="1198938" y="2416627"/>
-            <a:ext cx="9371285" cy="2638587"/>
+            <a:off x="0" y="4001294"/>
+            <a:ext cx="12192000" cy="2817126"/>
           </a:xfrm>
           <a:prstGeom prst="rect">
             <a:avLst/>
           </a:prstGeom>
         </p:spPr>
       </p:pic>
+      <p:sp>
+        <p:nvSpPr>
+          <p:cNvPr id="6" name="Slide Number Placeholder 5">
+            <a:extLst>
+              <a:ext uri="{FF2B5EF4-FFF2-40B4-BE49-F238E27FC236}">
+                <a16:creationId xmlns:a16="http://schemas.microsoft.com/office/drawing/2014/main" id="{1218E871-E28F-5FE8-883D-E9AFA99F9A8F}"/>
+              </a:ext>
+            </a:extLst>
+          </p:cNvPr>
+          <p:cNvSpPr>
+            <a:spLocks noGrp="1"/>
+          </p:cNvSpPr>
+          <p:nvPr>
+            <p:ph type="sldNum" sz="quarter" idx="12"/>
+          </p:nvPr>
+        </p:nvSpPr>
+        <p:spPr/>
+        <p:txBody>
+          <a:bodyPr/>
+          <a:lstStyle/>
+          <a:p>
+            <a:fld id="{6781FF49-76B9-491A-ADB6-4957B03E0A36}" type="slidenum">
+              <a:rPr lang="zh-CN" altLang="en-US" smtClean="0"/>
+              <a:t>11</a:t>
+            </a:fld>
+            <a:endParaRPr lang="zh-CN" altLang="en-US"/>
+          </a:p>
+        </p:txBody>
+      </p:sp>
     </p:spTree>
     <p:extLst>
       <p:ext uri="{BB962C8B-B14F-4D97-AF65-F5344CB8AC3E}">
-        <p14:creationId xmlns:p14="http://schemas.microsoft.com/office/powerpoint/2010/main" val="4280547542"/>
+        <p14:creationId xmlns:p14="http://schemas.microsoft.com/office/powerpoint/2010/main" val="2844576183"/>
       </p:ext>
     </p:extLst>
   </p:cSld>
@@ -13262,7 +14470,7 @@
 </p:sld>
 </file>
 
-<file path=ppt/slides/slide13.xml><?xml version="1.0" encoding="utf-8"?>
+<file path=ppt/slides/slide12.xml><?xml version="1.0" encoding="utf-8"?>
 <p:sld xmlns:a="http://schemas.openxmlformats.org/drawingml/2006/main" xmlns:r="http://schemas.openxmlformats.org/officeDocument/2006/relationships" xmlns:p="http://schemas.openxmlformats.org/presentationml/2006/main">
   <p:cSld>
     <p:spTree>
@@ -13442,6 +14650,35 @@
           </a:p>
         </p:txBody>
       </p:sp>
+      <p:sp>
+        <p:nvSpPr>
+          <p:cNvPr id="6" name="Slide Number Placeholder 5">
+            <a:extLst>
+              <a:ext uri="{FF2B5EF4-FFF2-40B4-BE49-F238E27FC236}">
+                <a16:creationId xmlns:a16="http://schemas.microsoft.com/office/drawing/2014/main" id="{990D8C5F-7728-C170-3A2F-73C46E8D4BE3}"/>
+              </a:ext>
+            </a:extLst>
+          </p:cNvPr>
+          <p:cNvSpPr>
+            <a:spLocks noGrp="1"/>
+          </p:cNvSpPr>
+          <p:nvPr>
+            <p:ph type="sldNum" sz="quarter" idx="12"/>
+          </p:nvPr>
+        </p:nvSpPr>
+        <p:spPr/>
+        <p:txBody>
+          <a:bodyPr/>
+          <a:lstStyle/>
+          <a:p>
+            <a:fld id="{6781FF49-76B9-491A-ADB6-4957B03E0A36}" type="slidenum">
+              <a:rPr lang="zh-CN" altLang="en-US" smtClean="0"/>
+              <a:t>12</a:t>
+            </a:fld>
+            <a:endParaRPr lang="zh-CN" altLang="en-US"/>
+          </a:p>
+        </p:txBody>
+      </p:sp>
     </p:spTree>
     <p:extLst>
       <p:ext uri="{BB962C8B-B14F-4D97-AF65-F5344CB8AC3E}">
@@ -13455,7 +14692,7 @@
 </p:sld>
 </file>
 
-<file path=ppt/slides/slide14.xml><?xml version="1.0" encoding="utf-8"?>
+<file path=ppt/slides/slide13.xml><?xml version="1.0" encoding="utf-8"?>
 <p:sld xmlns:a="http://schemas.openxmlformats.org/drawingml/2006/main" xmlns:r="http://schemas.openxmlformats.org/officeDocument/2006/relationships" xmlns:p="http://schemas.openxmlformats.org/presentationml/2006/main">
   <p:cSld>
     <p:spTree>
@@ -13628,6 +14865,35 @@
           </a:prstGeom>
         </p:spPr>
       </p:pic>
+      <p:sp>
+        <p:nvSpPr>
+          <p:cNvPr id="5" name="Slide Number Placeholder 4">
+            <a:extLst>
+              <a:ext uri="{FF2B5EF4-FFF2-40B4-BE49-F238E27FC236}">
+                <a16:creationId xmlns:a16="http://schemas.microsoft.com/office/drawing/2014/main" id="{F3702924-85C3-2234-D35E-A59BBFA1793D}"/>
+              </a:ext>
+            </a:extLst>
+          </p:cNvPr>
+          <p:cNvSpPr>
+            <a:spLocks noGrp="1"/>
+          </p:cNvSpPr>
+          <p:nvPr>
+            <p:ph type="sldNum" sz="quarter" idx="12"/>
+          </p:nvPr>
+        </p:nvSpPr>
+        <p:spPr/>
+        <p:txBody>
+          <a:bodyPr/>
+          <a:lstStyle/>
+          <a:p>
+            <a:fld id="{6781FF49-76B9-491A-ADB6-4957B03E0A36}" type="slidenum">
+              <a:rPr lang="zh-CN" altLang="en-US" smtClean="0"/>
+              <a:t>13</a:t>
+            </a:fld>
+            <a:endParaRPr lang="zh-CN" altLang="en-US"/>
+          </a:p>
+        </p:txBody>
+      </p:sp>
     </p:spTree>
     <p:extLst>
       <p:ext uri="{BB962C8B-B14F-4D97-AF65-F5344CB8AC3E}">
@@ -13641,7 +14907,7 @@
 </p:sld>
 </file>
 
-<file path=ppt/slides/slide15.xml><?xml version="1.0" encoding="utf-8"?>
+<file path=ppt/slides/slide14.xml><?xml version="1.0" encoding="utf-8"?>
 <p:sld xmlns:a="http://schemas.openxmlformats.org/drawingml/2006/main" xmlns:r="http://schemas.openxmlformats.org/officeDocument/2006/relationships" xmlns:p="http://schemas.openxmlformats.org/presentationml/2006/main">
   <p:cSld>
     <p:spTree>
@@ -13710,7 +14976,7 @@
           <a:p>
             <a:r>
               <a:rPr lang="en-US" altLang="zh-CN" dirty="0"/>
-              <a:t>Missing Data</a:t>
+              <a:t>Missing Data -&gt; remain null</a:t>
             </a:r>
             <a:endParaRPr lang="zh-CN" altLang="en-US" dirty="0"/>
           </a:p>
@@ -13782,6 +15048,77 @@
           </a:prstGeom>
         </p:spPr>
       </p:pic>
+      <p:sp>
+        <p:nvSpPr>
+          <p:cNvPr id="5" name="TextBox 4">
+            <a:extLst>
+              <a:ext uri="{FF2B5EF4-FFF2-40B4-BE49-F238E27FC236}">
+                <a16:creationId xmlns:a16="http://schemas.microsoft.com/office/drawing/2014/main" id="{61240D62-C4E1-76E2-6DC7-FB9C86192E09}"/>
+              </a:ext>
+            </a:extLst>
+          </p:cNvPr>
+          <p:cNvSpPr txBox="1"/>
+          <p:nvPr/>
+        </p:nvSpPr>
+        <p:spPr>
+          <a:xfrm>
+            <a:off x="272718" y="6173400"/>
+            <a:ext cx="7919156" cy="276999"/>
+          </a:xfrm>
+          <a:prstGeom prst="rect">
+            <a:avLst/>
+          </a:prstGeom>
+          <a:noFill/>
+        </p:spPr>
+        <p:txBody>
+          <a:bodyPr wrap="none" rtlCol="0">
+            <a:spAutoFit/>
+          </a:bodyPr>
+          <a:lstStyle/>
+          <a:p>
+            <a:r>
+              <a:rPr lang="en-US" altLang="zh-CN" sz="1200" dirty="0"/>
+              <a:t>Source: </a:t>
+            </a:r>
+            <a:r>
+              <a:rPr lang="en-US" altLang="zh-CN" sz="1200" dirty="0">
+                <a:hlinkClick r:id="rId4"/>
+              </a:rPr>
+              <a:t>https://www.theguardian.com/education/2014/jun/03/methodology-of-the-guardian-university-guide-2015</a:t>
+            </a:r>
+            <a:endParaRPr lang="zh-CN" altLang="en-US" sz="1200" dirty="0"/>
+          </a:p>
+        </p:txBody>
+      </p:sp>
+      <p:sp>
+        <p:nvSpPr>
+          <p:cNvPr id="7" name="Slide Number Placeholder 6">
+            <a:extLst>
+              <a:ext uri="{FF2B5EF4-FFF2-40B4-BE49-F238E27FC236}">
+                <a16:creationId xmlns:a16="http://schemas.microsoft.com/office/drawing/2014/main" id="{0AE480BE-11DA-65F1-0784-CA2EAF7982C7}"/>
+              </a:ext>
+            </a:extLst>
+          </p:cNvPr>
+          <p:cNvSpPr>
+            <a:spLocks noGrp="1"/>
+          </p:cNvSpPr>
+          <p:nvPr>
+            <p:ph type="sldNum" sz="quarter" idx="12"/>
+          </p:nvPr>
+        </p:nvSpPr>
+        <p:spPr/>
+        <p:txBody>
+          <a:bodyPr/>
+          <a:lstStyle/>
+          <a:p>
+            <a:fld id="{6781FF49-76B9-491A-ADB6-4957B03E0A36}" type="slidenum">
+              <a:rPr lang="zh-CN" altLang="en-US" smtClean="0"/>
+              <a:t>14</a:t>
+            </a:fld>
+            <a:endParaRPr lang="zh-CN" altLang="en-US"/>
+          </a:p>
+        </p:txBody>
+      </p:sp>
     </p:spTree>
     <p:extLst>
       <p:ext uri="{BB962C8B-B14F-4D97-AF65-F5344CB8AC3E}">
@@ -13795,7 +15132,7 @@
 </p:sld>
 </file>
 
-<file path=ppt/slides/slide16.xml><?xml version="1.0" encoding="utf-8"?>
+<file path=ppt/slides/slide15.xml><?xml version="1.0" encoding="utf-8"?>
 <p:sld xmlns:a="http://schemas.openxmlformats.org/drawingml/2006/main" xmlns:r="http://schemas.openxmlformats.org/officeDocument/2006/relationships" xmlns:p="http://schemas.openxmlformats.org/presentationml/2006/main">
   <p:cSld>
     <p:spTree>
@@ -14110,7 +15447,7 @@
           <p:nvPr/>
         </p:nvPicPr>
         <p:blipFill>
-          <a:blip r:embed="rId2"/>
+          <a:blip r:embed="rId3"/>
           <a:stretch>
             <a:fillRect/>
           </a:stretch>
@@ -14125,10 +15462,233 @@
           </a:prstGeom>
         </p:spPr>
       </p:pic>
+      <p:sp>
+        <p:nvSpPr>
+          <p:cNvPr id="3" name="Slide Number Placeholder 2">
+            <a:extLst>
+              <a:ext uri="{FF2B5EF4-FFF2-40B4-BE49-F238E27FC236}">
+                <a16:creationId xmlns:a16="http://schemas.microsoft.com/office/drawing/2014/main" id="{70295F89-9AD1-A34C-8A0B-398560060EF4}"/>
+              </a:ext>
+            </a:extLst>
+          </p:cNvPr>
+          <p:cNvSpPr>
+            <a:spLocks noGrp="1"/>
+          </p:cNvSpPr>
+          <p:nvPr>
+            <p:ph type="sldNum" sz="quarter" idx="12"/>
+          </p:nvPr>
+        </p:nvSpPr>
+        <p:spPr/>
+        <p:txBody>
+          <a:bodyPr/>
+          <a:lstStyle/>
+          <a:p>
+            <a:fld id="{6781FF49-76B9-491A-ADB6-4957B03E0A36}" type="slidenum">
+              <a:rPr lang="zh-CN" altLang="en-US" smtClean="0"/>
+              <a:t>15</a:t>
+            </a:fld>
+            <a:endParaRPr lang="zh-CN" altLang="en-US"/>
+          </a:p>
+        </p:txBody>
+      </p:sp>
     </p:spTree>
     <p:extLst>
       <p:ext uri="{BB962C8B-B14F-4D97-AF65-F5344CB8AC3E}">
         <p14:creationId xmlns:p14="http://schemas.microsoft.com/office/powerpoint/2010/main" val="2015665817"/>
+      </p:ext>
+    </p:extLst>
+  </p:cSld>
+  <p:clrMapOvr>
+    <a:masterClrMapping/>
+  </p:clrMapOvr>
+</p:sld>
+</file>
+
+<file path=ppt/slides/slide16.xml><?xml version="1.0" encoding="utf-8"?>
+<p:sld xmlns:a="http://schemas.openxmlformats.org/drawingml/2006/main" xmlns:r="http://schemas.openxmlformats.org/officeDocument/2006/relationships" xmlns:p="http://schemas.openxmlformats.org/presentationml/2006/main">
+  <p:cSld>
+    <p:spTree>
+      <p:nvGrpSpPr>
+        <p:cNvPr id="1" name=""/>
+        <p:cNvGrpSpPr/>
+        <p:nvPr/>
+      </p:nvGrpSpPr>
+      <p:grpSpPr>
+        <a:xfrm>
+          <a:off x="0" y="0"/>
+          <a:ext cx="0" cy="0"/>
+          <a:chOff x="0" y="0"/>
+          <a:chExt cx="0" cy="0"/>
+        </a:xfrm>
+      </p:grpSpPr>
+      <p:sp>
+        <p:nvSpPr>
+          <p:cNvPr id="2" name="Title 1">
+            <a:extLst>
+              <a:ext uri="{FF2B5EF4-FFF2-40B4-BE49-F238E27FC236}">
+                <a16:creationId xmlns:a16="http://schemas.microsoft.com/office/drawing/2014/main" id="{9CD010A8-DD37-4634-0BB6-A901A79A8BC2}"/>
+              </a:ext>
+            </a:extLst>
+          </p:cNvPr>
+          <p:cNvSpPr>
+            <a:spLocks noGrp="1"/>
+          </p:cNvSpPr>
+          <p:nvPr>
+            <p:ph type="title"/>
+          </p:nvPr>
+        </p:nvSpPr>
+        <p:spPr>
+          <a:xfrm>
+            <a:off x="838200" y="20157"/>
+            <a:ext cx="10515600" cy="1325563"/>
+          </a:xfrm>
+        </p:spPr>
+        <p:txBody>
+          <a:bodyPr/>
+          <a:lstStyle/>
+          <a:p>
+            <a:r>
+              <a:rPr lang="en-US" altLang="zh-CN"/>
+              <a:t>Evaluation</a:t>
+            </a:r>
+            <a:endParaRPr lang="zh-CN" altLang="en-US" dirty="0"/>
+          </a:p>
+        </p:txBody>
+      </p:sp>
+      <p:pic>
+        <p:nvPicPr>
+          <p:cNvPr id="4" name="Picture 3">
+            <a:extLst>
+              <a:ext uri="{FF2B5EF4-FFF2-40B4-BE49-F238E27FC236}">
+                <a16:creationId xmlns:a16="http://schemas.microsoft.com/office/drawing/2014/main" id="{43D48B0D-BF5F-8C04-8443-2AF93BBCA0EF}"/>
+              </a:ext>
+            </a:extLst>
+          </p:cNvPr>
+          <p:cNvPicPr>
+            <a:picLocks noChangeAspect="1"/>
+          </p:cNvPicPr>
+          <p:nvPr/>
+        </p:nvPicPr>
+        <p:blipFill>
+          <a:blip r:embed="rId3"/>
+          <a:stretch>
+            <a:fillRect/>
+          </a:stretch>
+        </p:blipFill>
+        <p:spPr>
+          <a:xfrm>
+            <a:off x="112920" y="71951"/>
+            <a:ext cx="642860" cy="642860"/>
+          </a:xfrm>
+          <a:prstGeom prst="rect">
+            <a:avLst/>
+          </a:prstGeom>
+        </p:spPr>
+      </p:pic>
+      <p:pic>
+        <p:nvPicPr>
+          <p:cNvPr id="7" name="Content Placeholder 6" descr="A graph of different colored lines&#10;&#10;Description automatically generated">
+            <a:extLst>
+              <a:ext uri="{FF2B5EF4-FFF2-40B4-BE49-F238E27FC236}">
+                <a16:creationId xmlns:a16="http://schemas.microsoft.com/office/drawing/2014/main" id="{522E0F2F-359D-00C6-6FC0-9127586E79C5}"/>
+              </a:ext>
+            </a:extLst>
+          </p:cNvPr>
+          <p:cNvPicPr>
+            <a:picLocks noGrp="1" noChangeAspect="1"/>
+          </p:cNvPicPr>
+          <p:nvPr>
+            <p:ph idx="1"/>
+          </p:nvPr>
+        </p:nvPicPr>
+        <p:blipFill>
+          <a:blip r:embed="rId4">
+            <a:extLst>
+              <a:ext uri="{28A0092B-C50C-407E-A947-70E740481C1C}">
+                <a14:useLocalDpi xmlns:a14="http://schemas.microsoft.com/office/drawing/2010/main" val="0"/>
+              </a:ext>
+            </a:extLst>
+          </a:blip>
+          <a:stretch>
+            <a:fillRect/>
+          </a:stretch>
+        </p:blipFill>
+        <p:spPr>
+          <a:xfrm>
+            <a:off x="502298" y="901043"/>
+            <a:ext cx="10515600" cy="2804159"/>
+          </a:xfrm>
+        </p:spPr>
+      </p:pic>
+      <p:pic>
+        <p:nvPicPr>
+          <p:cNvPr id="9" name="Picture 8">
+            <a:extLst>
+              <a:ext uri="{FF2B5EF4-FFF2-40B4-BE49-F238E27FC236}">
+                <a16:creationId xmlns:a16="http://schemas.microsoft.com/office/drawing/2014/main" id="{B1D9F7C8-6EA0-24E6-FF6F-428C18A48A6C}"/>
+              </a:ext>
+            </a:extLst>
+          </p:cNvPr>
+          <p:cNvPicPr>
+            <a:picLocks noChangeAspect="1"/>
+          </p:cNvPicPr>
+          <p:nvPr/>
+        </p:nvPicPr>
+        <p:blipFill>
+          <a:blip r:embed="rId5">
+            <a:extLst>
+              <a:ext uri="{28A0092B-C50C-407E-A947-70E740481C1C}">
+                <a14:useLocalDpi xmlns:a14="http://schemas.microsoft.com/office/drawing/2010/main" val="0"/>
+              </a:ext>
+            </a:extLst>
+          </a:blip>
+          <a:stretch>
+            <a:fillRect/>
+          </a:stretch>
+        </p:blipFill>
+        <p:spPr>
+          <a:xfrm>
+            <a:off x="533400" y="3576483"/>
+            <a:ext cx="10515600" cy="2804160"/>
+          </a:xfrm>
+          <a:prstGeom prst="rect">
+            <a:avLst/>
+          </a:prstGeom>
+        </p:spPr>
+      </p:pic>
+      <p:sp>
+        <p:nvSpPr>
+          <p:cNvPr id="3" name="Slide Number Placeholder 2">
+            <a:extLst>
+              <a:ext uri="{FF2B5EF4-FFF2-40B4-BE49-F238E27FC236}">
+                <a16:creationId xmlns:a16="http://schemas.microsoft.com/office/drawing/2014/main" id="{D7C914A6-8DD3-6045-4667-CCF714F07419}"/>
+              </a:ext>
+            </a:extLst>
+          </p:cNvPr>
+          <p:cNvSpPr>
+            <a:spLocks noGrp="1"/>
+          </p:cNvSpPr>
+          <p:nvPr>
+            <p:ph type="sldNum" sz="quarter" idx="12"/>
+          </p:nvPr>
+        </p:nvSpPr>
+        <p:spPr/>
+        <p:txBody>
+          <a:bodyPr/>
+          <a:lstStyle/>
+          <a:p>
+            <a:fld id="{6781FF49-76B9-491A-ADB6-4957B03E0A36}" type="slidenum">
+              <a:rPr lang="zh-CN" altLang="en-US" smtClean="0"/>
+              <a:t>16</a:t>
+            </a:fld>
+            <a:endParaRPr lang="zh-CN" altLang="en-US"/>
+          </a:p>
+        </p:txBody>
+      </p:sp>
+    </p:spTree>
+    <p:extLst>
+      <p:ext uri="{BB962C8B-B14F-4D97-AF65-F5344CB8AC3E}">
+        <p14:creationId xmlns:p14="http://schemas.microsoft.com/office/powerpoint/2010/main" val="2129663323"/>
       </p:ext>
     </p:extLst>
   </p:cSld>
@@ -14182,7 +15742,7 @@
           <a:lstStyle/>
           <a:p>
             <a:r>
-              <a:rPr lang="en-US" altLang="zh-CN"/>
+              <a:rPr lang="en-US" altLang="zh-CN" dirty="0"/>
               <a:t>Evaluation</a:t>
             </a:r>
             <a:endParaRPr lang="zh-CN" altLang="en-US" dirty="0"/>
@@ -14204,7 +15764,7 @@
           <p:nvPr/>
         </p:nvPicPr>
         <p:blipFill>
-          <a:blip r:embed="rId2"/>
+          <a:blip r:embed="rId3"/>
           <a:stretch>
             <a:fillRect/>
           </a:stretch>
@@ -14221,45 +15781,10 @@
       </p:pic>
       <p:pic>
         <p:nvPicPr>
-          <p:cNvPr id="7" name="Content Placeholder 6" descr="A graph of different colored lines&#10;&#10;Description automatically generated">
+          <p:cNvPr id="7" name="Picture 6" descr="A graph of colored lines&#10;&#10;Description automatically generated">
             <a:extLst>
               <a:ext uri="{FF2B5EF4-FFF2-40B4-BE49-F238E27FC236}">
-                <a16:creationId xmlns:a16="http://schemas.microsoft.com/office/drawing/2014/main" id="{522E0F2F-359D-00C6-6FC0-9127586E79C5}"/>
-              </a:ext>
-            </a:extLst>
-          </p:cNvPr>
-          <p:cNvPicPr>
-            <a:picLocks noGrp="1" noChangeAspect="1"/>
-          </p:cNvPicPr>
-          <p:nvPr>
-            <p:ph idx="1"/>
-          </p:nvPr>
-        </p:nvPicPr>
-        <p:blipFill>
-          <a:blip r:embed="rId3">
-            <a:extLst>
-              <a:ext uri="{28A0092B-C50C-407E-A947-70E740481C1C}">
-                <a14:useLocalDpi xmlns:a14="http://schemas.microsoft.com/office/drawing/2010/main" val="0"/>
-              </a:ext>
-            </a:extLst>
-          </a:blip>
-          <a:stretch>
-            <a:fillRect/>
-          </a:stretch>
-        </p:blipFill>
-        <p:spPr>
-          <a:xfrm>
-            <a:off x="502298" y="901043"/>
-            <a:ext cx="10515600" cy="2804159"/>
-          </a:xfrm>
-        </p:spPr>
-      </p:pic>
-      <p:pic>
-        <p:nvPicPr>
-          <p:cNvPr id="9" name="Picture 8">
-            <a:extLst>
-              <a:ext uri="{FF2B5EF4-FFF2-40B4-BE49-F238E27FC236}">
-                <a16:creationId xmlns:a16="http://schemas.microsoft.com/office/drawing/2014/main" id="{B1D9F7C8-6EA0-24E6-FF6F-428C18A48A6C}"/>
+                <a16:creationId xmlns:a16="http://schemas.microsoft.com/office/drawing/2014/main" id="{2F853ECD-4115-2346-EE96-C5396A68C51F}"/>
               </a:ext>
             </a:extLst>
           </p:cNvPr>
@@ -14282,18 +15807,83 @@
         </p:blipFill>
         <p:spPr>
           <a:xfrm>
-            <a:off x="533400" y="3576483"/>
-            <a:ext cx="10515600" cy="2804160"/>
+            <a:off x="434350" y="872251"/>
+            <a:ext cx="11065153" cy="2950707"/>
           </a:xfrm>
           <a:prstGeom prst="rect">
             <a:avLst/>
           </a:prstGeom>
         </p:spPr>
       </p:pic>
+      <p:pic>
+        <p:nvPicPr>
+          <p:cNvPr id="10" name="Picture 9" descr="A graph with colored lines&#10;&#10;Description automatically generated">
+            <a:extLst>
+              <a:ext uri="{FF2B5EF4-FFF2-40B4-BE49-F238E27FC236}">
+                <a16:creationId xmlns:a16="http://schemas.microsoft.com/office/drawing/2014/main" id="{D9D5A0D9-AD0E-A11C-5084-FF28CCCEE1C2}"/>
+              </a:ext>
+            </a:extLst>
+          </p:cNvPr>
+          <p:cNvPicPr>
+            <a:picLocks noChangeAspect="1"/>
+          </p:cNvPicPr>
+          <p:nvPr/>
+        </p:nvPicPr>
+        <p:blipFill>
+          <a:blip r:embed="rId5">
+            <a:extLst>
+              <a:ext uri="{28A0092B-C50C-407E-A947-70E740481C1C}">
+                <a14:useLocalDpi xmlns:a14="http://schemas.microsoft.com/office/drawing/2010/main" val="0"/>
+              </a:ext>
+            </a:extLst>
+          </a:blip>
+          <a:stretch>
+            <a:fillRect/>
+          </a:stretch>
+        </p:blipFill>
+        <p:spPr>
+          <a:xfrm>
+            <a:off x="434351" y="3733894"/>
+            <a:ext cx="11065152" cy="2950707"/>
+          </a:xfrm>
+          <a:prstGeom prst="rect">
+            <a:avLst/>
+          </a:prstGeom>
+        </p:spPr>
+      </p:pic>
+      <p:sp>
+        <p:nvSpPr>
+          <p:cNvPr id="3" name="Slide Number Placeholder 2">
+            <a:extLst>
+              <a:ext uri="{FF2B5EF4-FFF2-40B4-BE49-F238E27FC236}">
+                <a16:creationId xmlns:a16="http://schemas.microsoft.com/office/drawing/2014/main" id="{7E86AA54-9944-DA4B-731C-AD3455646B9B}"/>
+              </a:ext>
+            </a:extLst>
+          </p:cNvPr>
+          <p:cNvSpPr>
+            <a:spLocks noGrp="1"/>
+          </p:cNvSpPr>
+          <p:nvPr>
+            <p:ph type="sldNum" sz="quarter" idx="12"/>
+          </p:nvPr>
+        </p:nvSpPr>
+        <p:spPr/>
+        <p:txBody>
+          <a:bodyPr/>
+          <a:lstStyle/>
+          <a:p>
+            <a:fld id="{6781FF49-76B9-491A-ADB6-4957B03E0A36}" type="slidenum">
+              <a:rPr lang="zh-CN" altLang="en-US" smtClean="0"/>
+              <a:t>17</a:t>
+            </a:fld>
+            <a:endParaRPr lang="zh-CN" altLang="en-US"/>
+          </a:p>
+        </p:txBody>
+      </p:sp>
     </p:spTree>
     <p:extLst>
       <p:ext uri="{BB962C8B-B14F-4D97-AF65-F5344CB8AC3E}">
-        <p14:creationId xmlns:p14="http://schemas.microsoft.com/office/powerpoint/2010/main" val="2129663323"/>
+        <p14:creationId xmlns:p14="http://schemas.microsoft.com/office/powerpoint/2010/main" val="3434504122"/>
       </p:ext>
     </p:extLst>
   </p:cSld>
@@ -14347,7 +15937,7 @@
           <a:lstStyle/>
           <a:p>
             <a:r>
-              <a:rPr lang="en-US" altLang="zh-CN" dirty="0"/>
+              <a:rPr lang="en-US" altLang="zh-CN"/>
               <a:t>Evaluation</a:t>
             </a:r>
             <a:endParaRPr lang="zh-CN" altLang="en-US" dirty="0"/>
@@ -14369,173 +15959,7 @@
           <p:nvPr/>
         </p:nvPicPr>
         <p:blipFill>
-          <a:blip r:embed="rId2"/>
-          <a:stretch>
-            <a:fillRect/>
-          </a:stretch>
-        </p:blipFill>
-        <p:spPr>
-          <a:xfrm>
-            <a:off x="112920" y="71951"/>
-            <a:ext cx="642860" cy="642860"/>
-          </a:xfrm>
-          <a:prstGeom prst="rect">
-            <a:avLst/>
-          </a:prstGeom>
-        </p:spPr>
-      </p:pic>
-      <p:pic>
-        <p:nvPicPr>
-          <p:cNvPr id="7" name="Picture 6" descr="A graph of colored lines&#10;&#10;Description automatically generated">
-            <a:extLst>
-              <a:ext uri="{FF2B5EF4-FFF2-40B4-BE49-F238E27FC236}">
-                <a16:creationId xmlns:a16="http://schemas.microsoft.com/office/drawing/2014/main" id="{2F853ECD-4115-2346-EE96-C5396A68C51F}"/>
-              </a:ext>
-            </a:extLst>
-          </p:cNvPr>
-          <p:cNvPicPr>
-            <a:picLocks noChangeAspect="1"/>
-          </p:cNvPicPr>
-          <p:nvPr/>
-        </p:nvPicPr>
-        <p:blipFill>
-          <a:blip r:embed="rId3">
-            <a:extLst>
-              <a:ext uri="{28A0092B-C50C-407E-A947-70E740481C1C}">
-                <a14:useLocalDpi xmlns:a14="http://schemas.microsoft.com/office/drawing/2010/main" val="0"/>
-              </a:ext>
-            </a:extLst>
-          </a:blip>
-          <a:stretch>
-            <a:fillRect/>
-          </a:stretch>
-        </p:blipFill>
-        <p:spPr>
-          <a:xfrm>
-            <a:off x="434350" y="872251"/>
-            <a:ext cx="11065153" cy="2950707"/>
-          </a:xfrm>
-          <a:prstGeom prst="rect">
-            <a:avLst/>
-          </a:prstGeom>
-        </p:spPr>
-      </p:pic>
-      <p:pic>
-        <p:nvPicPr>
-          <p:cNvPr id="10" name="Picture 9" descr="A graph with colored lines&#10;&#10;Description automatically generated">
-            <a:extLst>
-              <a:ext uri="{FF2B5EF4-FFF2-40B4-BE49-F238E27FC236}">
-                <a16:creationId xmlns:a16="http://schemas.microsoft.com/office/drawing/2014/main" id="{D9D5A0D9-AD0E-A11C-5084-FF28CCCEE1C2}"/>
-              </a:ext>
-            </a:extLst>
-          </p:cNvPr>
-          <p:cNvPicPr>
-            <a:picLocks noChangeAspect="1"/>
-          </p:cNvPicPr>
-          <p:nvPr/>
-        </p:nvPicPr>
-        <p:blipFill>
-          <a:blip r:embed="rId4">
-            <a:extLst>
-              <a:ext uri="{28A0092B-C50C-407E-A947-70E740481C1C}">
-                <a14:useLocalDpi xmlns:a14="http://schemas.microsoft.com/office/drawing/2010/main" val="0"/>
-              </a:ext>
-            </a:extLst>
-          </a:blip>
-          <a:stretch>
-            <a:fillRect/>
-          </a:stretch>
-        </p:blipFill>
-        <p:spPr>
-          <a:xfrm>
-            <a:off x="434351" y="3733894"/>
-            <a:ext cx="11065152" cy="2950707"/>
-          </a:xfrm>
-          <a:prstGeom prst="rect">
-            <a:avLst/>
-          </a:prstGeom>
-        </p:spPr>
-      </p:pic>
-    </p:spTree>
-    <p:extLst>
-      <p:ext uri="{BB962C8B-B14F-4D97-AF65-F5344CB8AC3E}">
-        <p14:creationId xmlns:p14="http://schemas.microsoft.com/office/powerpoint/2010/main" val="3434504122"/>
-      </p:ext>
-    </p:extLst>
-  </p:cSld>
-  <p:clrMapOvr>
-    <a:masterClrMapping/>
-  </p:clrMapOvr>
-</p:sld>
-</file>
-
-<file path=ppt/slides/slide19.xml><?xml version="1.0" encoding="utf-8"?>
-<p:sld xmlns:a="http://schemas.openxmlformats.org/drawingml/2006/main" xmlns:r="http://schemas.openxmlformats.org/officeDocument/2006/relationships" xmlns:p="http://schemas.openxmlformats.org/presentationml/2006/main">
-  <p:cSld>
-    <p:spTree>
-      <p:nvGrpSpPr>
-        <p:cNvPr id="1" name=""/>
-        <p:cNvGrpSpPr/>
-        <p:nvPr/>
-      </p:nvGrpSpPr>
-      <p:grpSpPr>
-        <a:xfrm>
-          <a:off x="0" y="0"/>
-          <a:ext cx="0" cy="0"/>
-          <a:chOff x="0" y="0"/>
-          <a:chExt cx="0" cy="0"/>
-        </a:xfrm>
-      </p:grpSpPr>
-      <p:sp>
-        <p:nvSpPr>
-          <p:cNvPr id="2" name="Title 1">
-            <a:extLst>
-              <a:ext uri="{FF2B5EF4-FFF2-40B4-BE49-F238E27FC236}">
-                <a16:creationId xmlns:a16="http://schemas.microsoft.com/office/drawing/2014/main" id="{9CD010A8-DD37-4634-0BB6-A901A79A8BC2}"/>
-              </a:ext>
-            </a:extLst>
-          </p:cNvPr>
-          <p:cNvSpPr>
-            <a:spLocks noGrp="1"/>
-          </p:cNvSpPr>
-          <p:nvPr>
-            <p:ph type="title"/>
-          </p:nvPr>
-        </p:nvSpPr>
-        <p:spPr>
-          <a:xfrm>
-            <a:off x="838200" y="20157"/>
-            <a:ext cx="10515600" cy="1325563"/>
-          </a:xfrm>
-        </p:spPr>
-        <p:txBody>
-          <a:bodyPr/>
-          <a:lstStyle/>
-          <a:p>
-            <a:r>
-              <a:rPr lang="en-US" altLang="zh-CN"/>
-              <a:t>Evaluation</a:t>
-            </a:r>
-            <a:endParaRPr lang="zh-CN" altLang="en-US" dirty="0"/>
-          </a:p>
-        </p:txBody>
-      </p:sp>
-      <p:pic>
-        <p:nvPicPr>
-          <p:cNvPr id="4" name="Picture 3">
-            <a:extLst>
-              <a:ext uri="{FF2B5EF4-FFF2-40B4-BE49-F238E27FC236}">
-                <a16:creationId xmlns:a16="http://schemas.microsoft.com/office/drawing/2014/main" id="{43D48B0D-BF5F-8C04-8443-2AF93BBCA0EF}"/>
-              </a:ext>
-            </a:extLst>
-          </p:cNvPr>
-          <p:cNvPicPr>
-            <a:picLocks noChangeAspect="1"/>
-          </p:cNvPicPr>
-          <p:nvPr/>
-        </p:nvPicPr>
-        <p:blipFill>
-          <a:blip r:embed="rId2"/>
+          <a:blip r:embed="rId3"/>
           <a:stretch>
             <a:fillRect/>
           </a:stretch>
@@ -14565,7 +15989,7 @@
           <p:nvPr/>
         </p:nvPicPr>
         <p:blipFill>
-          <a:blip r:embed="rId3">
+          <a:blip r:embed="rId4">
             <a:extLst>
               <a:ext uri="{28A0092B-C50C-407E-A947-70E740481C1C}">
                 <a14:useLocalDpi xmlns:a14="http://schemas.microsoft.com/office/drawing/2010/main" val="0"/>
@@ -14601,7 +16025,7 @@
           <p:nvPr/>
         </p:nvPicPr>
         <p:blipFill>
-          <a:blip r:embed="rId4">
+          <a:blip r:embed="rId5">
             <a:extLst>
               <a:ext uri="{28A0092B-C50C-407E-A947-70E740481C1C}">
                 <a14:useLocalDpi xmlns:a14="http://schemas.microsoft.com/office/drawing/2010/main" val="0"/>
@@ -14622,6 +16046,35 @@
           </a:prstGeom>
         </p:spPr>
       </p:pic>
+      <p:sp>
+        <p:nvSpPr>
+          <p:cNvPr id="3" name="Slide Number Placeholder 2">
+            <a:extLst>
+              <a:ext uri="{FF2B5EF4-FFF2-40B4-BE49-F238E27FC236}">
+                <a16:creationId xmlns:a16="http://schemas.microsoft.com/office/drawing/2014/main" id="{D1047745-699C-2ABC-6447-D1D8BC573CFE}"/>
+              </a:ext>
+            </a:extLst>
+          </p:cNvPr>
+          <p:cNvSpPr>
+            <a:spLocks noGrp="1"/>
+          </p:cNvSpPr>
+          <p:nvPr>
+            <p:ph type="sldNum" sz="quarter" idx="12"/>
+          </p:nvPr>
+        </p:nvSpPr>
+        <p:spPr/>
+        <p:txBody>
+          <a:bodyPr/>
+          <a:lstStyle/>
+          <a:p>
+            <a:fld id="{6781FF49-76B9-491A-ADB6-4957B03E0A36}" type="slidenum">
+              <a:rPr lang="zh-CN" altLang="en-US" smtClean="0"/>
+              <a:t>18</a:t>
+            </a:fld>
+            <a:endParaRPr lang="zh-CN" altLang="en-US"/>
+          </a:p>
+        </p:txBody>
+      </p:sp>
     </p:spTree>
     <p:extLst>
       <p:ext uri="{BB962C8B-B14F-4D97-AF65-F5344CB8AC3E}">
@@ -14635,143 +16088,7 @@
 </p:sld>
 </file>
 
-<file path=ppt/slides/slide2.xml><?xml version="1.0" encoding="utf-8"?>
-<p:sld xmlns:a="http://schemas.openxmlformats.org/drawingml/2006/main" xmlns:r="http://schemas.openxmlformats.org/officeDocument/2006/relationships" xmlns:p="http://schemas.openxmlformats.org/presentationml/2006/main">
-  <p:cSld>
-    <p:spTree>
-      <p:nvGrpSpPr>
-        <p:cNvPr id="1" name=""/>
-        <p:cNvGrpSpPr/>
-        <p:nvPr/>
-      </p:nvGrpSpPr>
-      <p:grpSpPr>
-        <a:xfrm>
-          <a:off x="0" y="0"/>
-          <a:ext cx="0" cy="0"/>
-          <a:chOff x="0" y="0"/>
-          <a:chExt cx="0" cy="0"/>
-        </a:xfrm>
-      </p:grpSpPr>
-      <p:sp>
-        <p:nvSpPr>
-          <p:cNvPr id="2" name="Title 1">
-            <a:extLst>
-              <a:ext uri="{FF2B5EF4-FFF2-40B4-BE49-F238E27FC236}">
-                <a16:creationId xmlns:a16="http://schemas.microsoft.com/office/drawing/2014/main" id="{156DDD50-1D63-DC91-EF31-5A3EEF87ADD4}"/>
-              </a:ext>
-            </a:extLst>
-          </p:cNvPr>
-          <p:cNvSpPr>
-            <a:spLocks noGrp="1"/>
-          </p:cNvSpPr>
-          <p:nvPr>
-            <p:ph type="title"/>
-          </p:nvPr>
-        </p:nvSpPr>
-        <p:spPr/>
-        <p:txBody>
-          <a:bodyPr/>
-          <a:lstStyle/>
-          <a:p>
-            <a:r>
-              <a:rPr lang="en-US" altLang="zh-CN" dirty="0"/>
-              <a:t>Business Goal</a:t>
-            </a:r>
-            <a:endParaRPr lang="zh-CN" altLang="en-US" dirty="0"/>
-          </a:p>
-        </p:txBody>
-      </p:sp>
-      <p:sp>
-        <p:nvSpPr>
-          <p:cNvPr id="3" name="Content Placeholder 2">
-            <a:extLst>
-              <a:ext uri="{FF2B5EF4-FFF2-40B4-BE49-F238E27FC236}">
-                <a16:creationId xmlns:a16="http://schemas.microsoft.com/office/drawing/2014/main" id="{2EC257EC-2F6D-282B-876E-A5D34729CED1}"/>
-              </a:ext>
-            </a:extLst>
-          </p:cNvPr>
-          <p:cNvSpPr>
-            <a:spLocks noGrp="1"/>
-          </p:cNvSpPr>
-          <p:nvPr>
-            <p:ph idx="1"/>
-          </p:nvPr>
-        </p:nvSpPr>
-        <p:spPr/>
-        <p:txBody>
-          <a:bodyPr/>
-          <a:lstStyle/>
-          <a:p>
-            <a:r>
-              <a:rPr lang="en-US" altLang="zh-CN" dirty="0"/>
-              <a:t>Find the positive impact on university ranking</a:t>
-            </a:r>
-          </a:p>
-          <a:p>
-            <a:r>
-              <a:rPr lang="en-US" altLang="zh-CN" dirty="0"/>
-              <a:t>Predict next year’s ranking</a:t>
-            </a:r>
-          </a:p>
-          <a:p>
-            <a:endParaRPr lang="en-US" altLang="zh-CN" dirty="0"/>
-          </a:p>
-          <a:p>
-            <a:endParaRPr lang="en-US" altLang="zh-CN" dirty="0"/>
-          </a:p>
-          <a:p>
-            <a:r>
-              <a:rPr lang="en-US" altLang="zh-CN" dirty="0"/>
-              <a:t>How to make university more attractive for new students</a:t>
-            </a:r>
-            <a:endParaRPr lang="zh-CN" altLang="en-US" dirty="0"/>
-          </a:p>
-        </p:txBody>
-      </p:sp>
-      <p:pic>
-        <p:nvPicPr>
-          <p:cNvPr id="4" name="Picture 3">
-            <a:extLst>
-              <a:ext uri="{FF2B5EF4-FFF2-40B4-BE49-F238E27FC236}">
-                <a16:creationId xmlns:a16="http://schemas.microsoft.com/office/drawing/2014/main" id="{DC7E19DA-4DA7-BEDC-16E6-EF694D83B9C1}"/>
-              </a:ext>
-            </a:extLst>
-          </p:cNvPr>
-          <p:cNvPicPr>
-            <a:picLocks noChangeAspect="1"/>
-          </p:cNvPicPr>
-          <p:nvPr/>
-        </p:nvPicPr>
-        <p:blipFill>
-          <a:blip r:embed="rId2"/>
-          <a:stretch>
-            <a:fillRect/>
-          </a:stretch>
-        </p:blipFill>
-        <p:spPr>
-          <a:xfrm>
-            <a:off x="112920" y="71951"/>
-            <a:ext cx="642860" cy="642860"/>
-          </a:xfrm>
-          <a:prstGeom prst="rect">
-            <a:avLst/>
-          </a:prstGeom>
-        </p:spPr>
-      </p:pic>
-    </p:spTree>
-    <p:extLst>
-      <p:ext uri="{BB962C8B-B14F-4D97-AF65-F5344CB8AC3E}">
-        <p14:creationId xmlns:p14="http://schemas.microsoft.com/office/powerpoint/2010/main" val="3799714467"/>
-      </p:ext>
-    </p:extLst>
-  </p:cSld>
-  <p:clrMapOvr>
-    <a:masterClrMapping/>
-  </p:clrMapOvr>
-</p:sld>
-</file>
-
-<file path=ppt/slides/slide20.xml><?xml version="1.0" encoding="utf-8"?>
+<file path=ppt/slides/slide19.xml><?xml version="1.0" encoding="utf-8"?>
 <p:sld xmlns:a="http://schemas.openxmlformats.org/drawingml/2006/main" xmlns:r="http://schemas.openxmlformats.org/officeDocument/2006/relationships" xmlns:p="http://schemas.openxmlformats.org/presentationml/2006/main">
   <p:cSld>
     <p:spTree>
@@ -14924,10 +16241,362 @@
           </a:prstGeom>
         </p:spPr>
       </p:pic>
+      <p:sp>
+        <p:nvSpPr>
+          <p:cNvPr id="3" name="Slide Number Placeholder 2">
+            <a:extLst>
+              <a:ext uri="{FF2B5EF4-FFF2-40B4-BE49-F238E27FC236}">
+                <a16:creationId xmlns:a16="http://schemas.microsoft.com/office/drawing/2014/main" id="{84E45096-D1E5-33FD-516D-F4844D3B439F}"/>
+              </a:ext>
+            </a:extLst>
+          </p:cNvPr>
+          <p:cNvSpPr>
+            <a:spLocks noGrp="1"/>
+          </p:cNvSpPr>
+          <p:nvPr>
+            <p:ph type="sldNum" sz="quarter" idx="12"/>
+          </p:nvPr>
+        </p:nvSpPr>
+        <p:spPr/>
+        <p:txBody>
+          <a:bodyPr/>
+          <a:lstStyle/>
+          <a:p>
+            <a:fld id="{6781FF49-76B9-491A-ADB6-4957B03E0A36}" type="slidenum">
+              <a:rPr lang="zh-CN" altLang="en-US" smtClean="0"/>
+              <a:t>19</a:t>
+            </a:fld>
+            <a:endParaRPr lang="zh-CN" altLang="en-US"/>
+          </a:p>
+        </p:txBody>
+      </p:sp>
     </p:spTree>
     <p:extLst>
       <p:ext uri="{BB962C8B-B14F-4D97-AF65-F5344CB8AC3E}">
         <p14:creationId xmlns:p14="http://schemas.microsoft.com/office/powerpoint/2010/main" val="671562895"/>
+      </p:ext>
+    </p:extLst>
+  </p:cSld>
+  <p:clrMapOvr>
+    <a:masterClrMapping/>
+  </p:clrMapOvr>
+</p:sld>
+</file>
+
+<file path=ppt/slides/slide2.xml><?xml version="1.0" encoding="utf-8"?>
+<p:sld xmlns:a="http://schemas.openxmlformats.org/drawingml/2006/main" xmlns:r="http://schemas.openxmlformats.org/officeDocument/2006/relationships" xmlns:p="http://schemas.openxmlformats.org/presentationml/2006/main">
+  <p:cSld>
+    <p:spTree>
+      <p:nvGrpSpPr>
+        <p:cNvPr id="1" name=""/>
+        <p:cNvGrpSpPr/>
+        <p:nvPr/>
+      </p:nvGrpSpPr>
+      <p:grpSpPr>
+        <a:xfrm>
+          <a:off x="0" y="0"/>
+          <a:ext cx="0" cy="0"/>
+          <a:chOff x="0" y="0"/>
+          <a:chExt cx="0" cy="0"/>
+        </a:xfrm>
+      </p:grpSpPr>
+      <p:sp>
+        <p:nvSpPr>
+          <p:cNvPr id="2" name="Title 1">
+            <a:extLst>
+              <a:ext uri="{FF2B5EF4-FFF2-40B4-BE49-F238E27FC236}">
+                <a16:creationId xmlns:a16="http://schemas.microsoft.com/office/drawing/2014/main" id="{156DDD50-1D63-DC91-EF31-5A3EEF87ADD4}"/>
+              </a:ext>
+            </a:extLst>
+          </p:cNvPr>
+          <p:cNvSpPr>
+            <a:spLocks noGrp="1"/>
+          </p:cNvSpPr>
+          <p:nvPr>
+            <p:ph type="title"/>
+          </p:nvPr>
+        </p:nvSpPr>
+        <p:spPr/>
+        <p:txBody>
+          <a:bodyPr/>
+          <a:lstStyle/>
+          <a:p>
+            <a:r>
+              <a:rPr lang="en-US" altLang="zh-CN" dirty="0"/>
+              <a:t>Business Goal</a:t>
+            </a:r>
+            <a:endParaRPr lang="zh-CN" altLang="en-US" dirty="0"/>
+          </a:p>
+        </p:txBody>
+      </p:sp>
+      <p:sp>
+        <p:nvSpPr>
+          <p:cNvPr id="3" name="Content Placeholder 2">
+            <a:extLst>
+              <a:ext uri="{FF2B5EF4-FFF2-40B4-BE49-F238E27FC236}">
+                <a16:creationId xmlns:a16="http://schemas.microsoft.com/office/drawing/2014/main" id="{2EC257EC-2F6D-282B-876E-A5D34729CED1}"/>
+              </a:ext>
+            </a:extLst>
+          </p:cNvPr>
+          <p:cNvSpPr>
+            <a:spLocks noGrp="1"/>
+          </p:cNvSpPr>
+          <p:nvPr>
+            <p:ph idx="1"/>
+          </p:nvPr>
+        </p:nvSpPr>
+        <p:spPr/>
+        <p:txBody>
+          <a:bodyPr/>
+          <a:lstStyle/>
+          <a:p>
+            <a:r>
+              <a:rPr lang="en-US" altLang="zh-CN" dirty="0"/>
+              <a:t>Find the positive impact on guardian UK university ranking</a:t>
+            </a:r>
+          </a:p>
+          <a:p>
+            <a:r>
+              <a:rPr lang="en-US" altLang="zh-CN" dirty="0"/>
+              <a:t>Predict next year’s ranking</a:t>
+            </a:r>
+          </a:p>
+          <a:p>
+            <a:endParaRPr lang="en-US" altLang="zh-CN" dirty="0"/>
+          </a:p>
+          <a:p>
+            <a:endParaRPr lang="en-US" altLang="zh-CN" dirty="0"/>
+          </a:p>
+          <a:p>
+            <a:r>
+              <a:rPr lang="en-US" altLang="zh-CN" dirty="0"/>
+              <a:t>How to make university more attractive for new students</a:t>
+            </a:r>
+            <a:endParaRPr lang="zh-CN" altLang="en-US" dirty="0"/>
+          </a:p>
+        </p:txBody>
+      </p:sp>
+      <p:pic>
+        <p:nvPicPr>
+          <p:cNvPr id="4" name="Picture 3">
+            <a:extLst>
+              <a:ext uri="{FF2B5EF4-FFF2-40B4-BE49-F238E27FC236}">
+                <a16:creationId xmlns:a16="http://schemas.microsoft.com/office/drawing/2014/main" id="{DC7E19DA-4DA7-BEDC-16E6-EF694D83B9C1}"/>
+              </a:ext>
+            </a:extLst>
+          </p:cNvPr>
+          <p:cNvPicPr>
+            <a:picLocks noChangeAspect="1"/>
+          </p:cNvPicPr>
+          <p:nvPr/>
+        </p:nvPicPr>
+        <p:blipFill>
+          <a:blip r:embed="rId3"/>
+          <a:stretch>
+            <a:fillRect/>
+          </a:stretch>
+        </p:blipFill>
+        <p:spPr>
+          <a:xfrm>
+            <a:off x="112920" y="71951"/>
+            <a:ext cx="642860" cy="642860"/>
+          </a:xfrm>
+          <a:prstGeom prst="rect">
+            <a:avLst/>
+          </a:prstGeom>
+        </p:spPr>
+      </p:pic>
+      <p:sp>
+        <p:nvSpPr>
+          <p:cNvPr id="5" name="Slide Number Placeholder 4">
+            <a:extLst>
+              <a:ext uri="{FF2B5EF4-FFF2-40B4-BE49-F238E27FC236}">
+                <a16:creationId xmlns:a16="http://schemas.microsoft.com/office/drawing/2014/main" id="{A2F828CA-7E79-433F-8477-8BC6B41E1D35}"/>
+              </a:ext>
+            </a:extLst>
+          </p:cNvPr>
+          <p:cNvSpPr>
+            <a:spLocks noGrp="1"/>
+          </p:cNvSpPr>
+          <p:nvPr>
+            <p:ph type="sldNum" sz="quarter" idx="12"/>
+          </p:nvPr>
+        </p:nvSpPr>
+        <p:spPr/>
+        <p:txBody>
+          <a:bodyPr/>
+          <a:lstStyle/>
+          <a:p>
+            <a:fld id="{6781FF49-76B9-491A-ADB6-4957B03E0A36}" type="slidenum">
+              <a:rPr lang="zh-CN" altLang="en-US" smtClean="0"/>
+              <a:t>2</a:t>
+            </a:fld>
+            <a:endParaRPr lang="zh-CN" altLang="en-US"/>
+          </a:p>
+        </p:txBody>
+      </p:sp>
+    </p:spTree>
+    <p:extLst>
+      <p:ext uri="{BB962C8B-B14F-4D97-AF65-F5344CB8AC3E}">
+        <p14:creationId xmlns:p14="http://schemas.microsoft.com/office/powerpoint/2010/main" val="3799714467"/>
+      </p:ext>
+    </p:extLst>
+  </p:cSld>
+  <p:clrMapOvr>
+    <a:masterClrMapping/>
+  </p:clrMapOvr>
+</p:sld>
+</file>
+
+<file path=ppt/slides/slide20.xml><?xml version="1.0" encoding="utf-8"?>
+<p:sld xmlns:a="http://schemas.openxmlformats.org/drawingml/2006/main" xmlns:r="http://schemas.openxmlformats.org/officeDocument/2006/relationships" xmlns:p="http://schemas.openxmlformats.org/presentationml/2006/main">
+  <p:cSld>
+    <p:spTree>
+      <p:nvGrpSpPr>
+        <p:cNvPr id="1" name=""/>
+        <p:cNvGrpSpPr/>
+        <p:nvPr/>
+      </p:nvGrpSpPr>
+      <p:grpSpPr>
+        <a:xfrm>
+          <a:off x="0" y="0"/>
+          <a:ext cx="0" cy="0"/>
+          <a:chOff x="0" y="0"/>
+          <a:chExt cx="0" cy="0"/>
+        </a:xfrm>
+      </p:grpSpPr>
+      <p:sp>
+        <p:nvSpPr>
+          <p:cNvPr id="2" name="Title 1">
+            <a:extLst>
+              <a:ext uri="{FF2B5EF4-FFF2-40B4-BE49-F238E27FC236}">
+                <a16:creationId xmlns:a16="http://schemas.microsoft.com/office/drawing/2014/main" id="{9CD010A8-DD37-4634-0BB6-A901A79A8BC2}"/>
+              </a:ext>
+            </a:extLst>
+          </p:cNvPr>
+          <p:cNvSpPr>
+            <a:spLocks noGrp="1"/>
+          </p:cNvSpPr>
+          <p:nvPr>
+            <p:ph type="title"/>
+          </p:nvPr>
+        </p:nvSpPr>
+        <p:spPr>
+          <a:xfrm>
+            <a:off x="838200" y="20157"/>
+            <a:ext cx="10515600" cy="1325563"/>
+          </a:xfrm>
+        </p:spPr>
+        <p:txBody>
+          <a:bodyPr/>
+          <a:lstStyle/>
+          <a:p>
+            <a:r>
+              <a:rPr lang="en-US" altLang="zh-CN" dirty="0"/>
+              <a:t>Evaluation</a:t>
+            </a:r>
+            <a:endParaRPr lang="zh-CN" altLang="en-US" dirty="0"/>
+          </a:p>
+        </p:txBody>
+      </p:sp>
+      <p:pic>
+        <p:nvPicPr>
+          <p:cNvPr id="4" name="Picture 3">
+            <a:extLst>
+              <a:ext uri="{FF2B5EF4-FFF2-40B4-BE49-F238E27FC236}">
+                <a16:creationId xmlns:a16="http://schemas.microsoft.com/office/drawing/2014/main" id="{43D48B0D-BF5F-8C04-8443-2AF93BBCA0EF}"/>
+              </a:ext>
+            </a:extLst>
+          </p:cNvPr>
+          <p:cNvPicPr>
+            <a:picLocks noChangeAspect="1"/>
+          </p:cNvPicPr>
+          <p:nvPr/>
+        </p:nvPicPr>
+        <p:blipFill>
+          <a:blip r:embed="rId3"/>
+          <a:stretch>
+            <a:fillRect/>
+          </a:stretch>
+        </p:blipFill>
+        <p:spPr>
+          <a:xfrm>
+            <a:off x="112920" y="71951"/>
+            <a:ext cx="642860" cy="642860"/>
+          </a:xfrm>
+          <a:prstGeom prst="rect">
+            <a:avLst/>
+          </a:prstGeom>
+        </p:spPr>
+      </p:pic>
+      <p:pic>
+        <p:nvPicPr>
+          <p:cNvPr id="6" name="Content Placeholder 5" descr="A graph of different colored lines&#10;&#10;Description automatically generated">
+            <a:extLst>
+              <a:ext uri="{FF2B5EF4-FFF2-40B4-BE49-F238E27FC236}">
+                <a16:creationId xmlns:a16="http://schemas.microsoft.com/office/drawing/2014/main" id="{30D22A94-9516-D7F6-214B-E12FD8B0F57E}"/>
+              </a:ext>
+            </a:extLst>
+          </p:cNvPr>
+          <p:cNvPicPr>
+            <a:picLocks noGrp="1" noChangeAspect="1"/>
+          </p:cNvPicPr>
+          <p:nvPr>
+            <p:ph idx="1"/>
+          </p:nvPr>
+        </p:nvPicPr>
+        <p:blipFill>
+          <a:blip r:embed="rId4">
+            <a:extLst>
+              <a:ext uri="{28A0092B-C50C-407E-A947-70E740481C1C}">
+                <a14:useLocalDpi xmlns:a14="http://schemas.microsoft.com/office/drawing/2010/main" val="0"/>
+              </a:ext>
+            </a:extLst>
+          </a:blip>
+          <a:stretch>
+            <a:fillRect/>
+          </a:stretch>
+        </p:blipFill>
+        <p:spPr>
+          <a:xfrm>
+            <a:off x="287245" y="1851652"/>
+            <a:ext cx="11830110" cy="3154695"/>
+          </a:xfrm>
+        </p:spPr>
+      </p:pic>
+      <p:sp>
+        <p:nvSpPr>
+          <p:cNvPr id="3" name="Slide Number Placeholder 2">
+            <a:extLst>
+              <a:ext uri="{FF2B5EF4-FFF2-40B4-BE49-F238E27FC236}">
+                <a16:creationId xmlns:a16="http://schemas.microsoft.com/office/drawing/2014/main" id="{A2DD5F85-8555-CD7B-C46A-6AC9FB4627AF}"/>
+              </a:ext>
+            </a:extLst>
+          </p:cNvPr>
+          <p:cNvSpPr>
+            <a:spLocks noGrp="1"/>
+          </p:cNvSpPr>
+          <p:nvPr>
+            <p:ph type="sldNum" sz="quarter" idx="12"/>
+          </p:nvPr>
+        </p:nvSpPr>
+        <p:spPr/>
+        <p:txBody>
+          <a:bodyPr/>
+          <a:lstStyle/>
+          <a:p>
+            <a:fld id="{6781FF49-76B9-491A-ADB6-4957B03E0A36}" type="slidenum">
+              <a:rPr lang="zh-CN" altLang="en-US" smtClean="0"/>
+              <a:t>20</a:t>
+            </a:fld>
+            <a:endParaRPr lang="zh-CN" altLang="en-US"/>
+          </a:p>
+        </p:txBody>
+      </p:sp>
+    </p:spTree>
+    <p:extLst>
+      <p:ext uri="{BB962C8B-B14F-4D97-AF65-F5344CB8AC3E}">
+        <p14:creationId xmlns:p14="http://schemas.microsoft.com/office/powerpoint/2010/main" val="47408311"/>
       </p:ext>
     </p:extLst>
   </p:cSld>
@@ -15003,136 +16672,7 @@
           <p:nvPr/>
         </p:nvPicPr>
         <p:blipFill>
-          <a:blip r:embed="rId2"/>
-          <a:stretch>
-            <a:fillRect/>
-          </a:stretch>
-        </p:blipFill>
-        <p:spPr>
-          <a:xfrm>
-            <a:off x="112920" y="71951"/>
-            <a:ext cx="642860" cy="642860"/>
-          </a:xfrm>
-          <a:prstGeom prst="rect">
-            <a:avLst/>
-          </a:prstGeom>
-        </p:spPr>
-      </p:pic>
-      <p:pic>
-        <p:nvPicPr>
-          <p:cNvPr id="6" name="Content Placeholder 5" descr="A graph of different colored lines&#10;&#10;Description automatically generated">
-            <a:extLst>
-              <a:ext uri="{FF2B5EF4-FFF2-40B4-BE49-F238E27FC236}">
-                <a16:creationId xmlns:a16="http://schemas.microsoft.com/office/drawing/2014/main" id="{30D22A94-9516-D7F6-214B-E12FD8B0F57E}"/>
-              </a:ext>
-            </a:extLst>
-          </p:cNvPr>
-          <p:cNvPicPr>
-            <a:picLocks noGrp="1" noChangeAspect="1"/>
-          </p:cNvPicPr>
-          <p:nvPr>
-            <p:ph idx="1"/>
-          </p:nvPr>
-        </p:nvPicPr>
-        <p:blipFill>
-          <a:blip r:embed="rId3">
-            <a:extLst>
-              <a:ext uri="{28A0092B-C50C-407E-A947-70E740481C1C}">
-                <a14:useLocalDpi xmlns:a14="http://schemas.microsoft.com/office/drawing/2010/main" val="0"/>
-              </a:ext>
-            </a:extLst>
-          </a:blip>
-          <a:stretch>
-            <a:fillRect/>
-          </a:stretch>
-        </p:blipFill>
-        <p:spPr>
-          <a:xfrm>
-            <a:off x="287245" y="1851652"/>
-            <a:ext cx="11830110" cy="3154695"/>
-          </a:xfrm>
-        </p:spPr>
-      </p:pic>
-    </p:spTree>
-    <p:extLst>
-      <p:ext uri="{BB962C8B-B14F-4D97-AF65-F5344CB8AC3E}">
-        <p14:creationId xmlns:p14="http://schemas.microsoft.com/office/powerpoint/2010/main" val="47408311"/>
-      </p:ext>
-    </p:extLst>
-  </p:cSld>
-  <p:clrMapOvr>
-    <a:masterClrMapping/>
-  </p:clrMapOvr>
-</p:sld>
-</file>
-
-<file path=ppt/slides/slide22.xml><?xml version="1.0" encoding="utf-8"?>
-<p:sld xmlns:a="http://schemas.openxmlformats.org/drawingml/2006/main" xmlns:r="http://schemas.openxmlformats.org/officeDocument/2006/relationships" xmlns:p="http://schemas.openxmlformats.org/presentationml/2006/main">
-  <p:cSld>
-    <p:spTree>
-      <p:nvGrpSpPr>
-        <p:cNvPr id="1" name=""/>
-        <p:cNvGrpSpPr/>
-        <p:nvPr/>
-      </p:nvGrpSpPr>
-      <p:grpSpPr>
-        <a:xfrm>
-          <a:off x="0" y="0"/>
-          <a:ext cx="0" cy="0"/>
-          <a:chOff x="0" y="0"/>
-          <a:chExt cx="0" cy="0"/>
-        </a:xfrm>
-      </p:grpSpPr>
-      <p:sp>
-        <p:nvSpPr>
-          <p:cNvPr id="2" name="Title 1">
-            <a:extLst>
-              <a:ext uri="{FF2B5EF4-FFF2-40B4-BE49-F238E27FC236}">
-                <a16:creationId xmlns:a16="http://schemas.microsoft.com/office/drawing/2014/main" id="{9CD010A8-DD37-4634-0BB6-A901A79A8BC2}"/>
-              </a:ext>
-            </a:extLst>
-          </p:cNvPr>
-          <p:cNvSpPr>
-            <a:spLocks noGrp="1"/>
-          </p:cNvSpPr>
-          <p:nvPr>
-            <p:ph type="title"/>
-          </p:nvPr>
-        </p:nvSpPr>
-        <p:spPr>
-          <a:xfrm>
-            <a:off x="838200" y="20157"/>
-            <a:ext cx="10515600" cy="1325563"/>
-          </a:xfrm>
-        </p:spPr>
-        <p:txBody>
-          <a:bodyPr/>
-          <a:lstStyle/>
-          <a:p>
-            <a:r>
-              <a:rPr lang="en-US" altLang="zh-CN" dirty="0"/>
-              <a:t>Evaluation</a:t>
-            </a:r>
-            <a:endParaRPr lang="zh-CN" altLang="en-US" dirty="0"/>
-          </a:p>
-        </p:txBody>
-      </p:sp>
-      <p:pic>
-        <p:nvPicPr>
-          <p:cNvPr id="4" name="Picture 3">
-            <a:extLst>
-              <a:ext uri="{FF2B5EF4-FFF2-40B4-BE49-F238E27FC236}">
-                <a16:creationId xmlns:a16="http://schemas.microsoft.com/office/drawing/2014/main" id="{43D48B0D-BF5F-8C04-8443-2AF93BBCA0EF}"/>
-              </a:ext>
-            </a:extLst>
-          </p:cNvPr>
-          <p:cNvPicPr>
-            <a:picLocks noChangeAspect="1"/>
-          </p:cNvPicPr>
-          <p:nvPr/>
-        </p:nvPicPr>
-        <p:blipFill>
-          <a:blip r:embed="rId2"/>
+          <a:blip r:embed="rId3"/>
           <a:stretch>
             <a:fillRect/>
           </a:stretch>
@@ -15211,14 +16751,46 @@
           <a:p>
             <a:r>
               <a:rPr lang="en-US" altLang="zh-CN" dirty="0"/>
+              <a:t>Should not rely on “Entry Tariff”</a:t>
+            </a:r>
+          </a:p>
+          <a:p>
+            <a:r>
+              <a:rPr lang="en-US" altLang="zh-CN" dirty="0"/>
               <a:t>Spend is the key advantage</a:t>
             </a:r>
           </a:p>
           <a:p>
-            <a:r>
-              <a:rPr lang="en-US" altLang="zh-CN" dirty="0"/>
-              <a:t>Should not rely on “Entry Tariff”</a:t>
-            </a:r>
+            <a:endParaRPr lang="en-US" altLang="zh-CN" dirty="0"/>
+          </a:p>
+        </p:txBody>
+      </p:sp>
+      <p:sp>
+        <p:nvSpPr>
+          <p:cNvPr id="3" name="Slide Number Placeholder 2">
+            <a:extLst>
+              <a:ext uri="{FF2B5EF4-FFF2-40B4-BE49-F238E27FC236}">
+                <a16:creationId xmlns:a16="http://schemas.microsoft.com/office/drawing/2014/main" id="{2784A11D-B16C-2358-6B78-C136E3F66346}"/>
+              </a:ext>
+            </a:extLst>
+          </p:cNvPr>
+          <p:cNvSpPr>
+            <a:spLocks noGrp="1"/>
+          </p:cNvSpPr>
+          <p:nvPr>
+            <p:ph type="sldNum" sz="quarter" idx="12"/>
+          </p:nvPr>
+        </p:nvSpPr>
+        <p:spPr/>
+        <p:txBody>
+          <a:bodyPr/>
+          <a:lstStyle/>
+          <a:p>
+            <a:fld id="{6781FF49-76B9-491A-ADB6-4957B03E0A36}" type="slidenum">
+              <a:rPr lang="zh-CN" altLang="en-US" smtClean="0"/>
+              <a:t>21</a:t>
+            </a:fld>
+            <a:endParaRPr lang="zh-CN" altLang="en-US"/>
           </a:p>
         </p:txBody>
       </p:sp>
@@ -15235,7 +16807,7 @@
 </p:sld>
 </file>
 
-<file path=ppt/slides/slide23.xml><?xml version="1.0" encoding="utf-8"?>
+<file path=ppt/slides/slide22.xml><?xml version="1.0" encoding="utf-8"?>
 <p:sld xmlns:a="http://schemas.openxmlformats.org/drawingml/2006/main" xmlns:r="http://schemas.openxmlformats.org/officeDocument/2006/relationships" xmlns:p="http://schemas.openxmlformats.org/presentationml/2006/main">
   <p:cSld>
     <p:spTree>
@@ -15321,6 +16893,35 @@
           </a:p>
           <a:p>
             <a:endParaRPr lang="zh-CN" altLang="en-US" dirty="0"/>
+          </a:p>
+        </p:txBody>
+      </p:sp>
+      <p:sp>
+        <p:nvSpPr>
+          <p:cNvPr id="4" name="Slide Number Placeholder 3">
+            <a:extLst>
+              <a:ext uri="{FF2B5EF4-FFF2-40B4-BE49-F238E27FC236}">
+                <a16:creationId xmlns:a16="http://schemas.microsoft.com/office/drawing/2014/main" id="{8C490896-32FC-312F-A1EB-DFED443FF49C}"/>
+              </a:ext>
+            </a:extLst>
+          </p:cNvPr>
+          <p:cNvSpPr>
+            <a:spLocks noGrp="1"/>
+          </p:cNvSpPr>
+          <p:nvPr>
+            <p:ph type="sldNum" sz="quarter" idx="12"/>
+          </p:nvPr>
+        </p:nvSpPr>
+        <p:spPr/>
+        <p:txBody>
+          <a:bodyPr/>
+          <a:lstStyle/>
+          <a:p>
+            <a:fld id="{6781FF49-76B9-491A-ADB6-4957B03E0A36}" type="slidenum">
+              <a:rPr lang="zh-CN" altLang="en-US" smtClean="0"/>
+              <a:t>22</a:t>
+            </a:fld>
+            <a:endParaRPr lang="zh-CN" altLang="en-US"/>
           </a:p>
         </p:txBody>
       </p:sp>
@@ -15500,6 +17101,35 @@
           </a:prstGeom>
         </p:spPr>
       </p:pic>
+      <p:sp>
+        <p:nvSpPr>
+          <p:cNvPr id="5" name="Slide Number Placeholder 4">
+            <a:extLst>
+              <a:ext uri="{FF2B5EF4-FFF2-40B4-BE49-F238E27FC236}">
+                <a16:creationId xmlns:a16="http://schemas.microsoft.com/office/drawing/2014/main" id="{371D0D15-2D3F-0C8F-A2DB-D93277837E13}"/>
+              </a:ext>
+            </a:extLst>
+          </p:cNvPr>
+          <p:cNvSpPr>
+            <a:spLocks noGrp="1"/>
+          </p:cNvSpPr>
+          <p:nvPr>
+            <p:ph type="sldNum" sz="quarter" idx="12"/>
+          </p:nvPr>
+        </p:nvSpPr>
+        <p:spPr/>
+        <p:txBody>
+          <a:bodyPr/>
+          <a:lstStyle/>
+          <a:p>
+            <a:fld id="{6781FF49-76B9-491A-ADB6-4957B03E0A36}" type="slidenum">
+              <a:rPr lang="zh-CN" altLang="en-US" smtClean="0"/>
+              <a:t>3</a:t>
+            </a:fld>
+            <a:endParaRPr lang="zh-CN" altLang="en-US"/>
+          </a:p>
+        </p:txBody>
+      </p:sp>
     </p:spTree>
     <p:extLst>
       <p:ext uri="{BB962C8B-B14F-4D97-AF65-F5344CB8AC3E}">
@@ -15578,7 +17208,7 @@
         <p:spPr/>
         <p:txBody>
           <a:bodyPr>
-            <a:normAutofit fontScale="92500" lnSpcReduction="20000"/>
+            <a:normAutofit lnSpcReduction="10000"/>
           </a:bodyPr>
           <a:lstStyle/>
           <a:p>
@@ -15609,16 +17239,6 @@
           </a:p>
           <a:p>
             <a:r>
-              <a:rPr lang="en-US" altLang="zh-CN" dirty="0">
-                <a:solidFill>
-                  <a:srgbClr val="FFC000"/>
-                </a:solidFill>
-              </a:rPr>
-              <a:t>Location</a:t>
-            </a:r>
-          </a:p>
-          <a:p>
-            <a:r>
               <a:rPr lang="en-US" altLang="zh-CN" dirty="0"/>
               <a:t>Guardian Rank</a:t>
             </a:r>
@@ -15653,10 +17273,42 @@
           </a:p>
           <a:p>
             <a:r>
-              <a:rPr lang="en-US" altLang="zh-CN" dirty="0"/>
-              <a:t>…</a:t>
-            </a:r>
-            <a:endParaRPr lang="zh-CN" altLang="en-US" dirty="0"/>
+              <a:rPr lang="de-DE" altLang="zh-CN" dirty="0">
+                <a:solidFill>
+                  <a:srgbClr val="FFC000"/>
+                </a:solidFill>
+              </a:rPr>
+              <a:t>All </a:t>
+            </a:r>
+            <a:r>
+              <a:rPr lang="de-DE" altLang="zh-CN" dirty="0" err="1">
+                <a:solidFill>
+                  <a:srgbClr val="FFC000"/>
+                </a:solidFill>
+              </a:rPr>
+              <a:t>above</a:t>
+            </a:r>
+            <a:r>
+              <a:rPr lang="de-DE" altLang="zh-CN" dirty="0">
+                <a:solidFill>
+                  <a:srgbClr val="FFC000"/>
+                </a:solidFill>
+              </a:rPr>
+              <a:t> in different </a:t>
+            </a:r>
+            <a:r>
+              <a:rPr lang="de-DE" altLang="zh-CN" dirty="0" err="1">
+                <a:solidFill>
+                  <a:srgbClr val="FFC000"/>
+                </a:solidFill>
+              </a:rPr>
+              <a:t>major</a:t>
+            </a:r>
+            <a:endParaRPr lang="zh-CN" altLang="en-US" dirty="0">
+              <a:solidFill>
+                <a:srgbClr val="FFC000"/>
+              </a:solidFill>
+            </a:endParaRPr>
           </a:p>
         </p:txBody>
       </p:sp>
@@ -15690,6 +17342,35 @@
           </a:prstGeom>
         </p:spPr>
       </p:pic>
+      <p:sp>
+        <p:nvSpPr>
+          <p:cNvPr id="5" name="Slide Number Placeholder 4">
+            <a:extLst>
+              <a:ext uri="{FF2B5EF4-FFF2-40B4-BE49-F238E27FC236}">
+                <a16:creationId xmlns:a16="http://schemas.microsoft.com/office/drawing/2014/main" id="{88C797E7-3717-E7C4-8587-F95873384E2F}"/>
+              </a:ext>
+            </a:extLst>
+          </p:cNvPr>
+          <p:cNvSpPr>
+            <a:spLocks noGrp="1"/>
+          </p:cNvSpPr>
+          <p:nvPr>
+            <p:ph type="sldNum" sz="quarter" idx="12"/>
+          </p:nvPr>
+        </p:nvSpPr>
+        <p:spPr/>
+        <p:txBody>
+          <a:bodyPr/>
+          <a:lstStyle/>
+          <a:p>
+            <a:fld id="{6781FF49-76B9-491A-ADB6-4957B03E0A36}" type="slidenum">
+              <a:rPr lang="zh-CN" altLang="en-US" smtClean="0"/>
+              <a:t>4</a:t>
+            </a:fld>
+            <a:endParaRPr lang="zh-CN" altLang="en-US"/>
+          </a:p>
+        </p:txBody>
+      </p:sp>
     </p:spTree>
     <p:extLst>
       <p:ext uri="{BB962C8B-B14F-4D97-AF65-F5344CB8AC3E}">
@@ -15772,27 +17453,8 @@
           <a:p>
             <a:r>
               <a:rPr lang="en-US" altLang="zh-CN" dirty="0"/>
-              <a:t>Guardian Rank</a:t>
-            </a:r>
-          </a:p>
-          <a:p>
-            <a:pPr lvl="1"/>
-            <a:r>
-              <a:rPr lang="en-US" altLang="zh-CN" dirty="0"/>
-              <a:t>Ranked by guardian score</a:t>
-            </a:r>
-          </a:p>
-          <a:p>
-            <a:r>
-              <a:rPr lang="en-US" altLang="zh-CN" dirty="0" err="1"/>
-              <a:t>Gaurdian</a:t>
-            </a:r>
-            <a:r>
-              <a:rPr lang="en-US" altLang="zh-CN" dirty="0"/>
-              <a:t> Score (2015)</a:t>
-            </a:r>
-          </a:p>
-          <a:p>
+              <a:t>Data is given in a excel table</a:t>
+            </a:r>
             <a:endParaRPr lang="zh-CN" altLang="en-US" dirty="0"/>
           </a:p>
         </p:txBody>
@@ -15829,6 +17491,202 @@
       </p:pic>
       <p:pic>
         <p:nvPicPr>
+          <p:cNvPr id="6" name="Picture 5">
+            <a:extLst>
+              <a:ext uri="{FF2B5EF4-FFF2-40B4-BE49-F238E27FC236}">
+                <a16:creationId xmlns:a16="http://schemas.microsoft.com/office/drawing/2014/main" id="{EE2F84EE-1179-B00A-94F6-5BAF066C4A73}"/>
+              </a:ext>
+            </a:extLst>
+          </p:cNvPr>
+          <p:cNvPicPr>
+            <a:picLocks noChangeAspect="1"/>
+          </p:cNvPicPr>
+          <p:nvPr/>
+        </p:nvPicPr>
+        <p:blipFill>
+          <a:blip r:embed="rId3"/>
+          <a:stretch>
+            <a:fillRect/>
+          </a:stretch>
+        </p:blipFill>
+        <p:spPr>
+          <a:xfrm>
+            <a:off x="1198938" y="2416627"/>
+            <a:ext cx="9371285" cy="2638587"/>
+          </a:xfrm>
+          <a:prstGeom prst="rect">
+            <a:avLst/>
+          </a:prstGeom>
+        </p:spPr>
+      </p:pic>
+      <p:sp>
+        <p:nvSpPr>
+          <p:cNvPr id="5" name="Slide Number Placeholder 4">
+            <a:extLst>
+              <a:ext uri="{FF2B5EF4-FFF2-40B4-BE49-F238E27FC236}">
+                <a16:creationId xmlns:a16="http://schemas.microsoft.com/office/drawing/2014/main" id="{E0330541-5EFC-B7F0-CA69-3E0163E1DA24}"/>
+              </a:ext>
+            </a:extLst>
+          </p:cNvPr>
+          <p:cNvSpPr>
+            <a:spLocks noGrp="1"/>
+          </p:cNvSpPr>
+          <p:nvPr>
+            <p:ph type="sldNum" sz="quarter" idx="12"/>
+          </p:nvPr>
+        </p:nvSpPr>
+        <p:spPr/>
+        <p:txBody>
+          <a:bodyPr/>
+          <a:lstStyle/>
+          <a:p>
+            <a:fld id="{6781FF49-76B9-491A-ADB6-4957B03E0A36}" type="slidenum">
+              <a:rPr lang="zh-CN" altLang="en-US" smtClean="0"/>
+              <a:t>5</a:t>
+            </a:fld>
+            <a:endParaRPr lang="zh-CN" altLang="en-US"/>
+          </a:p>
+        </p:txBody>
+      </p:sp>
+    </p:spTree>
+    <p:extLst>
+      <p:ext uri="{BB962C8B-B14F-4D97-AF65-F5344CB8AC3E}">
+        <p14:creationId xmlns:p14="http://schemas.microsoft.com/office/powerpoint/2010/main" val="4280547542"/>
+      </p:ext>
+    </p:extLst>
+  </p:cSld>
+  <p:clrMapOvr>
+    <a:masterClrMapping/>
+  </p:clrMapOvr>
+</p:sld>
+</file>
+
+<file path=ppt/slides/slide6.xml><?xml version="1.0" encoding="utf-8"?>
+<p:sld xmlns:a="http://schemas.openxmlformats.org/drawingml/2006/main" xmlns:r="http://schemas.openxmlformats.org/officeDocument/2006/relationships" xmlns:p="http://schemas.openxmlformats.org/presentationml/2006/main">
+  <p:cSld>
+    <p:spTree>
+      <p:nvGrpSpPr>
+        <p:cNvPr id="1" name=""/>
+        <p:cNvGrpSpPr/>
+        <p:nvPr/>
+      </p:nvGrpSpPr>
+      <p:grpSpPr>
+        <a:xfrm>
+          <a:off x="0" y="0"/>
+          <a:ext cx="0" cy="0"/>
+          <a:chOff x="0" y="0"/>
+          <a:chExt cx="0" cy="0"/>
+        </a:xfrm>
+      </p:grpSpPr>
+      <p:sp>
+        <p:nvSpPr>
+          <p:cNvPr id="2" name="Title 1">
+            <a:extLst>
+              <a:ext uri="{FF2B5EF4-FFF2-40B4-BE49-F238E27FC236}">
+                <a16:creationId xmlns:a16="http://schemas.microsoft.com/office/drawing/2014/main" id="{9CD010A8-DD37-4634-0BB6-A901A79A8BC2}"/>
+              </a:ext>
+            </a:extLst>
+          </p:cNvPr>
+          <p:cNvSpPr>
+            <a:spLocks noGrp="1"/>
+          </p:cNvSpPr>
+          <p:nvPr>
+            <p:ph type="title"/>
+          </p:nvPr>
+        </p:nvSpPr>
+        <p:spPr/>
+        <p:txBody>
+          <a:bodyPr/>
+          <a:lstStyle/>
+          <a:p>
+            <a:r>
+              <a:rPr lang="en-US" altLang="zh-CN" dirty="0"/>
+              <a:t>Data Understanding</a:t>
+            </a:r>
+            <a:endParaRPr lang="zh-CN" altLang="en-US" dirty="0"/>
+          </a:p>
+        </p:txBody>
+      </p:sp>
+      <p:sp>
+        <p:nvSpPr>
+          <p:cNvPr id="3" name="Content Placeholder 2">
+            <a:extLst>
+              <a:ext uri="{FF2B5EF4-FFF2-40B4-BE49-F238E27FC236}">
+                <a16:creationId xmlns:a16="http://schemas.microsoft.com/office/drawing/2014/main" id="{9A1F6A18-EE88-0312-878A-762A8E49FAD1}"/>
+              </a:ext>
+            </a:extLst>
+          </p:cNvPr>
+          <p:cNvSpPr>
+            <a:spLocks noGrp="1"/>
+          </p:cNvSpPr>
+          <p:nvPr>
+            <p:ph idx="1"/>
+          </p:nvPr>
+        </p:nvSpPr>
+        <p:spPr/>
+        <p:txBody>
+          <a:bodyPr/>
+          <a:lstStyle/>
+          <a:p>
+            <a:r>
+              <a:rPr lang="en-US" altLang="zh-CN" dirty="0"/>
+              <a:t>Guardian Rank</a:t>
+            </a:r>
+          </a:p>
+          <a:p>
+            <a:pPr lvl="1"/>
+            <a:r>
+              <a:rPr lang="en-US" altLang="zh-CN" dirty="0"/>
+              <a:t>Ranked by guardian score</a:t>
+            </a:r>
+          </a:p>
+          <a:p>
+            <a:r>
+              <a:rPr lang="en-US" altLang="zh-CN" dirty="0" err="1"/>
+              <a:t>Gaurdian</a:t>
+            </a:r>
+            <a:r>
+              <a:rPr lang="en-US" altLang="zh-CN" dirty="0"/>
+              <a:t> Score (2015)</a:t>
+            </a:r>
+          </a:p>
+          <a:p>
+            <a:endParaRPr lang="zh-CN" altLang="en-US" dirty="0"/>
+          </a:p>
+        </p:txBody>
+      </p:sp>
+      <p:pic>
+        <p:nvPicPr>
+          <p:cNvPr id="4" name="Picture 3">
+            <a:extLst>
+              <a:ext uri="{FF2B5EF4-FFF2-40B4-BE49-F238E27FC236}">
+                <a16:creationId xmlns:a16="http://schemas.microsoft.com/office/drawing/2014/main" id="{43D48B0D-BF5F-8C04-8443-2AF93BBCA0EF}"/>
+              </a:ext>
+            </a:extLst>
+          </p:cNvPr>
+          <p:cNvPicPr>
+            <a:picLocks noChangeAspect="1"/>
+          </p:cNvPicPr>
+          <p:nvPr/>
+        </p:nvPicPr>
+        <p:blipFill>
+          <a:blip r:embed="rId3"/>
+          <a:stretch>
+            <a:fillRect/>
+          </a:stretch>
+        </p:blipFill>
+        <p:spPr>
+          <a:xfrm>
+            <a:off x="112920" y="71951"/>
+            <a:ext cx="642860" cy="642860"/>
+          </a:xfrm>
+          <a:prstGeom prst="rect">
+            <a:avLst/>
+          </a:prstGeom>
+        </p:spPr>
+      </p:pic>
+      <p:pic>
+        <p:nvPicPr>
           <p:cNvPr id="6" name="Picture 5" descr="A table with text and percentages&#10;&#10;Description automatically generated">
             <a:extLst>
               <a:ext uri="{FF2B5EF4-FFF2-40B4-BE49-F238E27FC236}">
@@ -15842,7 +17700,7 @@
           <p:nvPr/>
         </p:nvPicPr>
         <p:blipFill>
-          <a:blip r:embed="rId3">
+          <a:blip r:embed="rId4">
             <a:extLst>
               <a:ext uri="{28A0092B-C50C-407E-A947-70E740481C1C}">
                 <a14:useLocalDpi xmlns:a14="http://schemas.microsoft.com/office/drawing/2010/main" val="0"/>
@@ -15897,11 +17755,40 @@
             </a:r>
             <a:r>
               <a:rPr lang="en-US" altLang="zh-CN" sz="1200" dirty="0">
-                <a:hlinkClick r:id="rId4"/>
+                <a:hlinkClick r:id="rId5"/>
               </a:rPr>
               <a:t>https://www.theguardian.com/education/2014/jun/03/methodology-of-the-guardian-university-guide-2015</a:t>
             </a:r>
             <a:endParaRPr lang="zh-CN" altLang="en-US" sz="1200" dirty="0"/>
+          </a:p>
+        </p:txBody>
+      </p:sp>
+      <p:sp>
+        <p:nvSpPr>
+          <p:cNvPr id="5" name="Slide Number Placeholder 4">
+            <a:extLst>
+              <a:ext uri="{FF2B5EF4-FFF2-40B4-BE49-F238E27FC236}">
+                <a16:creationId xmlns:a16="http://schemas.microsoft.com/office/drawing/2014/main" id="{F89F0763-F8B4-5240-0132-63BCBA9FD117}"/>
+              </a:ext>
+            </a:extLst>
+          </p:cNvPr>
+          <p:cNvSpPr>
+            <a:spLocks noGrp="1"/>
+          </p:cNvSpPr>
+          <p:nvPr>
+            <p:ph type="sldNum" sz="quarter" idx="12"/>
+          </p:nvPr>
+        </p:nvSpPr>
+        <p:spPr/>
+        <p:txBody>
+          <a:bodyPr/>
+          <a:lstStyle/>
+          <a:p>
+            <a:fld id="{6781FF49-76B9-491A-ADB6-4957B03E0A36}" type="slidenum">
+              <a:rPr lang="zh-CN" altLang="en-US" smtClean="0"/>
+              <a:t>6</a:t>
+            </a:fld>
+            <a:endParaRPr lang="zh-CN" altLang="en-US"/>
           </a:p>
         </p:txBody>
       </p:sp>
@@ -15918,7 +17805,7 @@
 </p:sld>
 </file>
 
-<file path=ppt/slides/slide6.xml><?xml version="1.0" encoding="utf-8"?>
+<file path=ppt/slides/slide7.xml><?xml version="1.0" encoding="utf-8"?>
 <p:sld xmlns:a="http://schemas.openxmlformats.org/drawingml/2006/main" xmlns:r="http://schemas.openxmlformats.org/officeDocument/2006/relationships" xmlns:p="http://schemas.openxmlformats.org/presentationml/2006/main">
   <p:cSld>
     <p:spTree>
@@ -16097,6 +17984,35 @@
           </a:p>
         </p:txBody>
       </p:sp>
+      <p:sp>
+        <p:nvSpPr>
+          <p:cNvPr id="6" name="Slide Number Placeholder 5">
+            <a:extLst>
+              <a:ext uri="{FF2B5EF4-FFF2-40B4-BE49-F238E27FC236}">
+                <a16:creationId xmlns:a16="http://schemas.microsoft.com/office/drawing/2014/main" id="{A2BE6EDE-1B72-3AAF-DD48-BCB1FCC0D0FA}"/>
+              </a:ext>
+            </a:extLst>
+          </p:cNvPr>
+          <p:cNvSpPr>
+            <a:spLocks noGrp="1"/>
+          </p:cNvSpPr>
+          <p:nvPr>
+            <p:ph type="sldNum" sz="quarter" idx="12"/>
+          </p:nvPr>
+        </p:nvSpPr>
+        <p:spPr/>
+        <p:txBody>
+          <a:bodyPr/>
+          <a:lstStyle/>
+          <a:p>
+            <a:fld id="{6781FF49-76B9-491A-ADB6-4957B03E0A36}" type="slidenum">
+              <a:rPr lang="zh-CN" altLang="en-US" smtClean="0"/>
+              <a:t>7</a:t>
+            </a:fld>
+            <a:endParaRPr lang="zh-CN" altLang="en-US"/>
+          </a:p>
+        </p:txBody>
+      </p:sp>
     </p:spTree>
     <p:extLst>
       <p:ext uri="{BB962C8B-B14F-4D97-AF65-F5344CB8AC3E}">
@@ -16110,7 +18026,7 @@
 </p:sld>
 </file>
 
-<file path=ppt/slides/slide7.xml><?xml version="1.0" encoding="utf-8"?>
+<file path=ppt/slides/slide8.xml><?xml version="1.0" encoding="utf-8"?>
 <p:sld xmlns:a="http://schemas.openxmlformats.org/drawingml/2006/main" xmlns:r="http://schemas.openxmlformats.org/officeDocument/2006/relationships" xmlns:p="http://schemas.openxmlformats.org/presentationml/2006/main">
   <p:cSld>
     <p:spTree>
@@ -16266,6 +18182,35 @@
           </a:p>
         </p:txBody>
       </p:sp>
+      <p:sp>
+        <p:nvSpPr>
+          <p:cNvPr id="6" name="Slide Number Placeholder 5">
+            <a:extLst>
+              <a:ext uri="{FF2B5EF4-FFF2-40B4-BE49-F238E27FC236}">
+                <a16:creationId xmlns:a16="http://schemas.microsoft.com/office/drawing/2014/main" id="{5D750E02-18B3-8C0D-D607-77EF80C4EF8D}"/>
+              </a:ext>
+            </a:extLst>
+          </p:cNvPr>
+          <p:cNvSpPr>
+            <a:spLocks noGrp="1"/>
+          </p:cNvSpPr>
+          <p:nvPr>
+            <p:ph type="sldNum" sz="quarter" idx="12"/>
+          </p:nvPr>
+        </p:nvSpPr>
+        <p:spPr/>
+        <p:txBody>
+          <a:bodyPr/>
+          <a:lstStyle/>
+          <a:p>
+            <a:fld id="{6781FF49-76B9-491A-ADB6-4957B03E0A36}" type="slidenum">
+              <a:rPr lang="zh-CN" altLang="en-US" smtClean="0"/>
+              <a:t>8</a:t>
+            </a:fld>
+            <a:endParaRPr lang="zh-CN" altLang="en-US"/>
+          </a:p>
+        </p:txBody>
+      </p:sp>
     </p:spTree>
     <p:extLst>
       <p:ext uri="{BB962C8B-B14F-4D97-AF65-F5344CB8AC3E}">
@@ -16279,7 +18224,7 @@
 </p:sld>
 </file>
 
-<file path=ppt/slides/slide8.xml><?xml version="1.0" encoding="utf-8"?>
+<file path=ppt/slides/slide9.xml><?xml version="1.0" encoding="utf-8"?>
 <p:sld xmlns:a="http://schemas.openxmlformats.org/drawingml/2006/main" xmlns:r="http://schemas.openxmlformats.org/officeDocument/2006/relationships" xmlns:p="http://schemas.openxmlformats.org/presentationml/2006/main">
   <p:cSld>
     <p:spTree>
@@ -16468,42 +18413,12 @@
           </a:p>
         </p:txBody>
       </p:sp>
-    </p:spTree>
-    <p:extLst>
-      <p:ext uri="{BB962C8B-B14F-4D97-AF65-F5344CB8AC3E}">
-        <p14:creationId xmlns:p14="http://schemas.microsoft.com/office/powerpoint/2010/main" val="3923135245"/>
-      </p:ext>
-    </p:extLst>
-  </p:cSld>
-  <p:clrMapOvr>
-    <a:masterClrMapping/>
-  </p:clrMapOvr>
-</p:sld>
-</file>
-
-<file path=ppt/slides/slide9.xml><?xml version="1.0" encoding="utf-8"?>
-<p:sld xmlns:a="http://schemas.openxmlformats.org/drawingml/2006/main" xmlns:r="http://schemas.openxmlformats.org/officeDocument/2006/relationships" xmlns:p="http://schemas.openxmlformats.org/presentationml/2006/main">
-  <p:cSld>
-    <p:spTree>
-      <p:nvGrpSpPr>
-        <p:cNvPr id="1" name=""/>
-        <p:cNvGrpSpPr/>
-        <p:nvPr/>
-      </p:nvGrpSpPr>
-      <p:grpSpPr>
-        <a:xfrm>
-          <a:off x="0" y="0"/>
-          <a:ext cx="0" cy="0"/>
-          <a:chOff x="0" y="0"/>
-          <a:chExt cx="0" cy="0"/>
-        </a:xfrm>
-      </p:grpSpPr>
       <p:sp>
         <p:nvSpPr>
-          <p:cNvPr id="2" name="Title 1">
+          <p:cNvPr id="6" name="Slide Number Placeholder 5">
             <a:extLst>
               <a:ext uri="{FF2B5EF4-FFF2-40B4-BE49-F238E27FC236}">
-                <a16:creationId xmlns:a16="http://schemas.microsoft.com/office/drawing/2014/main" id="{9CD010A8-DD37-4634-0BB6-A901A79A8BC2}"/>
+                <a16:creationId xmlns:a16="http://schemas.microsoft.com/office/drawing/2014/main" id="{70A19208-09C2-B5B5-C1A3-4AE150BC3A5E}"/>
               </a:ext>
             </a:extLst>
           </p:cNvPr>
@@ -16511,7 +18426,7 @@
             <a:spLocks noGrp="1"/>
           </p:cNvSpPr>
           <p:nvPr>
-            <p:ph type="title"/>
+            <p:ph type="sldNum" sz="quarter" idx="12"/>
           </p:nvPr>
         </p:nvSpPr>
         <p:spPr/>
@@ -16519,126 +18434,18 @@
           <a:bodyPr/>
           <a:lstStyle/>
           <a:p>
-            <a:r>
-              <a:rPr lang="en-US" altLang="zh-CN" dirty="0"/>
-              <a:t>Data Understanding</a:t>
-            </a:r>
-            <a:endParaRPr lang="zh-CN" altLang="en-US" dirty="0"/>
-          </a:p>
-        </p:txBody>
-      </p:sp>
-      <p:sp>
-        <p:nvSpPr>
-          <p:cNvPr id="3" name="Content Placeholder 2">
-            <a:extLst>
-              <a:ext uri="{FF2B5EF4-FFF2-40B4-BE49-F238E27FC236}">
-                <a16:creationId xmlns:a16="http://schemas.microsoft.com/office/drawing/2014/main" id="{9A1F6A18-EE88-0312-878A-762A8E49FAD1}"/>
-              </a:ext>
-            </a:extLst>
-          </p:cNvPr>
-          <p:cNvSpPr>
-            <a:spLocks noGrp="1"/>
-          </p:cNvSpPr>
-          <p:nvPr>
-            <p:ph idx="1"/>
-          </p:nvPr>
-        </p:nvSpPr>
-        <p:spPr/>
-        <p:txBody>
-          <a:bodyPr/>
-          <a:lstStyle/>
-          <a:p>
-            <a:r>
-              <a:rPr lang="en-US" altLang="zh-CN" dirty="0"/>
-              <a:t>Value added</a:t>
-            </a:r>
-          </a:p>
-          <a:p>
-            <a:pPr lvl="1"/>
-            <a:r>
-              <a:rPr lang="en-US" altLang="zh-CN" dirty="0"/>
-              <a:t>Based upon a sophisticated indexing methodology that tracks students from enrolment to graduation, qualifications upon entry are compared with the award that a student receives at the end of their studies. Each full time student is given a probability of achieving a 1st or 2:1, based on the qualifications that they enter with.</a:t>
-            </a:r>
-            <a:endParaRPr lang="zh-CN" altLang="en-US" dirty="0"/>
-          </a:p>
-        </p:txBody>
-      </p:sp>
-      <p:pic>
-        <p:nvPicPr>
-          <p:cNvPr id="4" name="Picture 3">
-            <a:extLst>
-              <a:ext uri="{FF2B5EF4-FFF2-40B4-BE49-F238E27FC236}">
-                <a16:creationId xmlns:a16="http://schemas.microsoft.com/office/drawing/2014/main" id="{43D48B0D-BF5F-8C04-8443-2AF93BBCA0EF}"/>
-              </a:ext>
-            </a:extLst>
-          </p:cNvPr>
-          <p:cNvPicPr>
-            <a:picLocks noChangeAspect="1"/>
-          </p:cNvPicPr>
-          <p:nvPr/>
-        </p:nvPicPr>
-        <p:blipFill>
-          <a:blip r:embed="rId2"/>
-          <a:stretch>
-            <a:fillRect/>
-          </a:stretch>
-        </p:blipFill>
-        <p:spPr>
-          <a:xfrm>
-            <a:off x="112920" y="71951"/>
-            <a:ext cx="642860" cy="642860"/>
-          </a:xfrm>
-          <a:prstGeom prst="rect">
-            <a:avLst/>
-          </a:prstGeom>
-        </p:spPr>
-      </p:pic>
-      <p:sp>
-        <p:nvSpPr>
-          <p:cNvPr id="5" name="TextBox 4">
-            <a:extLst>
-              <a:ext uri="{FF2B5EF4-FFF2-40B4-BE49-F238E27FC236}">
-                <a16:creationId xmlns:a16="http://schemas.microsoft.com/office/drawing/2014/main" id="{64438557-9978-38D7-C26B-811AAA1192E9}"/>
-              </a:ext>
-            </a:extLst>
-          </p:cNvPr>
-          <p:cNvSpPr txBox="1"/>
-          <p:nvPr/>
-        </p:nvSpPr>
-        <p:spPr>
-          <a:xfrm>
-            <a:off x="272718" y="6173400"/>
-            <a:ext cx="7919156" cy="276999"/>
-          </a:xfrm>
-          <a:prstGeom prst="rect">
-            <a:avLst/>
-          </a:prstGeom>
-          <a:noFill/>
-        </p:spPr>
-        <p:txBody>
-          <a:bodyPr wrap="none" rtlCol="0">
-            <a:spAutoFit/>
-          </a:bodyPr>
-          <a:lstStyle/>
-          <a:p>
-            <a:r>
-              <a:rPr lang="en-US" altLang="zh-CN" sz="1200" dirty="0"/>
-              <a:t>Source: </a:t>
-            </a:r>
-            <a:r>
-              <a:rPr lang="en-US" altLang="zh-CN" sz="1200" dirty="0">
-                <a:hlinkClick r:id="rId3"/>
-              </a:rPr>
-              <a:t>https://www.theguardian.com/education/2014/jun/03/methodology-of-the-guardian-university-guide-2015</a:t>
-            </a:r>
-            <a:endParaRPr lang="zh-CN" altLang="en-US" sz="1200" dirty="0"/>
+            <a:fld id="{6781FF49-76B9-491A-ADB6-4957B03E0A36}" type="slidenum">
+              <a:rPr lang="zh-CN" altLang="en-US" smtClean="0"/>
+              <a:t>9</a:t>
+            </a:fld>
+            <a:endParaRPr lang="zh-CN" altLang="en-US"/>
           </a:p>
         </p:txBody>
       </p:sp>
     </p:spTree>
     <p:extLst>
       <p:ext uri="{BB962C8B-B14F-4D97-AF65-F5344CB8AC3E}">
-        <p14:creationId xmlns:p14="http://schemas.microsoft.com/office/powerpoint/2010/main" val="2408176524"/>
+        <p14:creationId xmlns:p14="http://schemas.microsoft.com/office/powerpoint/2010/main" val="3923135245"/>
       </p:ext>
     </p:extLst>
   </p:cSld>
@@ -16941,4 +18748,299 @@
     </a:ext>
   </a:extLst>
 </a:theme>
+</file>
+
+<file path=ppt/theme/theme2.xml><?xml version="1.0" encoding="utf-8"?>
+<a:theme xmlns:a="http://schemas.openxmlformats.org/drawingml/2006/main" name="Office Theme">
+  <a:themeElements>
+    <a:clrScheme name="Office">
+      <a:dk1>
+        <a:sysClr val="windowText" lastClr="000000"/>
+      </a:dk1>
+      <a:lt1>
+        <a:sysClr val="window" lastClr="FFFFFF"/>
+      </a:lt1>
+      <a:dk2>
+        <a:srgbClr val="44546A"/>
+      </a:dk2>
+      <a:lt2>
+        <a:srgbClr val="E7E6E6"/>
+      </a:lt2>
+      <a:accent1>
+        <a:srgbClr val="4472C4"/>
+      </a:accent1>
+      <a:accent2>
+        <a:srgbClr val="ED7D31"/>
+      </a:accent2>
+      <a:accent3>
+        <a:srgbClr val="A5A5A5"/>
+      </a:accent3>
+      <a:accent4>
+        <a:srgbClr val="FFC000"/>
+      </a:accent4>
+      <a:accent5>
+        <a:srgbClr val="5B9BD5"/>
+      </a:accent5>
+      <a:accent6>
+        <a:srgbClr val="70AD47"/>
+      </a:accent6>
+      <a:hlink>
+        <a:srgbClr val="0563C1"/>
+      </a:hlink>
+      <a:folHlink>
+        <a:srgbClr val="954F72"/>
+      </a:folHlink>
+    </a:clrScheme>
+    <a:fontScheme name="Office">
+      <a:majorFont>
+        <a:latin typeface="等线 Light" panose="020F0302020204030204"/>
+        <a:ea typeface=""/>
+        <a:cs typeface=""/>
+        <a:font script="Jpan" typeface="游ゴシック Light"/>
+        <a:font script="Hang" typeface="맑은 고딕"/>
+        <a:font script="Hans" typeface="等线 Light"/>
+        <a:font script="Hant" typeface="新細明體"/>
+        <a:font script="Arab" typeface="Times New Roman"/>
+        <a:font script="Hebr" typeface="Times New Roman"/>
+        <a:font script="Thai" typeface="Angsana New"/>
+        <a:font script="Ethi" typeface="Nyala"/>
+        <a:font script="Beng" typeface="Vrinda"/>
+        <a:font script="Gujr" typeface="Shruti"/>
+        <a:font script="Khmr" typeface="MoolBoran"/>
+        <a:font script="Knda" typeface="Tunga"/>
+        <a:font script="Guru" typeface="Raavi"/>
+        <a:font script="Cans" typeface="Euphemia"/>
+        <a:font script="Cher" typeface="Plantagenet Cherokee"/>
+        <a:font script="Yiii" typeface="Microsoft Yi Baiti"/>
+        <a:font script="Tibt" typeface="Microsoft Himalaya"/>
+        <a:font script="Thaa" typeface="MV Boli"/>
+        <a:font script="Deva" typeface="Mangal"/>
+        <a:font script="Telu" typeface="Gautami"/>
+        <a:font script="Taml" typeface="Latha"/>
+        <a:font script="Syrc" typeface="Estrangelo Edessa"/>
+        <a:font script="Orya" typeface="Kalinga"/>
+        <a:font script="Mlym" typeface="Kartika"/>
+        <a:font script="Laoo" typeface="DokChampa"/>
+        <a:font script="Sinh" typeface="Iskoola Pota"/>
+        <a:font script="Mong" typeface="Mongolian Baiti"/>
+        <a:font script="Viet" typeface="Times New Roman"/>
+        <a:font script="Uigh" typeface="Microsoft Uighur"/>
+        <a:font script="Geor" typeface="Sylfaen"/>
+        <a:font script="Armn" typeface="Arial"/>
+        <a:font script="Bugi" typeface="Leelawadee UI"/>
+        <a:font script="Bopo" typeface="Microsoft JhengHei"/>
+        <a:font script="Java" typeface="Javanese Text"/>
+        <a:font script="Lisu" typeface="Segoe UI"/>
+        <a:font script="Mymr" typeface="Myanmar Text"/>
+        <a:font script="Nkoo" typeface="Ebrima"/>
+        <a:font script="Olck" typeface="Nirmala UI"/>
+        <a:font script="Osma" typeface="Ebrima"/>
+        <a:font script="Phag" typeface="Phagspa"/>
+        <a:font script="Syrn" typeface="Estrangelo Edessa"/>
+        <a:font script="Syrj" typeface="Estrangelo Edessa"/>
+        <a:font script="Syre" typeface="Estrangelo Edessa"/>
+        <a:font script="Sora" typeface="Nirmala UI"/>
+        <a:font script="Tale" typeface="Microsoft Tai Le"/>
+        <a:font script="Talu" typeface="Microsoft New Tai Lue"/>
+        <a:font script="Tfng" typeface="Ebrima"/>
+      </a:majorFont>
+      <a:minorFont>
+        <a:latin typeface="等线" panose="020F0502020204030204"/>
+        <a:ea typeface=""/>
+        <a:cs typeface=""/>
+        <a:font script="Jpan" typeface="游ゴシック"/>
+        <a:font script="Hang" typeface="맑은 고딕"/>
+        <a:font script="Hans" typeface="等线"/>
+        <a:font script="Hant" typeface="新細明體"/>
+        <a:font script="Arab" typeface="Arial"/>
+        <a:font script="Hebr" typeface="Arial"/>
+        <a:font script="Thai" typeface="Cordia New"/>
+        <a:font script="Ethi" typeface="Nyala"/>
+        <a:font script="Beng" typeface="Vrinda"/>
+        <a:font script="Gujr" typeface="Shruti"/>
+        <a:font script="Khmr" typeface="DaunPenh"/>
+        <a:font script="Knda" typeface="Tunga"/>
+        <a:font script="Guru" typeface="Raavi"/>
+        <a:font script="Cans" typeface="Euphemia"/>
+        <a:font script="Cher" typeface="Plantagenet Cherokee"/>
+        <a:font script="Yiii" typeface="Microsoft Yi Baiti"/>
+        <a:font script="Tibt" typeface="Microsoft Himalaya"/>
+        <a:font script="Thaa" typeface="MV Boli"/>
+        <a:font script="Deva" typeface="Mangal"/>
+        <a:font script="Telu" typeface="Gautami"/>
+        <a:font script="Taml" typeface="Latha"/>
+        <a:font script="Syrc" typeface="Estrangelo Edessa"/>
+        <a:font script="Orya" typeface="Kalinga"/>
+        <a:font script="Mlym" typeface="Kartika"/>
+        <a:font script="Laoo" typeface="DokChampa"/>
+        <a:font script="Sinh" typeface="Iskoola Pota"/>
+        <a:font script="Mong" typeface="Mongolian Baiti"/>
+        <a:font script="Viet" typeface="Arial"/>
+        <a:font script="Uigh" typeface="Microsoft Uighur"/>
+        <a:font script="Geor" typeface="Sylfaen"/>
+        <a:font script="Armn" typeface="Arial"/>
+        <a:font script="Bugi" typeface="Leelawadee UI"/>
+        <a:font script="Bopo" typeface="Microsoft JhengHei"/>
+        <a:font script="Java" typeface="Javanese Text"/>
+        <a:font script="Lisu" typeface="Segoe UI"/>
+        <a:font script="Mymr" typeface="Myanmar Text"/>
+        <a:font script="Nkoo" typeface="Ebrima"/>
+        <a:font script="Olck" typeface="Nirmala UI"/>
+        <a:font script="Osma" typeface="Ebrima"/>
+        <a:font script="Phag" typeface="Phagspa"/>
+        <a:font script="Syrn" typeface="Estrangelo Edessa"/>
+        <a:font script="Syrj" typeface="Estrangelo Edessa"/>
+        <a:font script="Syre" typeface="Estrangelo Edessa"/>
+        <a:font script="Sora" typeface="Nirmala UI"/>
+        <a:font script="Tale" typeface="Microsoft Tai Le"/>
+        <a:font script="Talu" typeface="Microsoft New Tai Lue"/>
+        <a:font script="Tfng" typeface="Ebrima"/>
+      </a:minorFont>
+    </a:fontScheme>
+    <a:fmtScheme name="Office">
+      <a:fillStyleLst>
+        <a:solidFill>
+          <a:schemeClr val="phClr"/>
+        </a:solidFill>
+        <a:gradFill rotWithShape="1">
+          <a:gsLst>
+            <a:gs pos="0">
+              <a:schemeClr val="phClr">
+                <a:lumMod val="110000"/>
+                <a:satMod val="105000"/>
+                <a:tint val="67000"/>
+              </a:schemeClr>
+            </a:gs>
+            <a:gs pos="50000">
+              <a:schemeClr val="phClr">
+                <a:lumMod val="105000"/>
+                <a:satMod val="103000"/>
+                <a:tint val="73000"/>
+              </a:schemeClr>
+            </a:gs>
+            <a:gs pos="100000">
+              <a:schemeClr val="phClr">
+                <a:lumMod val="105000"/>
+                <a:satMod val="109000"/>
+                <a:tint val="81000"/>
+              </a:schemeClr>
+            </a:gs>
+          </a:gsLst>
+          <a:lin ang="5400000" scaled="0"/>
+        </a:gradFill>
+        <a:gradFill rotWithShape="1">
+          <a:gsLst>
+            <a:gs pos="0">
+              <a:schemeClr val="phClr">
+                <a:satMod val="103000"/>
+                <a:lumMod val="102000"/>
+                <a:tint val="94000"/>
+              </a:schemeClr>
+            </a:gs>
+            <a:gs pos="50000">
+              <a:schemeClr val="phClr">
+                <a:satMod val="110000"/>
+                <a:lumMod val="100000"/>
+                <a:shade val="100000"/>
+              </a:schemeClr>
+            </a:gs>
+            <a:gs pos="100000">
+              <a:schemeClr val="phClr">
+                <a:lumMod val="99000"/>
+                <a:satMod val="120000"/>
+                <a:shade val="78000"/>
+              </a:schemeClr>
+            </a:gs>
+          </a:gsLst>
+          <a:lin ang="5400000" scaled="0"/>
+        </a:gradFill>
+      </a:fillStyleLst>
+      <a:lnStyleLst>
+        <a:ln w="6350" cap="flat" cmpd="sng" algn="ctr">
+          <a:solidFill>
+            <a:schemeClr val="phClr"/>
+          </a:solidFill>
+          <a:prstDash val="solid"/>
+          <a:miter lim="800000"/>
+        </a:ln>
+        <a:ln w="12700" cap="flat" cmpd="sng" algn="ctr">
+          <a:solidFill>
+            <a:schemeClr val="phClr"/>
+          </a:solidFill>
+          <a:prstDash val="solid"/>
+          <a:miter lim="800000"/>
+        </a:ln>
+        <a:ln w="19050" cap="flat" cmpd="sng" algn="ctr">
+          <a:solidFill>
+            <a:schemeClr val="phClr"/>
+          </a:solidFill>
+          <a:prstDash val="solid"/>
+          <a:miter lim="800000"/>
+        </a:ln>
+      </a:lnStyleLst>
+      <a:effectStyleLst>
+        <a:effectStyle>
+          <a:effectLst/>
+        </a:effectStyle>
+        <a:effectStyle>
+          <a:effectLst/>
+        </a:effectStyle>
+        <a:effectStyle>
+          <a:effectLst>
+            <a:outerShdw blurRad="57150" dist="19050" dir="5400000" algn="ctr" rotWithShape="0">
+              <a:srgbClr val="000000">
+                <a:alpha val="63000"/>
+              </a:srgbClr>
+            </a:outerShdw>
+          </a:effectLst>
+        </a:effectStyle>
+      </a:effectStyleLst>
+      <a:bgFillStyleLst>
+        <a:solidFill>
+          <a:schemeClr val="phClr"/>
+        </a:solidFill>
+        <a:solidFill>
+          <a:schemeClr val="phClr">
+            <a:tint val="95000"/>
+            <a:satMod val="170000"/>
+          </a:schemeClr>
+        </a:solidFill>
+        <a:gradFill rotWithShape="1">
+          <a:gsLst>
+            <a:gs pos="0">
+              <a:schemeClr val="phClr">
+                <a:tint val="93000"/>
+                <a:satMod val="150000"/>
+                <a:shade val="98000"/>
+                <a:lumMod val="102000"/>
+              </a:schemeClr>
+            </a:gs>
+            <a:gs pos="50000">
+              <a:schemeClr val="phClr">
+                <a:tint val="98000"/>
+                <a:satMod val="130000"/>
+                <a:shade val="90000"/>
+                <a:lumMod val="103000"/>
+              </a:schemeClr>
+            </a:gs>
+            <a:gs pos="100000">
+              <a:schemeClr val="phClr">
+                <a:shade val="63000"/>
+                <a:satMod val="120000"/>
+              </a:schemeClr>
+            </a:gs>
+          </a:gsLst>
+          <a:lin ang="5400000" scaled="0"/>
+        </a:gradFill>
+      </a:bgFillStyleLst>
+    </a:fmtScheme>
+  </a:themeElements>
+  <a:objectDefaults/>
+  <a:extraClrSchemeLst/>
+  <a:extLst>
+    <a:ext uri="{05A4C25C-085E-4340-85A3-A5531E510DB2}">
+      <thm15:themeFamily xmlns:thm15="http://schemas.microsoft.com/office/thememl/2012/main" name="Office Theme" id="{62F939B6-93AF-4DB8-9C6B-D6C7DFDC589F}" vid="{4A3C46E8-61CC-4603-A589-7422A47A8E4A}"/>
+    </a:ext>
+  </a:extLst>
+</a:theme>
 </file>